--- a/발표자료.pptx
+++ b/발표자료.pptx
@@ -10,6 +10,7 @@
     <p:sldId id="261" r:id="rId4"/>
     <p:sldId id="262" r:id="rId5"/>
     <p:sldId id="263" r:id="rId6"/>
+    <p:sldId id="264" r:id="rId7"/>
   </p:sldIdLst>
   <p:sldSz cx="12192000" cy="6858000"/>
   <p:notesSz cx="6858000" cy="9144000"/>
@@ -9456,6 +9457,67 @@
           <a:chExt cx="0" cy="0"/>
         </a:xfrm>
       </p:grpSpPr>
+      <p:grpSp>
+        <p:nvGrpSpPr>
+          <p:cNvPr id="121" name="그룹 120"/>
+          <p:cNvGrpSpPr/>
+          <p:nvPr/>
+        </p:nvGrpSpPr>
+        <p:grpSpPr>
+          <a:xfrm>
+            <a:off x="7056362" y="2357318"/>
+            <a:ext cx="3469574" cy="4943430"/>
+            <a:chOff x="7333487" y="1425536"/>
+            <a:chExt cx="2089785" cy="2977514"/>
+          </a:xfrm>
+        </p:grpSpPr>
+        <p:pic>
+          <p:nvPicPr>
+            <p:cNvPr id="122" name="그림 121"/>
+            <p:cNvPicPr>
+              <a:picLocks noChangeAspect="1"/>
+            </p:cNvPicPr>
+            <p:nvPr/>
+          </p:nvPicPr>
+          <p:blipFill rotWithShape="1">
+            <a:blip r:embed="rId2"/>
+            <a:srcRect l="30359" t="17678" r="33452" b="20650"/>
+            <a:stretch/>
+          </p:blipFill>
+          <p:spPr>
+            <a:xfrm>
+              <a:off x="7333487" y="1425536"/>
+              <a:ext cx="2089785" cy="2977514"/>
+            </a:xfrm>
+            <a:prstGeom prst="rect">
+              <a:avLst/>
+            </a:prstGeom>
+          </p:spPr>
+        </p:pic>
+        <p:pic>
+          <p:nvPicPr>
+            <p:cNvPr id="123" name="그림 122"/>
+            <p:cNvPicPr>
+              <a:picLocks noChangeAspect="1"/>
+            </p:cNvPicPr>
+            <p:nvPr/>
+          </p:nvPicPr>
+          <p:blipFill rotWithShape="1">
+            <a:blip r:embed="rId2"/>
+            <a:srcRect l="419" t="93685" r="76455" b="737"/>
+            <a:stretch/>
+          </p:blipFill>
+          <p:spPr>
+            <a:xfrm>
+              <a:off x="7333487" y="4133767"/>
+              <a:ext cx="1335405" cy="269240"/>
+            </a:xfrm>
+            <a:prstGeom prst="rect">
+              <a:avLst/>
+            </a:prstGeom>
+          </p:spPr>
+        </p:pic>
+      </p:grpSp>
       <p:sp>
         <p:nvSpPr>
           <p:cNvPr id="24" name="타원 23"/>
@@ -9471,7 +9533,7 @@
             <a:avLst/>
           </a:prstGeom>
           <a:blipFill dpi="0" rotWithShape="1">
-            <a:blip r:embed="rId2">
+            <a:blip r:embed="rId3">
               <a:extLst>
                 <a:ext uri="{28A0092B-C50C-407E-A947-70E740481C1C}">
                   <a14:useLocalDpi xmlns:a14="http://schemas.microsoft.com/office/drawing/2010/main" val="0"/>
@@ -9529,7 +9591,7 @@
             <a:avLst/>
           </a:prstGeom>
           <a:blipFill dpi="0" rotWithShape="1">
-            <a:blip r:embed="rId3" cstate="print">
+            <a:blip r:embed="rId4" cstate="print">
               <a:extLst>
                 <a:ext uri="{28A0092B-C50C-407E-A947-70E740481C1C}">
                   <a14:useLocalDpi xmlns:a14="http://schemas.microsoft.com/office/drawing/2010/main" val="0"/>
@@ -9587,7 +9649,7 @@
             <a:avLst/>
           </a:prstGeom>
           <a:blipFill dpi="0" rotWithShape="1">
-            <a:blip r:embed="rId4" cstate="print">
+            <a:blip r:embed="rId5" cstate="print">
               <a:extLst>
                 <a:ext uri="{28A0092B-C50C-407E-A947-70E740481C1C}">
                   <a14:useLocalDpi xmlns:a14="http://schemas.microsoft.com/office/drawing/2010/main" val="0"/>
@@ -9645,7 +9707,7 @@
             <a:avLst/>
           </a:prstGeom>
           <a:blipFill dpi="0" rotWithShape="1">
-            <a:blip r:embed="rId5">
+            <a:blip r:embed="rId6">
               <a:extLst>
                 <a:ext uri="{28A0092B-C50C-407E-A947-70E740481C1C}">
                   <a14:useLocalDpi xmlns:a14="http://schemas.microsoft.com/office/drawing/2010/main" val="0"/>
@@ -9782,7 +9844,7 @@
             <a:avLst/>
           </a:prstGeom>
           <a:blipFill dpi="0" rotWithShape="1">
-            <a:blip r:embed="rId6" cstate="print">
+            <a:blip r:embed="rId7" cstate="print">
               <a:extLst>
                 <a:ext uri="{28A0092B-C50C-407E-A947-70E740481C1C}">
                   <a14:useLocalDpi xmlns:a14="http://schemas.microsoft.com/office/drawing/2010/main" val="0"/>
@@ -9840,7 +9902,7 @@
             <a:avLst/>
           </a:prstGeom>
           <a:blipFill dpi="0" rotWithShape="1">
-            <a:blip r:embed="rId7">
+            <a:blip r:embed="rId8">
               <a:extLst>
                 <a:ext uri="{28A0092B-C50C-407E-A947-70E740481C1C}">
                   <a14:useLocalDpi xmlns:a14="http://schemas.microsoft.com/office/drawing/2010/main" val="0"/>
@@ -12493,6 +12555,280 @@
           </a:p>
         </p:txBody>
       </p:sp>
+      <p:pic>
+        <p:nvPicPr>
+          <p:cNvPr id="66" name="Picture 8" descr="photoshop 이미지 검색결과&quot;"/>
+          <p:cNvPicPr>
+            <a:picLocks noChangeAspect="1" noChangeArrowheads="1"/>
+          </p:cNvPicPr>
+          <p:nvPr/>
+        </p:nvPicPr>
+        <p:blipFill>
+          <a:blip r:embed="rId8" cstate="print">
+            <a:extLst>
+              <a:ext uri="{28A0092B-C50C-407E-A947-70E740481C1C}">
+                <a14:useLocalDpi xmlns:a14="http://schemas.microsoft.com/office/drawing/2010/main" val="0"/>
+              </a:ext>
+            </a:extLst>
+          </a:blip>
+          <a:srcRect/>
+          <a:stretch>
+            <a:fillRect/>
+          </a:stretch>
+        </p:blipFill>
+        <p:spPr bwMode="auto">
+          <a:xfrm>
+            <a:off x="5423671" y="2773479"/>
+            <a:ext cx="1344658" cy="1311042"/>
+          </a:xfrm>
+          <a:prstGeom prst="rect">
+            <a:avLst/>
+          </a:prstGeom>
+          <a:noFill/>
+          <a:extLst>
+            <a:ext uri="{909E8E84-426E-40DD-AFC4-6F175D3DCCD1}">
+              <a14:hiddenFill xmlns:a14="http://schemas.microsoft.com/office/drawing/2010/main">
+                <a:solidFill>
+                  <a:srgbClr val="FFFFFF"/>
+                </a:solidFill>
+              </a14:hiddenFill>
+            </a:ext>
+          </a:extLst>
+        </p:spPr>
+      </p:pic>
+      <p:pic>
+        <p:nvPicPr>
+          <p:cNvPr id="67" name="Picture 4" descr="c# 이미지 검색결과&quot;"/>
+          <p:cNvPicPr>
+            <a:picLocks noChangeAspect="1" noChangeArrowheads="1"/>
+          </p:cNvPicPr>
+          <p:nvPr/>
+        </p:nvPicPr>
+        <p:blipFill rotWithShape="1">
+          <a:blip r:embed="rId9">
+            <a:extLst>
+              <a:ext uri="{BEBA8EAE-BF5A-486C-A8C5-ECC9F3942E4B}">
+                <a14:imgProps xmlns:a14="http://schemas.microsoft.com/office/drawing/2010/main">
+                  <a14:imgLayer r:embed="rId10">
+                    <a14:imgEffect>
+                      <a14:backgroundRemoval t="10000" b="90000" l="6889" r="43000"/>
+                    </a14:imgEffect>
+                  </a14:imgLayer>
+                </a14:imgProps>
+              </a:ext>
+              <a:ext uri="{28A0092B-C50C-407E-A947-70E740481C1C}">
+                <a14:useLocalDpi xmlns:a14="http://schemas.microsoft.com/office/drawing/2010/main" val="0"/>
+              </a:ext>
+            </a:extLst>
+          </a:blip>
+          <a:srcRect l="7683" t="17154" r="57917" b="13726"/>
+          <a:stretch/>
+        </p:blipFill>
+        <p:spPr bwMode="auto">
+          <a:xfrm>
+            <a:off x="5442866" y="2699920"/>
+            <a:ext cx="1306268" cy="1458160"/>
+          </a:xfrm>
+          <a:prstGeom prst="rect">
+            <a:avLst/>
+          </a:prstGeom>
+          <a:noFill/>
+          <a:extLst>
+            <a:ext uri="{909E8E84-426E-40DD-AFC4-6F175D3DCCD1}">
+              <a14:hiddenFill xmlns:a14="http://schemas.microsoft.com/office/drawing/2010/main">
+                <a:solidFill>
+                  <a:srgbClr val="FFFFFF"/>
+                </a:solidFill>
+              </a14:hiddenFill>
+            </a:ext>
+          </a:extLst>
+        </p:spPr>
+      </p:pic>
+      <p:pic>
+        <p:nvPicPr>
+          <p:cNvPr id="68" name="Picture 6" descr="unity 이미지 검색결과&quot;"/>
+          <p:cNvPicPr>
+            <a:picLocks noChangeAspect="1" noChangeArrowheads="1"/>
+          </p:cNvPicPr>
+          <p:nvPr/>
+        </p:nvPicPr>
+        <p:blipFill rotWithShape="1">
+          <a:blip r:embed="rId11">
+            <a:extLst>
+              <a:ext uri="{BEBA8EAE-BF5A-486C-A8C5-ECC9F3942E4B}">
+                <a14:imgProps xmlns:a14="http://schemas.microsoft.com/office/drawing/2010/main">
+                  <a14:imgLayer r:embed="rId12">
+                    <a14:imgEffect>
+                      <a14:backgroundRemoval t="10000" b="90000" l="10000" r="90000"/>
+                    </a14:imgEffect>
+                  </a14:imgLayer>
+                </a14:imgProps>
+              </a:ext>
+              <a:ext uri="{28A0092B-C50C-407E-A947-70E740481C1C}">
+                <a14:useLocalDpi xmlns:a14="http://schemas.microsoft.com/office/drawing/2010/main" val="0"/>
+              </a:ext>
+            </a:extLst>
+          </a:blip>
+          <a:srcRect l="22434" t="28844" r="55207" b="28567"/>
+          <a:stretch/>
+        </p:blipFill>
+        <p:spPr bwMode="auto">
+          <a:xfrm>
+            <a:off x="5115725" y="2448724"/>
+            <a:ext cx="1960551" cy="1960552"/>
+          </a:xfrm>
+          <a:prstGeom prst="rect">
+            <a:avLst/>
+          </a:prstGeom>
+          <a:noFill/>
+          <a:extLst>
+            <a:ext uri="{909E8E84-426E-40DD-AFC4-6F175D3DCCD1}">
+              <a14:hiddenFill xmlns:a14="http://schemas.microsoft.com/office/drawing/2010/main">
+                <a:solidFill>
+                  <a:srgbClr val="FFFFFF"/>
+                </a:solidFill>
+              </a14:hiddenFill>
+            </a:ext>
+          </a:extLst>
+        </p:spPr>
+      </p:pic>
+      <p:pic>
+        <p:nvPicPr>
+          <p:cNvPr id="69" name="그림 68"/>
+          <p:cNvPicPr>
+            <a:picLocks noChangeAspect="1"/>
+          </p:cNvPicPr>
+          <p:nvPr/>
+        </p:nvPicPr>
+        <p:blipFill>
+          <a:blip r:embed="rId13" cstate="print">
+            <a:extLst>
+              <a:ext uri="{28A0092B-C50C-407E-A947-70E740481C1C}">
+                <a14:useLocalDpi xmlns:a14="http://schemas.microsoft.com/office/drawing/2010/main" val="0"/>
+              </a:ext>
+            </a:extLst>
+          </a:blip>
+          <a:stretch>
+            <a:fillRect/>
+          </a:stretch>
+        </p:blipFill>
+        <p:spPr>
+          <a:xfrm>
+            <a:off x="5293356" y="2626356"/>
+            <a:ext cx="1605288" cy="1605288"/>
+          </a:xfrm>
+          <a:prstGeom prst="rect">
+            <a:avLst/>
+          </a:prstGeom>
+        </p:spPr>
+      </p:pic>
+      <p:pic>
+        <p:nvPicPr>
+          <p:cNvPr id="76" name="Picture 2" descr="c language 이미지 검색결과&quot;"/>
+          <p:cNvPicPr>
+            <a:picLocks noChangeAspect="1" noChangeArrowheads="1"/>
+          </p:cNvPicPr>
+          <p:nvPr/>
+        </p:nvPicPr>
+        <p:blipFill rotWithShape="1">
+          <a:blip r:embed="rId14">
+            <a:extLst>
+              <a:ext uri="{BEBA8EAE-BF5A-486C-A8C5-ECC9F3942E4B}">
+                <a14:imgProps xmlns:a14="http://schemas.microsoft.com/office/drawing/2010/main">
+                  <a14:imgLayer r:embed="rId15">
+                    <a14:imgEffect>
+                      <a14:backgroundRemoval t="10000" b="76000" l="10000" r="90000">
+                        <a14:foregroundMark x1="51400" y1="69200" x2="51200" y2="69200"/>
+                        <a14:foregroundMark x1="48600" y1="52000" x2="48600" y2="52000"/>
+                        <a14:foregroundMark x1="41000" y1="61600" x2="48800" y2="69200"/>
+                        <a14:foregroundMark x1="57000" y1="62800" x2="53600" y2="68400"/>
+                      </a14:backgroundRemoval>
+                    </a14:imgEffect>
+                  </a14:imgLayer>
+                </a14:imgProps>
+              </a:ext>
+              <a:ext uri="{28A0092B-C50C-407E-A947-70E740481C1C}">
+                <a14:useLocalDpi xmlns:a14="http://schemas.microsoft.com/office/drawing/2010/main" val="0"/>
+              </a:ext>
+            </a:extLst>
+          </a:blip>
+          <a:srcRect l="35547" t="18135" r="38532" b="21705"/>
+          <a:stretch/>
+        </p:blipFill>
+        <p:spPr bwMode="auto">
+          <a:xfrm>
+            <a:off x="5478780" y="2712720"/>
+            <a:ext cx="1234440" cy="1432560"/>
+          </a:xfrm>
+          <a:prstGeom prst="rect">
+            <a:avLst/>
+          </a:prstGeom>
+          <a:noFill/>
+          <a:extLst>
+            <a:ext uri="{909E8E84-426E-40DD-AFC4-6F175D3DCCD1}">
+              <a14:hiddenFill xmlns:a14="http://schemas.microsoft.com/office/drawing/2010/main">
+                <a:solidFill>
+                  <a:srgbClr val="FFFFFF"/>
+                </a:solidFill>
+              </a14:hiddenFill>
+            </a:ext>
+          </a:extLst>
+        </p:spPr>
+      </p:pic>
+      <p:pic>
+        <p:nvPicPr>
+          <p:cNvPr id="77" name="Picture 10" descr="github 이미지 검색결과&quot;"/>
+          <p:cNvPicPr>
+            <a:picLocks noChangeAspect="1" noChangeArrowheads="1"/>
+          </p:cNvPicPr>
+          <p:nvPr/>
+        </p:nvPicPr>
+        <p:blipFill rotWithShape="1">
+          <a:blip r:embed="rId16">
+            <a:extLst>
+              <a:ext uri="{BEBA8EAE-BF5A-486C-A8C5-ECC9F3942E4B}">
+                <a14:imgProps xmlns:a14="http://schemas.microsoft.com/office/drawing/2010/main">
+                  <a14:imgLayer r:embed="rId17">
+                    <a14:imgEffect>
+                      <a14:backgroundRemoval t="10000" b="90000" l="10000" r="90000">
+                        <a14:foregroundMark x1="46771" y1="87925" x2="56181" y2="87925"/>
+                        <a14:foregroundMark x1="55258" y1="87547" x2="50185" y2="51509"/>
+                        <a14:foregroundMark x1="57657" y1="58491" x2="41882" y2="43396"/>
+                        <a14:foregroundMark x1="46494" y1="79057" x2="41697" y2="72075"/>
+                        <a14:foregroundMark x1="50461" y1="41698" x2="50461" y2="41698"/>
+                      </a14:backgroundRemoval>
+                    </a14:imgEffect>
+                  </a14:imgLayer>
+                </a14:imgProps>
+              </a:ext>
+              <a:ext uri="{28A0092B-C50C-407E-A947-70E740481C1C}">
+                <a14:useLocalDpi xmlns:a14="http://schemas.microsoft.com/office/drawing/2010/main" val="0"/>
+              </a:ext>
+            </a:extLst>
+          </a:blip>
+          <a:srcRect l="33207" t="19593" r="31256" b="8183"/>
+          <a:stretch/>
+        </p:blipFill>
+        <p:spPr bwMode="auto">
+          <a:xfrm>
+            <a:off x="5217536" y="2556078"/>
+            <a:ext cx="1756929" cy="1745844"/>
+          </a:xfrm>
+          <a:prstGeom prst="rect">
+            <a:avLst/>
+          </a:prstGeom>
+          <a:noFill/>
+          <a:extLst>
+            <a:ext uri="{909E8E84-426E-40DD-AFC4-6F175D3DCCD1}">
+              <a14:hiddenFill xmlns:a14="http://schemas.microsoft.com/office/drawing/2010/main">
+                <a:solidFill>
+                  <a:srgbClr val="FFFFFF"/>
+                </a:solidFill>
+              </a14:hiddenFill>
+            </a:ext>
+          </a:extLst>
+        </p:spPr>
+      </p:pic>
       <p:grpSp>
         <p:nvGrpSpPr>
           <p:cNvPr id="19" name="그룹 18"/>
@@ -13933,6 +14269,300 @@
                                   </p:childTnLst>
                                 </p:cTn>
                               </p:par>
+                              <p:par>
+                                <p:cTn id="37" presetID="1" presetClass="entr" presetSubtype="0" fill="hold" nodeType="withEffect">
+                                  <p:stCondLst>
+                                    <p:cond delay="1000"/>
+                                  </p:stCondLst>
+                                  <p:childTnLst>
+                                    <p:set>
+                                      <p:cBhvr>
+                                        <p:cTn id="38" dur="1" fill="hold">
+                                          <p:stCondLst>
+                                            <p:cond delay="0"/>
+                                          </p:stCondLst>
+                                        </p:cTn>
+                                        <p:tgtEl>
+                                          <p:spTgt spid="66"/>
+                                        </p:tgtEl>
+                                        <p:attrNameLst>
+                                          <p:attrName>style.visibility</p:attrName>
+                                        </p:attrNameLst>
+                                      </p:cBhvr>
+                                      <p:to>
+                                        <p:strVal val="visible"/>
+                                      </p:to>
+                                    </p:set>
+                                  </p:childTnLst>
+                                </p:cTn>
+                              </p:par>
+                              <p:par>
+                                <p:cTn id="39" presetID="1" presetClass="entr" presetSubtype="0" fill="hold" nodeType="withEffect">
+                                  <p:stCondLst>
+                                    <p:cond delay="1000"/>
+                                  </p:stCondLst>
+                                  <p:childTnLst>
+                                    <p:set>
+                                      <p:cBhvr>
+                                        <p:cTn id="40" dur="1" fill="hold">
+                                          <p:stCondLst>
+                                            <p:cond delay="0"/>
+                                          </p:stCondLst>
+                                        </p:cTn>
+                                        <p:tgtEl>
+                                          <p:spTgt spid="68"/>
+                                        </p:tgtEl>
+                                        <p:attrNameLst>
+                                          <p:attrName>style.visibility</p:attrName>
+                                        </p:attrNameLst>
+                                      </p:cBhvr>
+                                      <p:to>
+                                        <p:strVal val="visible"/>
+                                      </p:to>
+                                    </p:set>
+                                  </p:childTnLst>
+                                </p:cTn>
+                              </p:par>
+                              <p:par>
+                                <p:cTn id="41" presetID="1" presetClass="entr" presetSubtype="0" fill="hold" nodeType="withEffect">
+                                  <p:stCondLst>
+                                    <p:cond delay="1000"/>
+                                  </p:stCondLst>
+                                  <p:childTnLst>
+                                    <p:set>
+                                      <p:cBhvr>
+                                        <p:cTn id="42" dur="1" fill="hold">
+                                          <p:stCondLst>
+                                            <p:cond delay="0"/>
+                                          </p:stCondLst>
+                                        </p:cTn>
+                                        <p:tgtEl>
+                                          <p:spTgt spid="69"/>
+                                        </p:tgtEl>
+                                        <p:attrNameLst>
+                                          <p:attrName>style.visibility</p:attrName>
+                                        </p:attrNameLst>
+                                      </p:cBhvr>
+                                      <p:to>
+                                        <p:strVal val="visible"/>
+                                      </p:to>
+                                    </p:set>
+                                  </p:childTnLst>
+                                </p:cTn>
+                              </p:par>
+                              <p:par>
+                                <p:cTn id="43" presetID="1" presetClass="entr" presetSubtype="0" fill="hold" nodeType="withEffect">
+                                  <p:stCondLst>
+                                    <p:cond delay="1000"/>
+                                  </p:stCondLst>
+                                  <p:childTnLst>
+                                    <p:set>
+                                      <p:cBhvr>
+                                        <p:cTn id="44" dur="1" fill="hold">
+                                          <p:stCondLst>
+                                            <p:cond delay="0"/>
+                                          </p:stCondLst>
+                                        </p:cTn>
+                                        <p:tgtEl>
+                                          <p:spTgt spid="67"/>
+                                        </p:tgtEl>
+                                        <p:attrNameLst>
+                                          <p:attrName>style.visibility</p:attrName>
+                                        </p:attrNameLst>
+                                      </p:cBhvr>
+                                      <p:to>
+                                        <p:strVal val="visible"/>
+                                      </p:to>
+                                    </p:set>
+                                  </p:childTnLst>
+                                </p:cTn>
+                              </p:par>
+                              <p:par>
+                                <p:cTn id="45" presetID="1" presetClass="entr" presetSubtype="0" fill="hold" nodeType="withEffect">
+                                  <p:stCondLst>
+                                    <p:cond delay="1000"/>
+                                  </p:stCondLst>
+                                  <p:childTnLst>
+                                    <p:set>
+                                      <p:cBhvr>
+                                        <p:cTn id="46" dur="1" fill="hold">
+                                          <p:stCondLst>
+                                            <p:cond delay="0"/>
+                                          </p:stCondLst>
+                                        </p:cTn>
+                                        <p:tgtEl>
+                                          <p:spTgt spid="76"/>
+                                        </p:tgtEl>
+                                        <p:attrNameLst>
+                                          <p:attrName>style.visibility</p:attrName>
+                                        </p:attrNameLst>
+                                      </p:cBhvr>
+                                      <p:to>
+                                        <p:strVal val="visible"/>
+                                      </p:to>
+                                    </p:set>
+                                  </p:childTnLst>
+                                </p:cTn>
+                              </p:par>
+                              <p:par>
+                                <p:cTn id="47" presetID="1" presetClass="entr" presetSubtype="0" fill="hold" nodeType="withEffect">
+                                  <p:stCondLst>
+                                    <p:cond delay="1000"/>
+                                  </p:stCondLst>
+                                  <p:childTnLst>
+                                    <p:set>
+                                      <p:cBhvr>
+                                        <p:cTn id="48" dur="1" fill="hold">
+                                          <p:stCondLst>
+                                            <p:cond delay="0"/>
+                                          </p:stCondLst>
+                                        </p:cTn>
+                                        <p:tgtEl>
+                                          <p:spTgt spid="77"/>
+                                        </p:tgtEl>
+                                        <p:attrNameLst>
+                                          <p:attrName>style.visibility</p:attrName>
+                                        </p:attrNameLst>
+                                      </p:cBhvr>
+                                      <p:to>
+                                        <p:strVal val="visible"/>
+                                      </p:to>
+                                    </p:set>
+                                  </p:childTnLst>
+                                </p:cTn>
+                              </p:par>
+                              <p:par>
+                                <p:cTn id="49" presetID="42" presetClass="path" presetSubtype="0" accel="50000" decel="50000" fill="hold" nodeType="withEffect">
+                                  <p:stCondLst>
+                                    <p:cond delay="1000"/>
+                                  </p:stCondLst>
+                                  <p:childTnLst>
+                                    <p:animMotion origin="layout" path="M 0 0 L -0.18802 -0.32269 " pathEditMode="relative" rAng="0" ptsTypes="AA">
+                                      <p:cBhvr>
+                                        <p:cTn id="50" dur="1000" fill="hold"/>
+                                        <p:tgtEl>
+                                          <p:spTgt spid="68"/>
+                                        </p:tgtEl>
+                                        <p:attrNameLst>
+                                          <p:attrName>ppt_x</p:attrName>
+                                          <p:attrName>ppt_y</p:attrName>
+                                        </p:attrNameLst>
+                                      </p:cBhvr>
+                                      <p:rCtr x="-9401" y="-16134"/>
+                                    </p:animMotion>
+                                  </p:childTnLst>
+                                </p:cTn>
+                              </p:par>
+                              <p:par>
+                                <p:cTn id="51" presetID="42" presetClass="path" presetSubtype="0" accel="50000" decel="50000" fill="hold" nodeType="withEffect">
+                                  <p:stCondLst>
+                                    <p:cond delay="1250"/>
+                                  </p:stCondLst>
+                                  <p:childTnLst>
+                                    <p:animMotion origin="layout" path="M 0 0 L 0.17174 -0.32917 " pathEditMode="relative" rAng="0" ptsTypes="AA">
+                                      <p:cBhvr>
+                                        <p:cTn id="52" dur="1000" fill="hold"/>
+                                        <p:tgtEl>
+                                          <p:spTgt spid="69"/>
+                                        </p:tgtEl>
+                                        <p:attrNameLst>
+                                          <p:attrName>ppt_x</p:attrName>
+                                          <p:attrName>ppt_y</p:attrName>
+                                        </p:attrNameLst>
+                                      </p:cBhvr>
+                                      <p:rCtr x="8581" y="-16458"/>
+                                    </p:animMotion>
+                                  </p:childTnLst>
+                                </p:cTn>
+                              </p:par>
+                              <p:par>
+                                <p:cTn id="53" presetID="42" presetClass="path" presetSubtype="0" accel="50000" decel="50000" fill="hold" nodeType="withEffect">
+                                  <p:stCondLst>
+                                    <p:cond delay="1500"/>
+                                  </p:stCondLst>
+                                  <p:childTnLst>
+                                    <p:animMotion origin="layout" path="M 0 0 L 0.29583 0.00069 " pathEditMode="relative" rAng="0" ptsTypes="AA">
+                                      <p:cBhvr>
+                                        <p:cTn id="54" dur="1000" fill="hold"/>
+                                        <p:tgtEl>
+                                          <p:spTgt spid="76"/>
+                                        </p:tgtEl>
+                                        <p:attrNameLst>
+                                          <p:attrName>ppt_x</p:attrName>
+                                          <p:attrName>ppt_y</p:attrName>
+                                        </p:attrNameLst>
+                                      </p:cBhvr>
+                                      <p:rCtr x="14792" y="23"/>
+                                    </p:animMotion>
+                                  </p:childTnLst>
+                                </p:cTn>
+                              </p:par>
+                              <p:par>
+                                <p:cTn id="55" presetID="42" presetClass="path" presetSubtype="0" accel="50000" decel="50000" fill="hold" nodeType="withEffect">
+                                  <p:stCondLst>
+                                    <p:cond delay="1750"/>
+                                  </p:stCondLst>
+                                  <p:childTnLst>
+                                    <p:animMotion origin="layout" path="M 0 0 L 0.15521 0.33287 " pathEditMode="relative" rAng="0" ptsTypes="AA">
+                                      <p:cBhvr>
+                                        <p:cTn id="56" dur="1000" fill="hold"/>
+                                        <p:tgtEl>
+                                          <p:spTgt spid="77"/>
+                                        </p:tgtEl>
+                                        <p:attrNameLst>
+                                          <p:attrName>ppt_x</p:attrName>
+                                          <p:attrName>ppt_y</p:attrName>
+                                        </p:attrNameLst>
+                                      </p:cBhvr>
+                                      <p:rCtr x="7760" y="16644"/>
+                                    </p:animMotion>
+                                  </p:childTnLst>
+                                </p:cTn>
+                              </p:par>
+                              <p:par>
+                                <p:cTn id="57" presetID="42" presetClass="path" presetSubtype="0" accel="50000" decel="50000" fill="hold" nodeType="withEffect">
+                                  <p:stCondLst>
+                                    <p:cond delay="2000"/>
+                                  </p:stCondLst>
+                                  <p:childTnLst>
+                                    <p:animMotion origin="layout" path="M 0 0 L -0.17669 0.36343 " pathEditMode="relative" rAng="0" ptsTypes="AA">
+                                      <p:cBhvr>
+                                        <p:cTn id="58" dur="1000" fill="hold"/>
+                                        <p:tgtEl>
+                                          <p:spTgt spid="66"/>
+                                        </p:tgtEl>
+                                        <p:attrNameLst>
+                                          <p:attrName>ppt_x</p:attrName>
+                                          <p:attrName>ppt_y</p:attrName>
+                                        </p:attrNameLst>
+                                      </p:cBhvr>
+                                      <p:rCtr x="-8841" y="18171"/>
+                                    </p:animMotion>
+                                  </p:childTnLst>
+                                </p:cTn>
+                              </p:par>
+                              <p:par>
+                                <p:cTn id="59" presetID="42" presetClass="path" presetSubtype="0" accel="50000" decel="50000" fill="hold" nodeType="withEffect">
+                                  <p:stCondLst>
+                                    <p:cond delay="2250"/>
+                                  </p:stCondLst>
+                                  <p:childTnLst>
+                                    <p:animMotion origin="layout" path="M 0 0 L -0.29857 0 " pathEditMode="relative" rAng="0" ptsTypes="AA">
+                                      <p:cBhvr>
+                                        <p:cTn id="60" dur="1000" fill="hold"/>
+                                        <p:tgtEl>
+                                          <p:spTgt spid="67"/>
+                                        </p:tgtEl>
+                                        <p:attrNameLst>
+                                          <p:attrName>ppt_x</p:attrName>
+                                          <p:attrName>ppt_y</p:attrName>
+                                        </p:attrNameLst>
+                                      </p:cBhvr>
+                                      <p:rCtr x="-14935" y="0"/>
+                                    </p:animMotion>
+                                  </p:childTnLst>
+                                </p:cTn>
+                              </p:par>
                             </p:childTnLst>
                           </p:cTn>
                         </p:par>
@@ -14061,6 +14691,280 @@
           </a:p>
         </p:txBody>
       </p:sp>
+      <p:pic>
+        <p:nvPicPr>
+          <p:cNvPr id="32" name="그림 31"/>
+          <p:cNvPicPr>
+            <a:picLocks noChangeAspect="1"/>
+          </p:cNvPicPr>
+          <p:nvPr/>
+        </p:nvPicPr>
+        <p:blipFill>
+          <a:blip r:embed="rId2" cstate="print">
+            <a:extLst>
+              <a:ext uri="{28A0092B-C50C-407E-A947-70E740481C1C}">
+                <a14:useLocalDpi xmlns:a14="http://schemas.microsoft.com/office/drawing/2010/main" val="0"/>
+              </a:ext>
+            </a:extLst>
+          </a:blip>
+          <a:stretch>
+            <a:fillRect/>
+          </a:stretch>
+        </p:blipFill>
+        <p:spPr>
+          <a:xfrm>
+            <a:off x="7385556" y="378896"/>
+            <a:ext cx="1605288" cy="1605288"/>
+          </a:xfrm>
+          <a:prstGeom prst="rect">
+            <a:avLst/>
+          </a:prstGeom>
+        </p:spPr>
+      </p:pic>
+      <p:pic>
+        <p:nvPicPr>
+          <p:cNvPr id="33" name="Picture 2" descr="c language 이미지 검색결과&quot;"/>
+          <p:cNvPicPr>
+            <a:picLocks noChangeAspect="1" noChangeArrowheads="1"/>
+          </p:cNvPicPr>
+          <p:nvPr/>
+        </p:nvPicPr>
+        <p:blipFill rotWithShape="1">
+          <a:blip r:embed="rId3">
+            <a:extLst>
+              <a:ext uri="{BEBA8EAE-BF5A-486C-A8C5-ECC9F3942E4B}">
+                <a14:imgProps xmlns:a14="http://schemas.microsoft.com/office/drawing/2010/main">
+                  <a14:imgLayer r:embed="rId4">
+                    <a14:imgEffect>
+                      <a14:backgroundRemoval t="10000" b="76000" l="10000" r="90000">
+                        <a14:foregroundMark x1="51400" y1="69200" x2="51200" y2="69200"/>
+                        <a14:foregroundMark x1="48600" y1="52000" x2="48600" y2="52000"/>
+                        <a14:foregroundMark x1="41000" y1="61600" x2="48800" y2="69200"/>
+                        <a14:foregroundMark x1="57000" y1="62800" x2="53600" y2="68400"/>
+                      </a14:backgroundRemoval>
+                    </a14:imgEffect>
+                  </a14:imgLayer>
+                </a14:imgProps>
+              </a:ext>
+              <a:ext uri="{28A0092B-C50C-407E-A947-70E740481C1C}">
+                <a14:useLocalDpi xmlns:a14="http://schemas.microsoft.com/office/drawing/2010/main" val="0"/>
+              </a:ext>
+            </a:extLst>
+          </a:blip>
+          <a:srcRect l="35547" t="18135" r="38532" b="21705"/>
+          <a:stretch/>
+        </p:blipFill>
+        <p:spPr bwMode="auto">
+          <a:xfrm>
+            <a:off x="9083164" y="2711593"/>
+            <a:ext cx="1234440" cy="1432560"/>
+          </a:xfrm>
+          <a:prstGeom prst="rect">
+            <a:avLst/>
+          </a:prstGeom>
+          <a:noFill/>
+          <a:extLst>
+            <a:ext uri="{909E8E84-426E-40DD-AFC4-6F175D3DCCD1}">
+              <a14:hiddenFill xmlns:a14="http://schemas.microsoft.com/office/drawing/2010/main">
+                <a:solidFill>
+                  <a:srgbClr val="FFFFFF"/>
+                </a:solidFill>
+              </a14:hiddenFill>
+            </a:ext>
+          </a:extLst>
+        </p:spPr>
+      </p:pic>
+      <p:pic>
+        <p:nvPicPr>
+          <p:cNvPr id="34" name="Picture 4" descr="c# 이미지 검색결과&quot;"/>
+          <p:cNvPicPr>
+            <a:picLocks noChangeAspect="1" noChangeArrowheads="1"/>
+          </p:cNvPicPr>
+          <p:nvPr/>
+        </p:nvPicPr>
+        <p:blipFill rotWithShape="1">
+          <a:blip r:embed="rId5">
+            <a:extLst>
+              <a:ext uri="{BEBA8EAE-BF5A-486C-A8C5-ECC9F3942E4B}">
+                <a14:imgProps xmlns:a14="http://schemas.microsoft.com/office/drawing/2010/main">
+                  <a14:imgLayer r:embed="rId6">
+                    <a14:imgEffect>
+                      <a14:backgroundRemoval t="10000" b="90000" l="6889" r="43000"/>
+                    </a14:imgEffect>
+                  </a14:imgLayer>
+                </a14:imgProps>
+              </a:ext>
+              <a:ext uri="{28A0092B-C50C-407E-A947-70E740481C1C}">
+                <a14:useLocalDpi xmlns:a14="http://schemas.microsoft.com/office/drawing/2010/main" val="0"/>
+              </a:ext>
+            </a:extLst>
+          </a:blip>
+          <a:srcRect l="7683" t="17154" r="57917" b="13726"/>
+          <a:stretch/>
+        </p:blipFill>
+        <p:spPr bwMode="auto">
+          <a:xfrm>
+            <a:off x="1804744" y="2698793"/>
+            <a:ext cx="1306268" cy="1458160"/>
+          </a:xfrm>
+          <a:prstGeom prst="rect">
+            <a:avLst/>
+          </a:prstGeom>
+          <a:noFill/>
+          <a:extLst>
+            <a:ext uri="{909E8E84-426E-40DD-AFC4-6F175D3DCCD1}">
+              <a14:hiddenFill xmlns:a14="http://schemas.microsoft.com/office/drawing/2010/main">
+                <a:solidFill>
+                  <a:srgbClr val="FFFFFF"/>
+                </a:solidFill>
+              </a14:hiddenFill>
+            </a:ext>
+          </a:extLst>
+        </p:spPr>
+      </p:pic>
+      <p:pic>
+        <p:nvPicPr>
+          <p:cNvPr id="35" name="Picture 6" descr="unity 이미지 검색결과&quot;"/>
+          <p:cNvPicPr>
+            <a:picLocks noChangeAspect="1" noChangeArrowheads="1"/>
+          </p:cNvPicPr>
+          <p:nvPr/>
+        </p:nvPicPr>
+        <p:blipFill rotWithShape="1">
+          <a:blip r:embed="rId7">
+            <a:extLst>
+              <a:ext uri="{BEBA8EAE-BF5A-486C-A8C5-ECC9F3942E4B}">
+                <a14:imgProps xmlns:a14="http://schemas.microsoft.com/office/drawing/2010/main">
+                  <a14:imgLayer r:embed="rId8">
+                    <a14:imgEffect>
+                      <a14:backgroundRemoval t="10000" b="90000" l="10000" r="90000"/>
+                    </a14:imgEffect>
+                  </a14:imgLayer>
+                </a14:imgProps>
+              </a:ext>
+              <a:ext uri="{28A0092B-C50C-407E-A947-70E740481C1C}">
+                <a14:useLocalDpi xmlns:a14="http://schemas.microsoft.com/office/drawing/2010/main" val="0"/>
+              </a:ext>
+            </a:extLst>
+          </a:blip>
+          <a:srcRect l="22434" t="28844" r="55207" b="28567"/>
+          <a:stretch/>
+        </p:blipFill>
+        <p:spPr bwMode="auto">
+          <a:xfrm>
+            <a:off x="2823853" y="236140"/>
+            <a:ext cx="1960551" cy="1960552"/>
+          </a:xfrm>
+          <a:prstGeom prst="rect">
+            <a:avLst/>
+          </a:prstGeom>
+          <a:noFill/>
+          <a:extLst>
+            <a:ext uri="{909E8E84-426E-40DD-AFC4-6F175D3DCCD1}">
+              <a14:hiddenFill xmlns:a14="http://schemas.microsoft.com/office/drawing/2010/main">
+                <a:solidFill>
+                  <a:srgbClr val="FFFFFF"/>
+                </a:solidFill>
+              </a14:hiddenFill>
+            </a:ext>
+          </a:extLst>
+        </p:spPr>
+      </p:pic>
+      <p:pic>
+        <p:nvPicPr>
+          <p:cNvPr id="36" name="Picture 8" descr="photoshop 이미지 검색결과&quot;"/>
+          <p:cNvPicPr>
+            <a:picLocks noChangeAspect="1" noChangeArrowheads="1"/>
+          </p:cNvPicPr>
+          <p:nvPr/>
+        </p:nvPicPr>
+        <p:blipFill>
+          <a:blip r:embed="rId9" cstate="print">
+            <a:extLst>
+              <a:ext uri="{28A0092B-C50C-407E-A947-70E740481C1C}">
+                <a14:useLocalDpi xmlns:a14="http://schemas.microsoft.com/office/drawing/2010/main" val="0"/>
+              </a:ext>
+            </a:extLst>
+          </a:blip>
+          <a:srcRect/>
+          <a:stretch>
+            <a:fillRect/>
+          </a:stretch>
+        </p:blipFill>
+        <p:spPr bwMode="auto">
+          <a:xfrm>
+            <a:off x="3272452" y="5266845"/>
+            <a:ext cx="1344658" cy="1311042"/>
+          </a:xfrm>
+          <a:prstGeom prst="rect">
+            <a:avLst/>
+          </a:prstGeom>
+          <a:noFill/>
+          <a:extLst>
+            <a:ext uri="{909E8E84-426E-40DD-AFC4-6F175D3DCCD1}">
+              <a14:hiddenFill xmlns:a14="http://schemas.microsoft.com/office/drawing/2010/main">
+                <a:solidFill>
+                  <a:srgbClr val="FFFFFF"/>
+                </a:solidFill>
+              </a14:hiddenFill>
+            </a:ext>
+          </a:extLst>
+        </p:spPr>
+      </p:pic>
+      <p:pic>
+        <p:nvPicPr>
+          <p:cNvPr id="43" name="Picture 10" descr="github 이미지 검색결과&quot;"/>
+          <p:cNvPicPr>
+            <a:picLocks noChangeAspect="1" noChangeArrowheads="1"/>
+          </p:cNvPicPr>
+          <p:nvPr/>
+        </p:nvPicPr>
+        <p:blipFill rotWithShape="1">
+          <a:blip r:embed="rId10">
+            <a:extLst>
+              <a:ext uri="{BEBA8EAE-BF5A-486C-A8C5-ECC9F3942E4B}">
+                <a14:imgProps xmlns:a14="http://schemas.microsoft.com/office/drawing/2010/main">
+                  <a14:imgLayer r:embed="rId11">
+                    <a14:imgEffect>
+                      <a14:backgroundRemoval t="10000" b="90000" l="10000" r="90000">
+                        <a14:foregroundMark x1="46771" y1="87925" x2="56181" y2="87925"/>
+                        <a14:foregroundMark x1="55258" y1="87547" x2="50185" y2="51509"/>
+                        <a14:foregroundMark x1="57657" y1="58491" x2="41882" y2="43396"/>
+                        <a14:foregroundMark x1="46494" y1="79057" x2="41697" y2="72075"/>
+                        <a14:foregroundMark x1="50461" y1="41698" x2="50461" y2="41698"/>
+                      </a14:backgroundRemoval>
+                    </a14:imgEffect>
+                  </a14:imgLayer>
+                </a14:imgProps>
+              </a:ext>
+              <a:ext uri="{28A0092B-C50C-407E-A947-70E740481C1C}">
+                <a14:useLocalDpi xmlns:a14="http://schemas.microsoft.com/office/drawing/2010/main" val="0"/>
+              </a:ext>
+            </a:extLst>
+          </a:blip>
+          <a:srcRect l="33207" t="19593" r="31256" b="8183"/>
+          <a:stretch/>
+        </p:blipFill>
+        <p:spPr bwMode="auto">
+          <a:xfrm>
+            <a:off x="7114732" y="4832043"/>
+            <a:ext cx="1756929" cy="1745844"/>
+          </a:xfrm>
+          <a:prstGeom prst="rect">
+            <a:avLst/>
+          </a:prstGeom>
+          <a:noFill/>
+          <a:extLst>
+            <a:ext uri="{909E8E84-426E-40DD-AFC4-6F175D3DCCD1}">
+              <a14:hiddenFill xmlns:a14="http://schemas.microsoft.com/office/drawing/2010/main">
+                <a:solidFill>
+                  <a:srgbClr val="FFFFFF"/>
+                </a:solidFill>
+              </a14:hiddenFill>
+            </a:ext>
+          </a:extLst>
+        </p:spPr>
+      </p:pic>
       <p:grpSp>
         <p:nvGrpSpPr>
           <p:cNvPr id="2" name="그룹 1"/>
@@ -14208,9 +15112,7 @@
             </a:prstGeom>
             <a:noFill/>
             <a:ln w="6350">
-              <a:solidFill>
-                <a:schemeClr val="bg1"/>
-              </a:solidFill>
+              <a:noFill/>
             </a:ln>
           </p:spPr>
           <p:style>
@@ -14386,9 +15288,7 @@
             </a:prstGeom>
             <a:noFill/>
             <a:ln w="6350">
-              <a:solidFill>
-                <a:schemeClr val="bg1"/>
-              </a:solidFill>
+              <a:noFill/>
             </a:ln>
           </p:spPr>
           <p:style>
@@ -14564,9 +15464,7 @@
             </a:prstGeom>
             <a:noFill/>
             <a:ln w="6350">
-              <a:solidFill>
-                <a:schemeClr val="bg1"/>
-              </a:solidFill>
+              <a:noFill/>
             </a:ln>
           </p:spPr>
           <p:style>
@@ -14597,7 +15495,7 @@
       </p:grpSp>
       <p:grpSp>
         <p:nvGrpSpPr>
-          <p:cNvPr id="18" name="그룹 17"/>
+          <p:cNvPr id="51" name="그룹 50"/>
           <p:cNvGrpSpPr/>
           <p:nvPr/>
         </p:nvGrpSpPr>
@@ -14605,20 +15503,1100 @@
           <a:xfrm>
             <a:off x="4764946" y="2080310"/>
             <a:ext cx="2662109" cy="2655607"/>
-            <a:chOff x="3439511" y="772511"/>
-            <a:chExt cx="5312979" cy="5312979"/>
+            <a:chOff x="4764946" y="2080310"/>
+            <a:chExt cx="2662109" cy="2655607"/>
           </a:xfrm>
         </p:grpSpPr>
+        <p:grpSp>
+          <p:nvGrpSpPr>
+            <p:cNvPr id="18" name="그룹 17"/>
+            <p:cNvGrpSpPr/>
+            <p:nvPr/>
+          </p:nvGrpSpPr>
+          <p:grpSpPr>
+            <a:xfrm>
+              <a:off x="4764946" y="2080310"/>
+              <a:ext cx="2662109" cy="2655607"/>
+              <a:chOff x="3439511" y="772511"/>
+              <a:chExt cx="5312979" cy="5312979"/>
+            </a:xfrm>
+          </p:grpSpPr>
+          <p:sp>
+            <p:nvSpPr>
+              <p:cNvPr id="20" name="타원 19"/>
+              <p:cNvSpPr/>
+              <p:nvPr/>
+            </p:nvSpPr>
+            <p:spPr>
+              <a:xfrm>
+                <a:off x="3439511" y="772511"/>
+                <a:ext cx="5312979" cy="5312979"/>
+              </a:xfrm>
+              <a:prstGeom prst="ellipse">
+                <a:avLst/>
+              </a:prstGeom>
+              <a:solidFill>
+                <a:schemeClr val="bg1"/>
+              </a:solidFill>
+              <a:ln>
+                <a:solidFill>
+                  <a:schemeClr val="bg1"/>
+                </a:solidFill>
+              </a:ln>
+            </p:spPr>
+            <p:style>
+              <a:lnRef idx="2">
+                <a:schemeClr val="accent1">
+                  <a:shade val="50000"/>
+                </a:schemeClr>
+              </a:lnRef>
+              <a:fillRef idx="1">
+                <a:schemeClr val="accent1"/>
+              </a:fillRef>
+              <a:effectRef idx="0">
+                <a:schemeClr val="accent1"/>
+              </a:effectRef>
+              <a:fontRef idx="minor">
+                <a:schemeClr val="lt1"/>
+              </a:fontRef>
+            </p:style>
+            <p:txBody>
+              <a:bodyPr rtlCol="0" anchor="ctr"/>
+              <a:lstStyle/>
+              <a:p>
+                <a:pPr algn="ctr"/>
+                <a:endParaRPr lang="ko-KR" altLang="en-US"/>
+              </a:p>
+            </p:txBody>
+          </p:sp>
+          <p:sp>
+            <p:nvSpPr>
+              <p:cNvPr id="21" name="타원 20"/>
+              <p:cNvSpPr/>
+              <p:nvPr/>
+            </p:nvSpPr>
+            <p:spPr>
+              <a:xfrm>
+                <a:off x="3882259" y="1215259"/>
+                <a:ext cx="4427482" cy="4427482"/>
+              </a:xfrm>
+              <a:prstGeom prst="ellipse">
+                <a:avLst/>
+              </a:prstGeom>
+              <a:gradFill>
+                <a:gsLst>
+                  <a:gs pos="70000">
+                    <a:schemeClr val="accent4">
+                      <a:lumMod val="20000"/>
+                      <a:lumOff val="80000"/>
+                    </a:schemeClr>
+                  </a:gs>
+                  <a:gs pos="41000">
+                    <a:schemeClr val="accent2">
+                      <a:lumMod val="20000"/>
+                      <a:lumOff val="80000"/>
+                    </a:schemeClr>
+                  </a:gs>
+                  <a:gs pos="0">
+                    <a:schemeClr val="accent1">
+                      <a:lumMod val="20000"/>
+                      <a:lumOff val="80000"/>
+                    </a:schemeClr>
+                  </a:gs>
+                  <a:gs pos="100000">
+                    <a:schemeClr val="accent6">
+                      <a:lumMod val="20000"/>
+                      <a:lumOff val="80000"/>
+                    </a:schemeClr>
+                  </a:gs>
+                </a:gsLst>
+                <a:lin ang="13500000" scaled="0"/>
+              </a:gradFill>
+              <a:ln>
+                <a:noFill/>
+              </a:ln>
+            </p:spPr>
+            <p:style>
+              <a:lnRef idx="2">
+                <a:schemeClr val="accent1">
+                  <a:shade val="50000"/>
+                </a:schemeClr>
+              </a:lnRef>
+              <a:fillRef idx="1">
+                <a:schemeClr val="accent1"/>
+              </a:fillRef>
+              <a:effectRef idx="0">
+                <a:schemeClr val="accent1"/>
+              </a:effectRef>
+              <a:fontRef idx="minor">
+                <a:schemeClr val="lt1"/>
+              </a:fontRef>
+            </p:style>
+            <p:txBody>
+              <a:bodyPr rtlCol="0" anchor="ctr"/>
+              <a:lstStyle/>
+              <a:p>
+                <a:pPr algn="ctr"/>
+                <a:endParaRPr lang="ko-KR" altLang="en-US"/>
+              </a:p>
+            </p:txBody>
+          </p:sp>
+          <p:sp>
+            <p:nvSpPr>
+              <p:cNvPr id="22" name="TextBox 21"/>
+              <p:cNvSpPr txBox="1"/>
+              <p:nvPr/>
+            </p:nvSpPr>
+            <p:spPr>
+              <a:xfrm>
+                <a:off x="3984342" y="2867957"/>
+                <a:ext cx="2088350" cy="1016000"/>
+              </a:xfrm>
+              <a:prstGeom prst="rect">
+                <a:avLst/>
+              </a:prstGeom>
+              <a:noFill/>
+            </p:spPr>
+            <p:txBody>
+              <a:bodyPr wrap="square" rtlCol="0" anchor="ctr">
+                <a:spAutoFit/>
+              </a:bodyPr>
+              <a:lstStyle/>
+              <a:p>
+                <a:r>
+                  <a:rPr lang="ko-KR" altLang="en-US" dirty="0" smtClean="0">
+                    <a:solidFill>
+                      <a:schemeClr val="bg1">
+                        <a:lumMod val="65000"/>
+                      </a:schemeClr>
+                    </a:solidFill>
+                    <a:latin typeface="배달의민족 한나는 열한살" panose="020B0600000101010101" pitchFamily="50" charset="-127"/>
+                    <a:ea typeface="배달의민족 한나는 열한살" panose="020B0600000101010101" pitchFamily="50" charset="-127"/>
+                  </a:rPr>
+                  <a:t>제작 환경</a:t>
+                </a:r>
+                <a:endParaRPr lang="en-US" altLang="ko-KR" dirty="0" smtClean="0">
+                  <a:solidFill>
+                    <a:schemeClr val="bg1">
+                      <a:lumMod val="65000"/>
+                    </a:schemeClr>
+                  </a:solidFill>
+                  <a:latin typeface="배달의민족 한나는 열한살" panose="020B0600000101010101" pitchFamily="50" charset="-127"/>
+                  <a:ea typeface="배달의민족 한나는 열한살" panose="020B0600000101010101" pitchFamily="50" charset="-127"/>
+                </a:endParaRPr>
+              </a:p>
+              <a:p>
+                <a:r>
+                  <a:rPr lang="en-US" altLang="ko-KR" sz="900" dirty="0">
+                    <a:solidFill>
+                      <a:srgbClr val="A6A6A6"/>
+                    </a:solidFill>
+                    <a:latin typeface="배달의민족 한나는 열한살" panose="020B0600000101010101" pitchFamily="50" charset="-127"/>
+                    <a:ea typeface="배달의민족 한나는 열한살" panose="020B0600000101010101" pitchFamily="50" charset="-127"/>
+                  </a:rPr>
+                  <a:t> Tools used</a:t>
+                </a:r>
+                <a:endParaRPr lang="ko-KR" altLang="en-US" sz="1000" dirty="0">
+                  <a:solidFill>
+                    <a:srgbClr val="A6A6A6"/>
+                  </a:solidFill>
+                  <a:latin typeface="배달의민족 한나는 열한살" panose="020B0600000101010101" pitchFamily="50" charset="-127"/>
+                  <a:ea typeface="배달의민족 한나는 열한살" panose="020B0600000101010101" pitchFamily="50" charset="-127"/>
+                </a:endParaRPr>
+              </a:p>
+            </p:txBody>
+          </p:sp>
+        </p:grpSp>
         <p:sp>
           <p:nvSpPr>
-            <p:cNvPr id="20" name="타원 19"/>
+            <p:cNvPr id="50" name="직사각형 49"/>
             <p:cNvSpPr/>
             <p:nvPr/>
           </p:nvSpPr>
           <p:spPr>
             <a:xfrm>
-              <a:off x="3439511" y="772511"/>
-              <a:ext cx="5312979" cy="5312979"/>
+              <a:off x="4985283" y="3399360"/>
+              <a:ext cx="2218424" cy="25200"/>
+            </a:xfrm>
+            <a:prstGeom prst="rect">
+              <a:avLst/>
+            </a:prstGeom>
+            <a:solidFill>
+              <a:srgbClr val="A6A6A6"/>
+            </a:solidFill>
+            <a:ln>
+              <a:noFill/>
+            </a:ln>
+          </p:spPr>
+          <p:style>
+            <a:lnRef idx="2">
+              <a:schemeClr val="accent1">
+                <a:shade val="50000"/>
+              </a:schemeClr>
+            </a:lnRef>
+            <a:fillRef idx="1">
+              <a:schemeClr val="accent1"/>
+            </a:fillRef>
+            <a:effectRef idx="0">
+              <a:schemeClr val="accent1"/>
+            </a:effectRef>
+            <a:fontRef idx="minor">
+              <a:schemeClr val="lt1"/>
+            </a:fontRef>
+          </p:style>
+          <p:txBody>
+            <a:bodyPr rtlCol="0" anchor="ctr"/>
+            <a:lstStyle/>
+            <a:p>
+              <a:pPr algn="ctr"/>
+              <a:endParaRPr lang="ko-KR" altLang="en-US"/>
+            </a:p>
+          </p:txBody>
+        </p:sp>
+      </p:grpSp>
+      <p:sp>
+        <p:nvSpPr>
+          <p:cNvPr id="55" name="타원 54"/>
+          <p:cNvSpPr/>
+          <p:nvPr/>
+        </p:nvSpPr>
+        <p:spPr>
+          <a:xfrm>
+            <a:off x="4764946" y="2077101"/>
+            <a:ext cx="2662109" cy="2655607"/>
+          </a:xfrm>
+          <a:prstGeom prst="ellipse">
+            <a:avLst/>
+          </a:prstGeom>
+          <a:solidFill>
+            <a:schemeClr val="bg1"/>
+          </a:solidFill>
+          <a:ln>
+            <a:solidFill>
+              <a:schemeClr val="bg1"/>
+            </a:solidFill>
+          </a:ln>
+        </p:spPr>
+        <p:style>
+          <a:lnRef idx="2">
+            <a:schemeClr val="accent1">
+              <a:shade val="50000"/>
+            </a:schemeClr>
+          </a:lnRef>
+          <a:fillRef idx="1">
+            <a:schemeClr val="accent1"/>
+          </a:fillRef>
+          <a:effectRef idx="0">
+            <a:schemeClr val="accent1"/>
+          </a:effectRef>
+          <a:fontRef idx="minor">
+            <a:schemeClr val="lt1"/>
+          </a:fontRef>
+        </p:style>
+        <p:txBody>
+          <a:bodyPr rtlCol="0" anchor="ctr"/>
+          <a:lstStyle/>
+          <a:p>
+            <a:pPr algn="ctr"/>
+            <a:endParaRPr lang="ko-KR" altLang="en-US"/>
+          </a:p>
+        </p:txBody>
+      </p:sp>
+      <p:sp>
+        <p:nvSpPr>
+          <p:cNvPr id="56" name="타원 55"/>
+          <p:cNvSpPr/>
+          <p:nvPr/>
+        </p:nvSpPr>
+        <p:spPr>
+          <a:xfrm>
+            <a:off x="4986788" y="2298401"/>
+            <a:ext cx="2218424" cy="2213006"/>
+          </a:xfrm>
+          <a:prstGeom prst="ellipse">
+            <a:avLst/>
+          </a:prstGeom>
+          <a:gradFill>
+            <a:gsLst>
+              <a:gs pos="70000">
+                <a:schemeClr val="accent4">
+                  <a:lumMod val="20000"/>
+                  <a:lumOff val="80000"/>
+                </a:schemeClr>
+              </a:gs>
+              <a:gs pos="41000">
+                <a:schemeClr val="accent2">
+                  <a:lumMod val="20000"/>
+                  <a:lumOff val="80000"/>
+                </a:schemeClr>
+              </a:gs>
+              <a:gs pos="0">
+                <a:schemeClr val="accent1">
+                  <a:lumMod val="20000"/>
+                  <a:lumOff val="80000"/>
+                </a:schemeClr>
+              </a:gs>
+              <a:gs pos="100000">
+                <a:schemeClr val="accent6">
+                  <a:lumMod val="20000"/>
+                  <a:lumOff val="80000"/>
+                </a:schemeClr>
+              </a:gs>
+            </a:gsLst>
+            <a:lin ang="13500000" scaled="0"/>
+          </a:gradFill>
+          <a:ln>
+            <a:noFill/>
+          </a:ln>
+        </p:spPr>
+        <p:style>
+          <a:lnRef idx="2">
+            <a:schemeClr val="accent1">
+              <a:shade val="50000"/>
+            </a:schemeClr>
+          </a:lnRef>
+          <a:fillRef idx="1">
+            <a:schemeClr val="accent1"/>
+          </a:fillRef>
+          <a:effectRef idx="0">
+            <a:schemeClr val="accent1"/>
+          </a:effectRef>
+          <a:fontRef idx="minor">
+            <a:schemeClr val="lt1"/>
+          </a:fontRef>
+        </p:style>
+        <p:txBody>
+          <a:bodyPr rtlCol="0" anchor="ctr"/>
+          <a:lstStyle/>
+          <a:p>
+            <a:pPr algn="ctr"/>
+            <a:endParaRPr lang="ko-KR" altLang="en-US"/>
+          </a:p>
+        </p:txBody>
+      </p:sp>
+      <p:sp>
+        <p:nvSpPr>
+          <p:cNvPr id="57" name="TextBox 56"/>
+          <p:cNvSpPr txBox="1"/>
+          <p:nvPr/>
+        </p:nvSpPr>
+        <p:spPr>
+          <a:xfrm>
+            <a:off x="5043018" y="3120555"/>
+            <a:ext cx="2076794" cy="530915"/>
+          </a:xfrm>
+          <a:prstGeom prst="rect">
+            <a:avLst/>
+          </a:prstGeom>
+          <a:noFill/>
+        </p:spPr>
+        <p:txBody>
+          <a:bodyPr wrap="square" rtlCol="0" anchor="ctr">
+            <a:spAutoFit/>
+          </a:bodyPr>
+          <a:lstStyle/>
+          <a:p>
+            <a:r>
+              <a:rPr lang="ko-KR" altLang="en-US" dirty="0" smtClean="0">
+                <a:solidFill>
+                  <a:schemeClr val="bg1">
+                    <a:lumMod val="65000"/>
+                  </a:schemeClr>
+                </a:solidFill>
+                <a:latin typeface="배달의민족 한나는 열한살" panose="020B0600000101010101" pitchFamily="50" charset="-127"/>
+                <a:ea typeface="배달의민족 한나는 열한살" panose="020B0600000101010101" pitchFamily="50" charset="-127"/>
+              </a:rPr>
+              <a:t>제작 환경</a:t>
+            </a:r>
+          </a:p>
+          <a:p>
+            <a:endParaRPr lang="ko-KR" altLang="en-US" sz="1050" dirty="0">
+              <a:solidFill>
+                <a:srgbClr val="A6A6A6"/>
+              </a:solidFill>
+              <a:latin typeface="배달의민족 한나는 열한살" panose="020B0600000101010101" pitchFamily="50" charset="-127"/>
+              <a:ea typeface="배달의민족 한나는 열한살" panose="020B0600000101010101" pitchFamily="50" charset="-127"/>
+            </a:endParaRPr>
+          </a:p>
+        </p:txBody>
+      </p:sp>
+      <p:sp>
+        <p:nvSpPr>
+          <p:cNvPr id="54" name="직사각형 53"/>
+          <p:cNvSpPr/>
+          <p:nvPr/>
+        </p:nvSpPr>
+        <p:spPr>
+          <a:xfrm>
+            <a:off x="4985283" y="3396151"/>
+            <a:ext cx="2218424" cy="25200"/>
+          </a:xfrm>
+          <a:prstGeom prst="rect">
+            <a:avLst/>
+          </a:prstGeom>
+          <a:solidFill>
+            <a:srgbClr val="A6A6A6"/>
+          </a:solidFill>
+          <a:ln>
+            <a:noFill/>
+          </a:ln>
+        </p:spPr>
+        <p:style>
+          <a:lnRef idx="2">
+            <a:schemeClr val="accent1">
+              <a:shade val="50000"/>
+            </a:schemeClr>
+          </a:lnRef>
+          <a:fillRef idx="1">
+            <a:schemeClr val="accent1"/>
+          </a:fillRef>
+          <a:effectRef idx="0">
+            <a:schemeClr val="accent1"/>
+          </a:effectRef>
+          <a:fontRef idx="minor">
+            <a:schemeClr val="lt1"/>
+          </a:fontRef>
+        </p:style>
+        <p:txBody>
+          <a:bodyPr rtlCol="0" anchor="ctr"/>
+          <a:lstStyle/>
+          <a:p>
+            <a:pPr algn="ctr"/>
+            <a:endParaRPr lang="ko-KR" altLang="en-US"/>
+          </a:p>
+        </p:txBody>
+      </p:sp>
+      <p:sp>
+        <p:nvSpPr>
+          <p:cNvPr id="62" name="직사각형 61"/>
+          <p:cNvSpPr/>
+          <p:nvPr/>
+        </p:nvSpPr>
+        <p:spPr>
+          <a:xfrm>
+            <a:off x="5072773" y="3402231"/>
+            <a:ext cx="2036644" cy="230832"/>
+          </a:xfrm>
+          <a:prstGeom prst="rect">
+            <a:avLst/>
+          </a:prstGeom>
+        </p:spPr>
+        <p:txBody>
+          <a:bodyPr wrap="square">
+            <a:spAutoFit/>
+          </a:bodyPr>
+          <a:lstStyle/>
+          <a:p>
+            <a:r>
+              <a:rPr lang="en-US" altLang="ko-KR" sz="900" dirty="0">
+                <a:solidFill>
+                  <a:srgbClr val="A6A6A6"/>
+                </a:solidFill>
+                <a:latin typeface="배달의민족 한나는 열한살" panose="020B0600000101010101" pitchFamily="50" charset="-127"/>
+                <a:ea typeface="배달의민족 한나는 열한살" panose="020B0600000101010101" pitchFamily="50" charset="-127"/>
+              </a:rPr>
+              <a:t>Tools used</a:t>
+            </a:r>
+            <a:endParaRPr lang="ko-KR" altLang="en-US" sz="900" dirty="0">
+              <a:solidFill>
+                <a:srgbClr val="A6A6A6"/>
+              </a:solidFill>
+              <a:latin typeface="배달의민족 한나는 열한살" panose="020B0600000101010101" pitchFamily="50" charset="-127"/>
+              <a:ea typeface="배달의민족 한나는 열한살" panose="020B0600000101010101" pitchFamily="50" charset="-127"/>
+            </a:endParaRPr>
+          </a:p>
+        </p:txBody>
+      </p:sp>
+      <p:sp>
+        <p:nvSpPr>
+          <p:cNvPr id="63" name="TextBox 62"/>
+          <p:cNvSpPr txBox="1"/>
+          <p:nvPr/>
+        </p:nvSpPr>
+        <p:spPr>
+          <a:xfrm>
+            <a:off x="5041513" y="3117346"/>
+            <a:ext cx="2076794" cy="530915"/>
+          </a:xfrm>
+          <a:prstGeom prst="rect">
+            <a:avLst/>
+          </a:prstGeom>
+          <a:noFill/>
+        </p:spPr>
+        <p:txBody>
+          <a:bodyPr wrap="square" rtlCol="0" anchor="ctr">
+            <a:spAutoFit/>
+          </a:bodyPr>
+          <a:lstStyle/>
+          <a:p>
+            <a:r>
+              <a:rPr lang="ko-KR" altLang="en-US" dirty="0" smtClean="0">
+                <a:solidFill>
+                  <a:schemeClr val="bg1">
+                    <a:lumMod val="65000"/>
+                  </a:schemeClr>
+                </a:solidFill>
+                <a:latin typeface="배달의민족 한나는 열한살" panose="020B0600000101010101" pitchFamily="50" charset="-127"/>
+                <a:ea typeface="배달의민족 한나는 열한살" panose="020B0600000101010101" pitchFamily="50" charset="-127"/>
+              </a:rPr>
+              <a:t>시연 영상</a:t>
+            </a:r>
+          </a:p>
+          <a:p>
+            <a:endParaRPr lang="ko-KR" altLang="en-US" sz="1050" dirty="0">
+              <a:solidFill>
+                <a:srgbClr val="A6A6A6"/>
+              </a:solidFill>
+              <a:latin typeface="배달의민족 한나는 열한살" panose="020B0600000101010101" pitchFamily="50" charset="-127"/>
+              <a:ea typeface="배달의민족 한나는 열한살" panose="020B0600000101010101" pitchFamily="50" charset="-127"/>
+            </a:endParaRPr>
+          </a:p>
+        </p:txBody>
+      </p:sp>
+      <p:sp>
+        <p:nvSpPr>
+          <p:cNvPr id="64" name="직사각형 63"/>
+          <p:cNvSpPr/>
+          <p:nvPr/>
+        </p:nvSpPr>
+        <p:spPr>
+          <a:xfrm>
+            <a:off x="5044198" y="3399918"/>
+            <a:ext cx="2036644" cy="230832"/>
+          </a:xfrm>
+          <a:prstGeom prst="rect">
+            <a:avLst/>
+          </a:prstGeom>
+        </p:spPr>
+        <p:txBody>
+          <a:bodyPr wrap="square">
+            <a:spAutoFit/>
+          </a:bodyPr>
+          <a:lstStyle/>
+          <a:p>
+            <a:r>
+              <a:rPr lang="en-US" altLang="ko-KR" sz="900" dirty="0" smtClean="0">
+                <a:solidFill>
+                  <a:srgbClr val="A6A6A6"/>
+                </a:solidFill>
+                <a:latin typeface="배달의민족 한나는 열한살" panose="020B0600000101010101" pitchFamily="50" charset="-127"/>
+                <a:ea typeface="배달의민족 한나는 열한살" panose="020B0600000101010101" pitchFamily="50" charset="-127"/>
+              </a:rPr>
+              <a:t>Watching</a:t>
+            </a:r>
+            <a:endParaRPr lang="ko-KR" altLang="en-US" sz="900" dirty="0">
+              <a:solidFill>
+                <a:srgbClr val="A6A6A6"/>
+              </a:solidFill>
+              <a:latin typeface="배달의민족 한나는 열한살" panose="020B0600000101010101" pitchFamily="50" charset="-127"/>
+              <a:ea typeface="배달의민족 한나는 열한살" panose="020B0600000101010101" pitchFamily="50" charset="-127"/>
+            </a:endParaRPr>
+          </a:p>
+        </p:txBody>
+      </p:sp>
+    </p:spTree>
+    <p:extLst>
+      <p:ext uri="{BB962C8B-B14F-4D97-AF65-F5344CB8AC3E}">
+        <p14:creationId xmlns:p14="http://schemas.microsoft.com/office/powerpoint/2010/main" val="3371310450"/>
+      </p:ext>
+    </p:extLst>
+  </p:cSld>
+  <p:clrMapOvr>
+    <a:masterClrMapping/>
+  </p:clrMapOvr>
+  <p:timing>
+    <p:tnLst>
+      <p:par>
+        <p:cTn id="1" dur="indefinite" restart="never" nodeType="tmRoot">
+          <p:childTnLst>
+            <p:seq concurrent="1" nextAc="seek">
+              <p:cTn id="2" dur="indefinite" nodeType="mainSeq">
+                <p:childTnLst>
+                  <p:par>
+                    <p:cTn id="3" fill="hold">
+                      <p:stCondLst>
+                        <p:cond delay="indefinite"/>
+                        <p:cond evt="onBegin" delay="0">
+                          <p:tn val="2"/>
+                        </p:cond>
+                      </p:stCondLst>
+                      <p:childTnLst>
+                        <p:par>
+                          <p:cTn id="4" fill="hold">
+                            <p:stCondLst>
+                              <p:cond delay="0"/>
+                            </p:stCondLst>
+                            <p:childTnLst>
+                              <p:par>
+                                <p:cTn id="5" presetID="42" presetClass="path" presetSubtype="0" accel="50000" decel="50000" fill="hold" nodeType="withEffect">
+                                  <p:stCondLst>
+                                    <p:cond delay="0"/>
+                                  </p:stCondLst>
+                                  <p:childTnLst>
+                                    <p:animMotion origin="layout" path="M 8.33333E-7 -4.81481E-6 L 0.18711 0.3301 " pathEditMode="relative" rAng="0" ptsTypes="AA">
+                                      <p:cBhvr>
+                                        <p:cTn id="6" dur="2000" fill="hold"/>
+                                        <p:tgtEl>
+                                          <p:spTgt spid="35"/>
+                                        </p:tgtEl>
+                                        <p:attrNameLst>
+                                          <p:attrName>ppt_x</p:attrName>
+                                          <p:attrName>ppt_y</p:attrName>
+                                        </p:attrNameLst>
+                                      </p:cBhvr>
+                                      <p:rCtr x="9349" y="16505"/>
+                                    </p:animMotion>
+                                  </p:childTnLst>
+                                </p:cTn>
+                              </p:par>
+                              <p:par>
+                                <p:cTn id="7" presetID="42" presetClass="path" presetSubtype="0" accel="50000" decel="50000" fill="hold" nodeType="withEffect">
+                                  <p:stCondLst>
+                                    <p:cond delay="0"/>
+                                  </p:stCondLst>
+                                  <p:childTnLst>
+                                    <p:animMotion origin="layout" path="M -2.5E-6 1.48148E-6 L 0.29753 -0.00347 " pathEditMode="relative" rAng="0" ptsTypes="AA">
+                                      <p:cBhvr>
+                                        <p:cTn id="8" dur="2000" fill="hold"/>
+                                        <p:tgtEl>
+                                          <p:spTgt spid="34"/>
+                                        </p:tgtEl>
+                                        <p:attrNameLst>
+                                          <p:attrName>ppt_x</p:attrName>
+                                          <p:attrName>ppt_y</p:attrName>
+                                        </p:attrNameLst>
+                                      </p:cBhvr>
+                                      <p:rCtr x="14870" y="-185"/>
+                                    </p:animMotion>
+                                  </p:childTnLst>
+                                </p:cTn>
+                              </p:par>
+                              <p:par>
+                                <p:cTn id="9" presetID="42" presetClass="path" presetSubtype="0" accel="50000" decel="50000" fill="hold" nodeType="withEffect">
+                                  <p:stCondLst>
+                                    <p:cond delay="0"/>
+                                  </p:stCondLst>
+                                  <p:childTnLst>
+                                    <p:animMotion origin="layout" path="M -4.58333E-6 -2.22222E-6 L -0.17252 0.33449 " pathEditMode="relative" rAng="0" ptsTypes="AA">
+                                      <p:cBhvr>
+                                        <p:cTn id="10" dur="2000" fill="hold"/>
+                                        <p:tgtEl>
+                                          <p:spTgt spid="32"/>
+                                        </p:tgtEl>
+                                        <p:attrNameLst>
+                                          <p:attrName>ppt_x</p:attrName>
+                                          <p:attrName>ppt_y</p:attrName>
+                                        </p:attrNameLst>
+                                      </p:cBhvr>
+                                      <p:rCtr x="-8633" y="16713"/>
+                                    </p:animMotion>
+                                  </p:childTnLst>
+                                </p:cTn>
+                              </p:par>
+                              <p:par>
+                                <p:cTn id="11" presetID="42" presetClass="path" presetSubtype="0" accel="50000" decel="50000" fill="hold" nodeType="withEffect">
+                                  <p:stCondLst>
+                                    <p:cond delay="0"/>
+                                  </p:stCondLst>
+                                  <p:childTnLst>
+                                    <p:animMotion origin="layout" path="M -2.91667E-6 1.48148E-6 L -0.30143 0.01852 " pathEditMode="relative" rAng="0" ptsTypes="AA">
+                                      <p:cBhvr>
+                                        <p:cTn id="12" dur="2000" fill="hold"/>
+                                        <p:tgtEl>
+                                          <p:spTgt spid="33"/>
+                                        </p:tgtEl>
+                                        <p:attrNameLst>
+                                          <p:attrName>ppt_x</p:attrName>
+                                          <p:attrName>ppt_y</p:attrName>
+                                        </p:attrNameLst>
+                                      </p:cBhvr>
+                                      <p:rCtr x="-15078" y="926"/>
+                                    </p:animMotion>
+                                  </p:childTnLst>
+                                </p:cTn>
+                              </p:par>
+                              <p:par>
+                                <p:cTn id="13" presetID="42" presetClass="path" presetSubtype="0" accel="50000" decel="50000" fill="hold" nodeType="withEffect">
+                                  <p:stCondLst>
+                                    <p:cond delay="0"/>
+                                  </p:stCondLst>
+                                  <p:childTnLst>
+                                    <p:animMotion origin="layout" path="M 1.04167E-6 -4.44444E-6 L -0.16146 -0.33425 " pathEditMode="relative" rAng="0" ptsTypes="AA">
+                                      <p:cBhvr>
+                                        <p:cTn id="14" dur="2000" fill="hold"/>
+                                        <p:tgtEl>
+                                          <p:spTgt spid="43"/>
+                                        </p:tgtEl>
+                                        <p:attrNameLst>
+                                          <p:attrName>ppt_x</p:attrName>
+                                          <p:attrName>ppt_y</p:attrName>
+                                        </p:attrNameLst>
+                                      </p:cBhvr>
+                                      <p:rCtr x="-8073" y="-16713"/>
+                                    </p:animMotion>
+                                  </p:childTnLst>
+                                </p:cTn>
+                              </p:par>
+                              <p:par>
+                                <p:cTn id="15" presetID="42" presetClass="path" presetSubtype="0" accel="50000" decel="50000" fill="hold" nodeType="withEffect">
+                                  <p:stCondLst>
+                                    <p:cond delay="0"/>
+                                  </p:stCondLst>
+                                  <p:childTnLst>
+                                    <p:animMotion origin="layout" path="M 2.5E-6 2.59259E-6 L 0.17565 -0.3551 " pathEditMode="relative" rAng="0" ptsTypes="AA">
+                                      <p:cBhvr>
+                                        <p:cTn id="16" dur="2000" fill="hold"/>
+                                        <p:tgtEl>
+                                          <p:spTgt spid="36"/>
+                                        </p:tgtEl>
+                                        <p:attrNameLst>
+                                          <p:attrName>ppt_x</p:attrName>
+                                          <p:attrName>ppt_y</p:attrName>
+                                        </p:attrNameLst>
+                                      </p:cBhvr>
+                                      <p:rCtr x="8776" y="-17755"/>
+                                    </p:animMotion>
+                                  </p:childTnLst>
+                                </p:cTn>
+                              </p:par>
+                              <p:par>
+                                <p:cTn id="17" presetID="8" presetClass="emph" presetSubtype="0" repeatCount="indefinite" fill="hold" nodeType="withEffect">
+                                  <p:stCondLst>
+                                    <p:cond delay="0"/>
+                                  </p:stCondLst>
+                                  <p:childTnLst>
+                                    <p:animRot by="21600000">
+                                      <p:cBhvr>
+                                        <p:cTn id="18" dur="7000" fill="hold"/>
+                                        <p:tgtEl>
+                                          <p:spTgt spid="12"/>
+                                        </p:tgtEl>
+                                        <p:attrNameLst>
+                                          <p:attrName>r</p:attrName>
+                                        </p:attrNameLst>
+                                      </p:cBhvr>
+                                    </p:animRot>
+                                  </p:childTnLst>
+                                </p:cTn>
+                              </p:par>
+                              <p:par>
+                                <p:cTn id="19" presetID="8" presetClass="emph" presetSubtype="0" repeatCount="indefinite" fill="hold" nodeType="withEffect">
+                                  <p:stCondLst>
+                                    <p:cond delay="0"/>
+                                  </p:stCondLst>
+                                  <p:childTnLst>
+                                    <p:animRot by="-21600000">
+                                      <p:cBhvr>
+                                        <p:cTn id="20" dur="14000" fill="hold"/>
+                                        <p:tgtEl>
+                                          <p:spTgt spid="7"/>
+                                        </p:tgtEl>
+                                        <p:attrNameLst>
+                                          <p:attrName>r</p:attrName>
+                                        </p:attrNameLst>
+                                      </p:cBhvr>
+                                    </p:animRot>
+                                  </p:childTnLst>
+                                </p:cTn>
+                              </p:par>
+                              <p:par>
+                                <p:cTn id="21" presetID="8" presetClass="emph" presetSubtype="0" repeatCount="indefinite" fill="hold" nodeType="withEffect">
+                                  <p:stCondLst>
+                                    <p:cond delay="0"/>
+                                  </p:stCondLst>
+                                  <p:childTnLst>
+                                    <p:animRot by="21600000">
+                                      <p:cBhvr>
+                                        <p:cTn id="22" dur="10000" fill="hold"/>
+                                        <p:tgtEl>
+                                          <p:spTgt spid="2"/>
+                                        </p:tgtEl>
+                                        <p:attrNameLst>
+                                          <p:attrName>r</p:attrName>
+                                        </p:attrNameLst>
+                                      </p:cBhvr>
+                                    </p:animRot>
+                                  </p:childTnLst>
+                                </p:cTn>
+                              </p:par>
+                              <p:par>
+                                <p:cTn id="23" presetID="22" presetClass="exit" presetSubtype="4" fill="hold" grpId="1" nodeType="withEffect">
+                                  <p:stCondLst>
+                                    <p:cond delay="360"/>
+                                  </p:stCondLst>
+                                  <p:childTnLst>
+                                    <p:animEffect transition="out" filter="wipe(down)">
+                                      <p:cBhvr>
+                                        <p:cTn id="24" dur="500"/>
+                                        <p:tgtEl>
+                                          <p:spTgt spid="57"/>
+                                        </p:tgtEl>
+                                      </p:cBhvr>
+                                    </p:animEffect>
+                                    <p:set>
+                                      <p:cBhvr>
+                                        <p:cTn id="25" dur="1" fill="hold">
+                                          <p:stCondLst>
+                                            <p:cond delay="499"/>
+                                          </p:stCondLst>
+                                        </p:cTn>
+                                        <p:tgtEl>
+                                          <p:spTgt spid="57"/>
+                                        </p:tgtEl>
+                                        <p:attrNameLst>
+                                          <p:attrName>style.visibility</p:attrName>
+                                        </p:attrNameLst>
+                                      </p:cBhvr>
+                                      <p:to>
+                                        <p:strVal val="hidden"/>
+                                      </p:to>
+                                    </p:set>
+                                  </p:childTnLst>
+                                </p:cTn>
+                              </p:par>
+                              <p:par>
+                                <p:cTn id="26" presetID="22" presetClass="exit" presetSubtype="4" fill="hold" grpId="0" nodeType="withEffect">
+                                  <p:stCondLst>
+                                    <p:cond delay="830"/>
+                                  </p:stCondLst>
+                                  <p:childTnLst>
+                                    <p:animEffect transition="out" filter="wipe(down)">
+                                      <p:cBhvr>
+                                        <p:cTn id="27" dur="500"/>
+                                        <p:tgtEl>
+                                          <p:spTgt spid="62"/>
+                                        </p:tgtEl>
+                                      </p:cBhvr>
+                                    </p:animEffect>
+                                    <p:set>
+                                      <p:cBhvr>
+                                        <p:cTn id="28" dur="1" fill="hold">
+                                          <p:stCondLst>
+                                            <p:cond delay="499"/>
+                                          </p:stCondLst>
+                                        </p:cTn>
+                                        <p:tgtEl>
+                                          <p:spTgt spid="62"/>
+                                        </p:tgtEl>
+                                        <p:attrNameLst>
+                                          <p:attrName>style.visibility</p:attrName>
+                                        </p:attrNameLst>
+                                      </p:cBhvr>
+                                      <p:to>
+                                        <p:strVal val="hidden"/>
+                                      </p:to>
+                                    </p:set>
+                                  </p:childTnLst>
+                                </p:cTn>
+                              </p:par>
+                              <p:par>
+                                <p:cTn id="29" presetID="22" presetClass="entr" presetSubtype="4" fill="hold" grpId="0" nodeType="withEffect">
+                                  <p:stCondLst>
+                                    <p:cond delay="360"/>
+                                  </p:stCondLst>
+                                  <p:childTnLst>
+                                    <p:set>
+                                      <p:cBhvr>
+                                        <p:cTn id="30" dur="1" fill="hold">
+                                          <p:stCondLst>
+                                            <p:cond delay="0"/>
+                                          </p:stCondLst>
+                                        </p:cTn>
+                                        <p:tgtEl>
+                                          <p:spTgt spid="63"/>
+                                        </p:tgtEl>
+                                        <p:attrNameLst>
+                                          <p:attrName>style.visibility</p:attrName>
+                                        </p:attrNameLst>
+                                      </p:cBhvr>
+                                      <p:to>
+                                        <p:strVal val="visible"/>
+                                      </p:to>
+                                    </p:set>
+                                    <p:animEffect transition="in" filter="wipe(down)">
+                                      <p:cBhvr>
+                                        <p:cTn id="31" dur="500"/>
+                                        <p:tgtEl>
+                                          <p:spTgt spid="63"/>
+                                        </p:tgtEl>
+                                      </p:cBhvr>
+                                    </p:animEffect>
+                                  </p:childTnLst>
+                                </p:cTn>
+                              </p:par>
+                              <p:par>
+                                <p:cTn id="32" presetID="22" presetClass="entr" presetSubtype="4" fill="hold" grpId="0" nodeType="withEffect">
+                                  <p:stCondLst>
+                                    <p:cond delay="830"/>
+                                  </p:stCondLst>
+                                  <p:childTnLst>
+                                    <p:set>
+                                      <p:cBhvr>
+                                        <p:cTn id="33" dur="1" fill="hold">
+                                          <p:stCondLst>
+                                            <p:cond delay="0"/>
+                                          </p:stCondLst>
+                                        </p:cTn>
+                                        <p:tgtEl>
+                                          <p:spTgt spid="64"/>
+                                        </p:tgtEl>
+                                        <p:attrNameLst>
+                                          <p:attrName>style.visibility</p:attrName>
+                                        </p:attrNameLst>
+                                      </p:cBhvr>
+                                      <p:to>
+                                        <p:strVal val="visible"/>
+                                      </p:to>
+                                    </p:set>
+                                    <p:animEffect transition="in" filter="wipe(down)">
+                                      <p:cBhvr>
+                                        <p:cTn id="34" dur="500"/>
+                                        <p:tgtEl>
+                                          <p:spTgt spid="64"/>
+                                        </p:tgtEl>
+                                      </p:cBhvr>
+                                    </p:animEffect>
+                                  </p:childTnLst>
+                                </p:cTn>
+                              </p:par>
+                              <p:par>
+                                <p:cTn id="35" presetID="8" presetClass="emph" presetSubtype="0" fill="hold" grpId="0" nodeType="withEffect">
+                                  <p:stCondLst>
+                                    <p:cond delay="650"/>
+                                  </p:stCondLst>
+                                  <p:childTnLst>
+                                    <p:animRot by="10800000">
+                                      <p:cBhvr>
+                                        <p:cTn id="36" dur="500" fill="hold"/>
+                                        <p:tgtEl>
+                                          <p:spTgt spid="54"/>
+                                        </p:tgtEl>
+                                        <p:attrNameLst>
+                                          <p:attrName>r</p:attrName>
+                                        </p:attrNameLst>
+                                      </p:cBhvr>
+                                    </p:animRot>
+                                  </p:childTnLst>
+                                </p:cTn>
+                              </p:par>
+                            </p:childTnLst>
+                          </p:cTn>
+                        </p:par>
+                      </p:childTnLst>
+                    </p:cTn>
+                  </p:par>
+                </p:childTnLst>
+              </p:cTn>
+              <p:prevCondLst>
+                <p:cond evt="onPrev" delay="0">
+                  <p:tgtEl>
+                    <p:sldTgt/>
+                  </p:tgtEl>
+                </p:cond>
+              </p:prevCondLst>
+              <p:nextCondLst>
+                <p:cond evt="onNext" delay="0">
+                  <p:tgtEl>
+                    <p:sldTgt/>
+                  </p:tgtEl>
+                </p:cond>
+              </p:nextCondLst>
+            </p:seq>
+          </p:childTnLst>
+        </p:cTn>
+      </p:par>
+    </p:tnLst>
+    <p:bldLst>
+      <p:bldP spid="57" grpId="1"/>
+      <p:bldP spid="54" grpId="0" animBg="1"/>
+      <p:bldP spid="62" grpId="0"/>
+      <p:bldP spid="63" grpId="0"/>
+      <p:bldP spid="64" grpId="0"/>
+    </p:bldLst>
+  </p:timing>
+</p:sld>
+</file>
+
+<file path=ppt/slides/slide6.xml><?xml version="1.0" encoding="utf-8"?>
+<p:sld xmlns:a="http://schemas.openxmlformats.org/drawingml/2006/main" xmlns:r="http://schemas.openxmlformats.org/officeDocument/2006/relationships" xmlns:p="http://schemas.openxmlformats.org/presentationml/2006/main">
+  <p:cSld>
+    <p:bg>
+      <p:bgPr>
+        <a:gradFill>
+          <a:gsLst>
+            <a:gs pos="35000">
+              <a:schemeClr val="accent6">
+                <a:lumMod val="20000"/>
+                <a:lumOff val="80000"/>
+              </a:schemeClr>
+            </a:gs>
+            <a:gs pos="0">
+              <a:schemeClr val="bg1">
+                <a:lumMod val="95000"/>
+              </a:schemeClr>
+            </a:gs>
+            <a:gs pos="50000">
+              <a:schemeClr val="accent1">
+                <a:lumMod val="20000"/>
+                <a:lumOff val="80000"/>
+              </a:schemeClr>
+            </a:gs>
+            <a:gs pos="65000">
+              <a:schemeClr val="accent2">
+                <a:lumMod val="20000"/>
+                <a:lumOff val="80000"/>
+              </a:schemeClr>
+            </a:gs>
+            <a:gs pos="100000">
+              <a:schemeClr val="accent4">
+                <a:lumMod val="20000"/>
+                <a:lumOff val="80000"/>
+              </a:schemeClr>
+            </a:gs>
+          </a:gsLst>
+          <a:lin ang="4200000" scaled="0"/>
+        </a:gradFill>
+        <a:effectLst/>
+      </p:bgPr>
+    </p:bg>
+    <p:spTree>
+      <p:nvGrpSpPr>
+        <p:cNvPr id="1" name=""/>
+        <p:cNvGrpSpPr/>
+        <p:nvPr/>
+      </p:nvGrpSpPr>
+      <p:grpSpPr>
+        <a:xfrm>
+          <a:off x="0" y="0"/>
+          <a:ext cx="0" cy="0"/>
+          <a:chOff x="0" y="0"/>
+          <a:chExt cx="0" cy="0"/>
+        </a:xfrm>
+      </p:grpSpPr>
+      <p:grpSp>
+        <p:nvGrpSpPr>
+          <p:cNvPr id="23" name="그룹 22"/>
+          <p:cNvGrpSpPr/>
+          <p:nvPr/>
+        </p:nvGrpSpPr>
+        <p:grpSpPr>
+          <a:xfrm>
+            <a:off x="4764946" y="2077101"/>
+            <a:ext cx="2662109" cy="2655607"/>
+            <a:chOff x="4764946" y="2077101"/>
+            <a:chExt cx="2662109" cy="2655607"/>
+          </a:xfrm>
+        </p:grpSpPr>
+        <p:sp>
+          <p:nvSpPr>
+            <p:cNvPr id="2" name="타원 1"/>
+            <p:cNvSpPr/>
+            <p:nvPr/>
+          </p:nvSpPr>
+          <p:spPr>
+            <a:xfrm>
+              <a:off x="4764946" y="2077101"/>
+              <a:ext cx="2662109" cy="2655607"/>
             </a:xfrm>
             <a:prstGeom prst="ellipse">
               <a:avLst/>
@@ -14659,14 +16637,14 @@
         </p:sp>
         <p:sp>
           <p:nvSpPr>
-            <p:cNvPr id="21" name="타원 20"/>
+            <p:cNvPr id="3" name="타원 2"/>
             <p:cNvSpPr/>
             <p:nvPr/>
           </p:nvSpPr>
           <p:spPr>
             <a:xfrm>
-              <a:off x="3882259" y="1215259"/>
-              <a:ext cx="4427482" cy="4427482"/>
+              <a:off x="4986788" y="2298401"/>
+              <a:ext cx="2218424" cy="2213006"/>
             </a:xfrm>
             <a:prstGeom prst="ellipse">
               <a:avLst/>
@@ -14731,39 +16709,75 @@
         </p:sp>
         <p:sp>
           <p:nvSpPr>
-            <p:cNvPr id="22" name="TextBox 21"/>
-            <p:cNvSpPr txBox="1"/>
+            <p:cNvPr id="4" name="직사각형 3"/>
+            <p:cNvSpPr/>
             <p:nvPr/>
           </p:nvSpPr>
           <p:spPr>
             <a:xfrm>
-              <a:off x="3984342" y="2867957"/>
-              <a:ext cx="2088350" cy="1016000"/>
+              <a:off x="4985283" y="3396151"/>
+              <a:ext cx="2218424" cy="25200"/>
             </a:xfrm>
             <a:prstGeom prst="rect">
               <a:avLst/>
             </a:prstGeom>
-            <a:noFill/>
+            <a:solidFill>
+              <a:srgbClr val="A6A6A6"/>
+            </a:solidFill>
+            <a:ln>
+              <a:noFill/>
+            </a:ln>
           </p:spPr>
+          <p:style>
+            <a:lnRef idx="2">
+              <a:schemeClr val="accent1">
+                <a:shade val="50000"/>
+              </a:schemeClr>
+            </a:lnRef>
+            <a:fillRef idx="1">
+              <a:schemeClr val="accent1"/>
+            </a:fillRef>
+            <a:effectRef idx="0">
+              <a:schemeClr val="accent1"/>
+            </a:effectRef>
+            <a:fontRef idx="minor">
+              <a:schemeClr val="lt1"/>
+            </a:fontRef>
+          </p:style>
           <p:txBody>
-            <a:bodyPr wrap="square" rtlCol="0" anchor="ctr">
-              <a:spAutoFit/>
-            </a:bodyPr>
+            <a:bodyPr rtlCol="0" anchor="ctr"/>
             <a:lstStyle/>
             <a:p>
-              <a:r>
-                <a:rPr lang="ko-KR" altLang="en-US" dirty="0" smtClean="0">
-                  <a:solidFill>
-                    <a:schemeClr val="bg1">
-                      <a:lumMod val="65000"/>
-                    </a:schemeClr>
-                  </a:solidFill>
-                  <a:latin typeface="배달의민족 한나는 열한살" panose="020B0600000101010101" pitchFamily="50" charset="-127"/>
-                  <a:ea typeface="배달의민족 한나는 열한살" panose="020B0600000101010101" pitchFamily="50" charset="-127"/>
-                </a:rPr>
-                <a:t>팀원 소개</a:t>
-              </a:r>
-              <a:endParaRPr lang="en-US" altLang="ko-KR" dirty="0" smtClean="0">
+              <a:pPr algn="ctr"/>
+              <a:endParaRPr lang="ko-KR" altLang="en-US"/>
+            </a:p>
+          </p:txBody>
+        </p:sp>
+      </p:grpSp>
+      <p:sp>
+        <p:nvSpPr>
+          <p:cNvPr id="5" name="TextBox 4"/>
+          <p:cNvSpPr txBox="1"/>
+          <p:nvPr/>
+        </p:nvSpPr>
+        <p:spPr>
+          <a:xfrm>
+            <a:off x="5041513" y="3128888"/>
+            <a:ext cx="2076794" cy="507831"/>
+          </a:xfrm>
+          <a:prstGeom prst="rect">
+            <a:avLst/>
+          </a:prstGeom>
+          <a:noFill/>
+        </p:spPr>
+        <p:txBody>
+          <a:bodyPr wrap="square" rtlCol="0" anchor="ctr">
+            <a:spAutoFit/>
+          </a:bodyPr>
+          <a:lstStyle/>
+          <a:p>
+            <a:r>
+              <a:rPr lang="ko-KR" altLang="en-US" dirty="0" smtClean="0">
                 <a:solidFill>
                   <a:schemeClr val="bg1">
                     <a:lumMod val="65000"/>
@@ -14771,82 +16785,563 @@
                 </a:solidFill>
                 <a:latin typeface="배달의민족 한나는 열한살" panose="020B0600000101010101" pitchFamily="50" charset="-127"/>
                 <a:ea typeface="배달의민족 한나는 열한살" panose="020B0600000101010101" pitchFamily="50" charset="-127"/>
-              </a:endParaRPr>
-            </a:p>
-            <a:p>
-              <a:r>
-                <a:rPr lang="en-US" altLang="ko-KR" sz="900" smtClean="0">
-                  <a:solidFill>
-                    <a:srgbClr val="A6A6A6"/>
-                  </a:solidFill>
-                  <a:latin typeface="배달의민족 한나는 열한살" panose="020B0600000101010101" pitchFamily="50" charset="-127"/>
-                  <a:ea typeface="배달의민족 한나는 열한살" panose="020B0600000101010101" pitchFamily="50" charset="-127"/>
-                </a:rPr>
-                <a:t>  team </a:t>
-              </a:r>
-              <a:r>
-                <a:rPr lang="en-US" altLang="ko-KR" sz="900" dirty="0">
-                  <a:solidFill>
-                    <a:srgbClr val="A6A6A6"/>
-                  </a:solidFill>
-                  <a:latin typeface="배달의민족 한나는 열한살" panose="020B0600000101010101" pitchFamily="50" charset="-127"/>
-                  <a:ea typeface="배달의민족 한나는 열한살" panose="020B0600000101010101" pitchFamily="50" charset="-127"/>
-                </a:rPr>
-                <a:t>members</a:t>
-              </a:r>
-              <a:endParaRPr lang="ko-KR" altLang="en-US" sz="900" dirty="0">
+              </a:rPr>
+              <a:t>시연 영상</a:t>
+            </a:r>
+          </a:p>
+          <a:p>
+            <a:r>
+              <a:rPr lang="en-US" altLang="ko-KR" sz="900" dirty="0" smtClean="0">
                 <a:solidFill>
                   <a:srgbClr val="A6A6A6"/>
                 </a:solidFill>
                 <a:latin typeface="배달의민족 한나는 열한살" panose="020B0600000101010101" pitchFamily="50" charset="-127"/>
                 <a:ea typeface="배달의민족 한나는 열한살" panose="020B0600000101010101" pitchFamily="50" charset="-127"/>
-              </a:endParaRPr>
+              </a:rPr>
+              <a:t>Watching</a:t>
+            </a:r>
+            <a:endParaRPr lang="ko-KR" altLang="en-US" sz="1000" dirty="0">
+              <a:solidFill>
+                <a:srgbClr val="A6A6A6"/>
+              </a:solidFill>
+              <a:latin typeface="배달의민족 한나는 열한살" panose="020B0600000101010101" pitchFamily="50" charset="-127"/>
+              <a:ea typeface="배달의민족 한나는 열한살" panose="020B0600000101010101" pitchFamily="50" charset="-127"/>
+            </a:endParaRPr>
+          </a:p>
+        </p:txBody>
+      </p:sp>
+      <p:grpSp>
+        <p:nvGrpSpPr>
+          <p:cNvPr id="7" name="그룹 6"/>
+          <p:cNvGrpSpPr/>
+          <p:nvPr/>
+        </p:nvGrpSpPr>
+        <p:grpSpPr>
+          <a:xfrm rot="6128200">
+            <a:off x="4685658" y="2039227"/>
+            <a:ext cx="2820685" cy="2779547"/>
+            <a:chOff x="3271520" y="655320"/>
+            <a:chExt cx="5643245" cy="5547360"/>
+          </a:xfrm>
+        </p:grpSpPr>
+        <p:grpSp>
+          <p:nvGrpSpPr>
+            <p:cNvPr id="8" name="그룹 7"/>
+            <p:cNvGrpSpPr/>
+            <p:nvPr/>
+          </p:nvGrpSpPr>
+          <p:grpSpPr>
+            <a:xfrm>
+              <a:off x="3322320" y="655320"/>
+              <a:ext cx="5592445" cy="5547360"/>
+              <a:chOff x="3322320" y="655320"/>
+              <a:chExt cx="5592445" cy="5547360"/>
+            </a:xfrm>
+          </p:grpSpPr>
+          <p:sp>
+            <p:nvSpPr>
+              <p:cNvPr id="10" name="막힌 원호 9"/>
+              <p:cNvSpPr/>
+              <p:nvPr/>
+            </p:nvSpPr>
+            <p:spPr>
+              <a:xfrm>
+                <a:off x="3322320" y="655320"/>
+                <a:ext cx="5547360" cy="5547360"/>
+              </a:xfrm>
+              <a:prstGeom prst="blockArc">
+                <a:avLst>
+                  <a:gd name="adj1" fmla="val 3701085"/>
+                  <a:gd name="adj2" fmla="val 1393"/>
+                  <a:gd name="adj3" fmla="val 35"/>
+                </a:avLst>
+              </a:prstGeom>
+              <a:noFill/>
+              <a:ln w="6350" cap="rnd">
+                <a:solidFill>
+                  <a:schemeClr val="bg1"/>
+                </a:solidFill>
+              </a:ln>
+            </p:spPr>
+            <p:style>
+              <a:lnRef idx="2">
+                <a:schemeClr val="accent1">
+                  <a:shade val="50000"/>
+                </a:schemeClr>
+              </a:lnRef>
+              <a:fillRef idx="1">
+                <a:schemeClr val="accent1"/>
+              </a:fillRef>
+              <a:effectRef idx="0">
+                <a:schemeClr val="accent1"/>
+              </a:effectRef>
+              <a:fontRef idx="minor">
+                <a:schemeClr val="lt1"/>
+              </a:fontRef>
+            </p:style>
+            <p:txBody>
+              <a:bodyPr rtlCol="0" anchor="ctr"/>
+              <a:lstStyle/>
+              <a:p>
+                <a:pPr algn="ctr"/>
+                <a:endParaRPr lang="ko-KR" altLang="en-US">
+                  <a:solidFill>
+                    <a:schemeClr val="tx1"/>
+                  </a:solidFill>
+                </a:endParaRPr>
+              </a:p>
+            </p:txBody>
+          </p:sp>
+          <p:sp>
+            <p:nvSpPr>
+              <p:cNvPr id="11" name="타원 10"/>
+              <p:cNvSpPr/>
+              <p:nvPr/>
+            </p:nvSpPr>
+            <p:spPr>
+              <a:xfrm>
+                <a:off x="8820785" y="3382010"/>
+                <a:ext cx="93980" cy="93980"/>
+              </a:xfrm>
+              <a:prstGeom prst="ellipse">
+                <a:avLst/>
+              </a:prstGeom>
+              <a:solidFill>
+                <a:schemeClr val="bg1"/>
+              </a:solidFill>
+              <a:ln w="6350">
+                <a:solidFill>
+                  <a:schemeClr val="bg1"/>
+                </a:solidFill>
+              </a:ln>
+            </p:spPr>
+            <p:style>
+              <a:lnRef idx="2">
+                <a:schemeClr val="accent1">
+                  <a:shade val="50000"/>
+                </a:schemeClr>
+              </a:lnRef>
+              <a:fillRef idx="1">
+                <a:schemeClr val="accent1"/>
+              </a:fillRef>
+              <a:effectRef idx="0">
+                <a:schemeClr val="accent1"/>
+              </a:effectRef>
+              <a:fontRef idx="minor">
+                <a:schemeClr val="lt1"/>
+              </a:fontRef>
+            </p:style>
+            <p:txBody>
+              <a:bodyPr rtlCol="0" anchor="ctr"/>
+              <a:lstStyle/>
+              <a:p>
+                <a:pPr algn="ctr"/>
+                <a:endParaRPr lang="ko-KR" altLang="en-US"/>
+              </a:p>
+            </p:txBody>
+          </p:sp>
+        </p:grpSp>
+        <p:sp>
+          <p:nvSpPr>
+            <p:cNvPr id="9" name="타원 8"/>
+            <p:cNvSpPr/>
+            <p:nvPr/>
+          </p:nvSpPr>
+          <p:spPr>
+            <a:xfrm>
+              <a:off x="3271520" y="3404350"/>
+              <a:ext cx="93980" cy="93980"/>
+            </a:xfrm>
+            <a:prstGeom prst="ellipse">
+              <a:avLst/>
+            </a:prstGeom>
+            <a:noFill/>
+            <a:ln w="6350">
+              <a:noFill/>
+            </a:ln>
+          </p:spPr>
+          <p:style>
+            <a:lnRef idx="2">
+              <a:schemeClr val="accent1">
+                <a:shade val="50000"/>
+              </a:schemeClr>
+            </a:lnRef>
+            <a:fillRef idx="1">
+              <a:schemeClr val="accent1"/>
+            </a:fillRef>
+            <a:effectRef idx="0">
+              <a:schemeClr val="accent1"/>
+            </a:effectRef>
+            <a:fontRef idx="minor">
+              <a:schemeClr val="lt1"/>
+            </a:fontRef>
+          </p:style>
+          <p:txBody>
+            <a:bodyPr rtlCol="0" anchor="ctr"/>
+            <a:lstStyle/>
+            <a:p>
+              <a:pPr algn="ctr"/>
+              <a:endParaRPr lang="ko-KR" altLang="en-US"/>
             </a:p>
           </p:txBody>
         </p:sp>
       </p:grpSp>
-      <p:cxnSp>
-        <p:nvCxnSpPr>
-          <p:cNvPr id="29" name="직선 연결선 28"/>
-          <p:cNvCxnSpPr>
-            <a:stCxn id="21" idx="2"/>
-            <a:endCxn id="21" idx="6"/>
-          </p:cNvCxnSpPr>
+      <p:grpSp>
+        <p:nvGrpSpPr>
+          <p:cNvPr id="12" name="그룹 11"/>
+          <p:cNvGrpSpPr/>
           <p:nvPr/>
-        </p:nvCxnSpPr>
-        <p:spPr>
+        </p:nvGrpSpPr>
+        <p:grpSpPr>
           <a:xfrm>
-            <a:off x="4986788" y="3408113"/>
-            <a:ext cx="2218424" cy="0"/>
+            <a:off x="4637898" y="1949213"/>
+            <a:ext cx="2916205" cy="2959575"/>
+            <a:chOff x="3185951" y="489572"/>
+            <a:chExt cx="5820098" cy="5921117"/>
           </a:xfrm>
-          <a:prstGeom prst="line">
-            <a:avLst/>
-          </a:prstGeom>
-          <a:ln w="25400">
-            <a:solidFill>
-              <a:srgbClr val="A6A6A6"/>
-            </a:solidFill>
-          </a:ln>
-        </p:spPr>
-        <p:style>
-          <a:lnRef idx="1">
-            <a:schemeClr val="accent1"/>
-          </a:lnRef>
-          <a:fillRef idx="0">
-            <a:schemeClr val="accent1"/>
-          </a:fillRef>
-          <a:effectRef idx="0">
-            <a:schemeClr val="accent1"/>
-          </a:effectRef>
-          <a:fontRef idx="minor">
-            <a:schemeClr val="tx1"/>
-          </a:fontRef>
-        </p:style>
-      </p:cxnSp>
+        </p:grpSpPr>
+        <p:grpSp>
+          <p:nvGrpSpPr>
+            <p:cNvPr id="13" name="그룹 12"/>
+            <p:cNvGrpSpPr/>
+            <p:nvPr/>
+          </p:nvGrpSpPr>
+          <p:grpSpPr>
+            <a:xfrm>
+              <a:off x="3185951" y="541291"/>
+              <a:ext cx="5820098" cy="5869398"/>
+              <a:chOff x="3322320" y="655320"/>
+              <a:chExt cx="5547360" cy="5594350"/>
+            </a:xfrm>
+          </p:grpSpPr>
+          <p:sp>
+            <p:nvSpPr>
+              <p:cNvPr id="15" name="막힌 원호 14"/>
+              <p:cNvSpPr/>
+              <p:nvPr/>
+            </p:nvSpPr>
+            <p:spPr>
+              <a:xfrm>
+                <a:off x="3322320" y="655320"/>
+                <a:ext cx="5547360" cy="5547360"/>
+              </a:xfrm>
+              <a:prstGeom prst="blockArc">
+                <a:avLst>
+                  <a:gd name="adj1" fmla="val 5669555"/>
+                  <a:gd name="adj2" fmla="val 3194492"/>
+                  <a:gd name="adj3" fmla="val 0"/>
+                </a:avLst>
+              </a:prstGeom>
+              <a:noFill/>
+              <a:ln w="6350" cap="rnd">
+                <a:solidFill>
+                  <a:schemeClr val="bg1"/>
+                </a:solidFill>
+              </a:ln>
+            </p:spPr>
+            <p:style>
+              <a:lnRef idx="2">
+                <a:schemeClr val="accent1">
+                  <a:shade val="50000"/>
+                </a:schemeClr>
+              </a:lnRef>
+              <a:fillRef idx="1">
+                <a:schemeClr val="accent1"/>
+              </a:fillRef>
+              <a:effectRef idx="0">
+                <a:schemeClr val="accent1"/>
+              </a:effectRef>
+              <a:fontRef idx="minor">
+                <a:schemeClr val="lt1"/>
+              </a:fontRef>
+            </p:style>
+            <p:txBody>
+              <a:bodyPr rtlCol="0" anchor="ctr"/>
+              <a:lstStyle/>
+              <a:p>
+                <a:pPr algn="ctr"/>
+                <a:endParaRPr lang="ko-KR" altLang="en-US">
+                  <a:solidFill>
+                    <a:schemeClr val="tx1"/>
+                  </a:solidFill>
+                </a:endParaRPr>
+              </a:p>
+            </p:txBody>
+          </p:sp>
+          <p:sp>
+            <p:nvSpPr>
+              <p:cNvPr id="16" name="타원 15"/>
+              <p:cNvSpPr/>
+              <p:nvPr/>
+            </p:nvSpPr>
+            <p:spPr>
+              <a:xfrm>
+                <a:off x="5866156" y="6155690"/>
+                <a:ext cx="93980" cy="93980"/>
+              </a:xfrm>
+              <a:prstGeom prst="ellipse">
+                <a:avLst/>
+              </a:prstGeom>
+              <a:solidFill>
+                <a:schemeClr val="bg1"/>
+              </a:solidFill>
+              <a:ln w="6350">
+                <a:solidFill>
+                  <a:schemeClr val="bg1"/>
+                </a:solidFill>
+              </a:ln>
+            </p:spPr>
+            <p:style>
+              <a:lnRef idx="2">
+                <a:schemeClr val="accent1">
+                  <a:shade val="50000"/>
+                </a:schemeClr>
+              </a:lnRef>
+              <a:fillRef idx="1">
+                <a:schemeClr val="accent1"/>
+              </a:fillRef>
+              <a:effectRef idx="0">
+                <a:schemeClr val="accent1"/>
+              </a:effectRef>
+              <a:fontRef idx="minor">
+                <a:schemeClr val="lt1"/>
+              </a:fontRef>
+            </p:style>
+            <p:txBody>
+              <a:bodyPr rtlCol="0" anchor="ctr"/>
+              <a:lstStyle/>
+              <a:p>
+                <a:pPr algn="ctr"/>
+                <a:endParaRPr lang="ko-KR" altLang="en-US"/>
+              </a:p>
+            </p:txBody>
+          </p:sp>
+        </p:grpSp>
+        <p:sp>
+          <p:nvSpPr>
+            <p:cNvPr id="14" name="타원 13"/>
+            <p:cNvSpPr/>
+            <p:nvPr/>
+          </p:nvSpPr>
+          <p:spPr>
+            <a:xfrm>
+              <a:off x="5854856" y="489572"/>
+              <a:ext cx="98601" cy="98601"/>
+            </a:xfrm>
+            <a:prstGeom prst="ellipse">
+              <a:avLst/>
+            </a:prstGeom>
+            <a:noFill/>
+            <a:ln w="6350">
+              <a:noFill/>
+            </a:ln>
+          </p:spPr>
+          <p:style>
+            <a:lnRef idx="2">
+              <a:schemeClr val="accent1">
+                <a:shade val="50000"/>
+              </a:schemeClr>
+            </a:lnRef>
+            <a:fillRef idx="1">
+              <a:schemeClr val="accent1"/>
+            </a:fillRef>
+            <a:effectRef idx="0">
+              <a:schemeClr val="accent1"/>
+            </a:effectRef>
+            <a:fontRef idx="minor">
+              <a:schemeClr val="lt1"/>
+            </a:fontRef>
+          </p:style>
+          <p:txBody>
+            <a:bodyPr rtlCol="0" anchor="ctr"/>
+            <a:lstStyle/>
+            <a:p>
+              <a:pPr algn="ctr"/>
+              <a:endParaRPr lang="ko-KR" altLang="en-US"/>
+            </a:p>
+          </p:txBody>
+        </p:sp>
+      </p:grpSp>
+      <p:grpSp>
+        <p:nvGrpSpPr>
+          <p:cNvPr id="17" name="그룹 16"/>
+          <p:cNvGrpSpPr/>
+          <p:nvPr/>
+        </p:nvGrpSpPr>
+        <p:grpSpPr>
+          <a:xfrm rot="18836101">
+            <a:off x="4549445" y="1905001"/>
+            <a:ext cx="3093111" cy="3048000"/>
+            <a:chOff x="3271520" y="655320"/>
+            <a:chExt cx="5643245" cy="5547360"/>
+          </a:xfrm>
+        </p:grpSpPr>
+        <p:grpSp>
+          <p:nvGrpSpPr>
+            <p:cNvPr id="18" name="그룹 17"/>
+            <p:cNvGrpSpPr/>
+            <p:nvPr/>
+          </p:nvGrpSpPr>
+          <p:grpSpPr>
+            <a:xfrm>
+              <a:off x="3322320" y="655320"/>
+              <a:ext cx="5592445" cy="5547360"/>
+              <a:chOff x="3322320" y="655320"/>
+              <a:chExt cx="5592445" cy="5547360"/>
+            </a:xfrm>
+          </p:grpSpPr>
+          <p:sp>
+            <p:nvSpPr>
+              <p:cNvPr id="20" name="막힌 원호 19"/>
+              <p:cNvSpPr/>
+              <p:nvPr/>
+            </p:nvSpPr>
+            <p:spPr>
+              <a:xfrm>
+                <a:off x="3322320" y="655320"/>
+                <a:ext cx="5547360" cy="5547360"/>
+              </a:xfrm>
+              <a:prstGeom prst="blockArc">
+                <a:avLst>
+                  <a:gd name="adj1" fmla="val 1934179"/>
+                  <a:gd name="adj2" fmla="val 1393"/>
+                  <a:gd name="adj3" fmla="val 35"/>
+                </a:avLst>
+              </a:prstGeom>
+              <a:noFill/>
+              <a:ln w="6350" cap="rnd">
+                <a:solidFill>
+                  <a:schemeClr val="bg1"/>
+                </a:solidFill>
+              </a:ln>
+            </p:spPr>
+            <p:style>
+              <a:lnRef idx="2">
+                <a:schemeClr val="accent1">
+                  <a:shade val="50000"/>
+                </a:schemeClr>
+              </a:lnRef>
+              <a:fillRef idx="1">
+                <a:schemeClr val="accent1"/>
+              </a:fillRef>
+              <a:effectRef idx="0">
+                <a:schemeClr val="accent1"/>
+              </a:effectRef>
+              <a:fontRef idx="minor">
+                <a:schemeClr val="lt1"/>
+              </a:fontRef>
+            </p:style>
+            <p:txBody>
+              <a:bodyPr rtlCol="0" anchor="ctr"/>
+              <a:lstStyle/>
+              <a:p>
+                <a:pPr algn="ctr"/>
+                <a:endParaRPr lang="ko-KR" altLang="en-US">
+                  <a:solidFill>
+                    <a:schemeClr val="tx1"/>
+                  </a:solidFill>
+                </a:endParaRPr>
+              </a:p>
+            </p:txBody>
+          </p:sp>
+          <p:sp>
+            <p:nvSpPr>
+              <p:cNvPr id="21" name="타원 20"/>
+              <p:cNvSpPr/>
+              <p:nvPr/>
+            </p:nvSpPr>
+            <p:spPr>
+              <a:xfrm>
+                <a:off x="8820785" y="3382010"/>
+                <a:ext cx="93980" cy="93980"/>
+              </a:xfrm>
+              <a:prstGeom prst="ellipse">
+                <a:avLst/>
+              </a:prstGeom>
+              <a:solidFill>
+                <a:schemeClr val="bg1"/>
+              </a:solidFill>
+              <a:ln w="6350">
+                <a:solidFill>
+                  <a:schemeClr val="bg1"/>
+                </a:solidFill>
+              </a:ln>
+            </p:spPr>
+            <p:style>
+              <a:lnRef idx="2">
+                <a:schemeClr val="accent1">
+                  <a:shade val="50000"/>
+                </a:schemeClr>
+              </a:lnRef>
+              <a:fillRef idx="1">
+                <a:schemeClr val="accent1"/>
+              </a:fillRef>
+              <a:effectRef idx="0">
+                <a:schemeClr val="accent1"/>
+              </a:effectRef>
+              <a:fontRef idx="minor">
+                <a:schemeClr val="lt1"/>
+              </a:fontRef>
+            </p:style>
+            <p:txBody>
+              <a:bodyPr rtlCol="0" anchor="ctr"/>
+              <a:lstStyle/>
+              <a:p>
+                <a:pPr algn="ctr"/>
+                <a:endParaRPr lang="ko-KR" altLang="en-US"/>
+              </a:p>
+            </p:txBody>
+          </p:sp>
+        </p:grpSp>
+        <p:sp>
+          <p:nvSpPr>
+            <p:cNvPr id="19" name="타원 18"/>
+            <p:cNvSpPr/>
+            <p:nvPr/>
+          </p:nvSpPr>
+          <p:spPr>
+            <a:xfrm>
+              <a:off x="3271520" y="3404350"/>
+              <a:ext cx="93980" cy="93980"/>
+            </a:xfrm>
+            <a:prstGeom prst="ellipse">
+              <a:avLst/>
+            </a:prstGeom>
+            <a:noFill/>
+            <a:ln w="6350">
+              <a:noFill/>
+            </a:ln>
+          </p:spPr>
+          <p:style>
+            <a:lnRef idx="2">
+              <a:schemeClr val="accent1">
+                <a:shade val="50000"/>
+              </a:schemeClr>
+            </a:lnRef>
+            <a:fillRef idx="1">
+              <a:schemeClr val="accent1"/>
+            </a:fillRef>
+            <a:effectRef idx="0">
+              <a:schemeClr val="accent1"/>
+            </a:effectRef>
+            <a:fontRef idx="minor">
+              <a:schemeClr val="lt1"/>
+            </a:fontRef>
+          </p:style>
+          <p:txBody>
+            <a:bodyPr rtlCol="0" anchor="ctr"/>
+            <a:lstStyle/>
+            <a:p>
+              <a:pPr algn="ctr"/>
+              <a:endParaRPr lang="ko-KR" altLang="en-US"/>
+            </a:p>
+          </p:txBody>
+        </p:sp>
+      </p:grpSp>
     </p:spTree>
     <p:extLst>
       <p:ext uri="{BB962C8B-B14F-4D97-AF65-F5344CB8AC3E}">
-        <p14:creationId xmlns:p14="http://schemas.microsoft.com/office/powerpoint/2010/main" val="3371310450"/>
+        <p14:creationId xmlns:p14="http://schemas.microsoft.com/office/powerpoint/2010/main" val="1402057950"/>
       </p:ext>
     </p:extLst>
   </p:cSld>
@@ -14856,9 +17351,226 @@
   <p:timing>
     <p:tnLst>
       <p:par>
-        <p:cTn id="1" dur="indefinite" restart="never" nodeType="tmRoot"/>
+        <p:cTn id="1" dur="indefinite" restart="never" nodeType="tmRoot">
+          <p:childTnLst>
+            <p:seq concurrent="1" nextAc="seek">
+              <p:cTn id="2" dur="indefinite" nodeType="mainSeq">
+                <p:childTnLst>
+                  <p:par>
+                    <p:cTn id="3" fill="hold">
+                      <p:stCondLst>
+                        <p:cond delay="indefinite"/>
+                        <p:cond evt="onBegin" delay="0">
+                          <p:tn val="2"/>
+                        </p:cond>
+                      </p:stCondLst>
+                      <p:childTnLst>
+                        <p:par>
+                          <p:cTn id="4" fill="hold">
+                            <p:stCondLst>
+                              <p:cond delay="0"/>
+                            </p:stCondLst>
+                            <p:childTnLst>
+                              <p:par>
+                                <p:cTn id="5" presetID="8" presetClass="emph" presetSubtype="0" repeatCount="indefinite" fill="hold" nodeType="withEffect">
+                                  <p:stCondLst>
+                                    <p:cond delay="0"/>
+                                  </p:stCondLst>
+                                  <p:childTnLst>
+                                    <p:animRot by="21600000">
+                                      <p:cBhvr>
+                                        <p:cTn id="6" dur="7000" fill="hold"/>
+                                        <p:tgtEl>
+                                          <p:spTgt spid="17"/>
+                                        </p:tgtEl>
+                                        <p:attrNameLst>
+                                          <p:attrName>r</p:attrName>
+                                        </p:attrNameLst>
+                                      </p:cBhvr>
+                                    </p:animRot>
+                                  </p:childTnLst>
+                                </p:cTn>
+                              </p:par>
+                              <p:par>
+                                <p:cTn id="7" presetID="8" presetClass="emph" presetSubtype="0" repeatCount="indefinite" fill="hold" nodeType="withEffect">
+                                  <p:stCondLst>
+                                    <p:cond delay="0"/>
+                                  </p:stCondLst>
+                                  <p:childTnLst>
+                                    <p:animRot by="-21600000">
+                                      <p:cBhvr>
+                                        <p:cTn id="8" dur="14000" fill="hold"/>
+                                        <p:tgtEl>
+                                          <p:spTgt spid="12"/>
+                                        </p:tgtEl>
+                                        <p:attrNameLst>
+                                          <p:attrName>r</p:attrName>
+                                        </p:attrNameLst>
+                                      </p:cBhvr>
+                                    </p:animRot>
+                                  </p:childTnLst>
+                                </p:cTn>
+                              </p:par>
+                              <p:par>
+                                <p:cTn id="9" presetID="8" presetClass="emph" presetSubtype="0" repeatCount="indefinite" fill="hold" nodeType="withEffect">
+                                  <p:stCondLst>
+                                    <p:cond delay="0"/>
+                                  </p:stCondLst>
+                                  <p:childTnLst>
+                                    <p:animRot by="21600000">
+                                      <p:cBhvr>
+                                        <p:cTn id="10" dur="10000" fill="hold"/>
+                                        <p:tgtEl>
+                                          <p:spTgt spid="7"/>
+                                        </p:tgtEl>
+                                        <p:attrNameLst>
+                                          <p:attrName>r</p:attrName>
+                                        </p:attrNameLst>
+                                      </p:cBhvr>
+                                    </p:animRot>
+                                  </p:childTnLst>
+                                </p:cTn>
+                              </p:par>
+                              <p:par>
+                                <p:cTn id="11" presetID="35" presetClass="path" presetSubtype="0" accel="50000" decel="50000" fill="hold" nodeType="withEffect">
+                                  <p:stCondLst>
+                                    <p:cond delay="0"/>
+                                  </p:stCondLst>
+                                  <p:childTnLst>
+                                    <p:animMotion origin="layout" path="M 0 0 L -0.5 0 " pathEditMode="relative" rAng="0" ptsTypes="AA">
+                                      <p:cBhvr>
+                                        <p:cTn id="12" dur="1000" fill="hold"/>
+                                        <p:tgtEl>
+                                          <p:spTgt spid="17"/>
+                                        </p:tgtEl>
+                                        <p:attrNameLst>
+                                          <p:attrName>ppt_x</p:attrName>
+                                          <p:attrName>ppt_y</p:attrName>
+                                        </p:attrNameLst>
+                                      </p:cBhvr>
+                                      <p:rCtr x="-25000" y="0"/>
+                                    </p:animMotion>
+                                  </p:childTnLst>
+                                </p:cTn>
+                              </p:par>
+                              <p:par>
+                                <p:cTn id="13" presetID="35" presetClass="path" presetSubtype="0" accel="50000" decel="50000" fill="hold" nodeType="withEffect">
+                                  <p:stCondLst>
+                                    <p:cond delay="0"/>
+                                  </p:stCondLst>
+                                  <p:childTnLst>
+                                    <p:animMotion origin="layout" path="M 0 0 L -0.5 0 " pathEditMode="relative" rAng="0" ptsTypes="AA">
+                                      <p:cBhvr>
+                                        <p:cTn id="14" dur="1000" fill="hold"/>
+                                        <p:tgtEl>
+                                          <p:spTgt spid="12"/>
+                                        </p:tgtEl>
+                                        <p:attrNameLst>
+                                          <p:attrName>ppt_x</p:attrName>
+                                          <p:attrName>ppt_y</p:attrName>
+                                        </p:attrNameLst>
+                                      </p:cBhvr>
+                                      <p:rCtr x="-25000" y="0"/>
+                                    </p:animMotion>
+                                  </p:childTnLst>
+                                </p:cTn>
+                              </p:par>
+                              <p:par>
+                                <p:cTn id="15" presetID="35" presetClass="path" presetSubtype="0" accel="50000" decel="50000" fill="hold" nodeType="withEffect">
+                                  <p:stCondLst>
+                                    <p:cond delay="0"/>
+                                  </p:stCondLst>
+                                  <p:childTnLst>
+                                    <p:animMotion origin="layout" path="M 0 0 L -0.5 0 " pathEditMode="relative" rAng="0" ptsTypes="AA">
+                                      <p:cBhvr>
+                                        <p:cTn id="16" dur="1000" fill="hold"/>
+                                        <p:tgtEl>
+                                          <p:spTgt spid="7"/>
+                                        </p:tgtEl>
+                                        <p:attrNameLst>
+                                          <p:attrName>ppt_x</p:attrName>
+                                          <p:attrName>ppt_y</p:attrName>
+                                        </p:attrNameLst>
+                                      </p:cBhvr>
+                                      <p:rCtr x="-25000" y="0"/>
+                                    </p:animMotion>
+                                  </p:childTnLst>
+                                </p:cTn>
+                              </p:par>
+                              <p:par>
+                                <p:cTn id="17" presetID="35" presetClass="path" presetSubtype="0" accel="50000" decel="50000" fill="hold" nodeType="withEffect">
+                                  <p:stCondLst>
+                                    <p:cond delay="0"/>
+                                  </p:stCondLst>
+                                  <p:childTnLst>
+                                    <p:animMotion origin="layout" path="M 0 3.7037E-6 L -0.5 3.7037E-6 " pathEditMode="relative" rAng="0" ptsTypes="AA">
+                                      <p:cBhvr>
+                                        <p:cTn id="18" dur="1000" fill="hold"/>
+                                        <p:tgtEl>
+                                          <p:spTgt spid="23"/>
+                                        </p:tgtEl>
+                                        <p:attrNameLst>
+                                          <p:attrName>ppt_x</p:attrName>
+                                          <p:attrName>ppt_y</p:attrName>
+                                        </p:attrNameLst>
+                                      </p:cBhvr>
+                                      <p:rCtr x="-25000" y="0"/>
+                                    </p:animMotion>
+                                  </p:childTnLst>
+                                </p:cTn>
+                              </p:par>
+                              <p:par>
+                                <p:cTn id="19" presetID="35" presetClass="path" presetSubtype="0" accel="50000" decel="50000" fill="hold" grpId="0" nodeType="withEffect">
+                                  <p:stCondLst>
+                                    <p:cond delay="0"/>
+                                  </p:stCondLst>
+                                  <p:childTnLst>
+                                    <p:animMotion origin="layout" path="M 2.08333E-6 2.96296E-6 L -0.41224 2.96296E-6 " pathEditMode="relative" rAng="0" ptsTypes="AA">
+                                      <p:cBhvr>
+                                        <p:cTn id="20" dur="1000" fill="hold"/>
+                                        <p:tgtEl>
+                                          <p:spTgt spid="5"/>
+                                        </p:tgtEl>
+                                        <p:attrNameLst>
+                                          <p:attrName>ppt_x</p:attrName>
+                                          <p:attrName>ppt_y</p:attrName>
+                                        </p:attrNameLst>
+                                      </p:cBhvr>
+                                      <p:rCtr x="-20612" y="0"/>
+                                    </p:animMotion>
+                                  </p:childTnLst>
+                                </p:cTn>
+                              </p:par>
+                            </p:childTnLst>
+                          </p:cTn>
+                        </p:par>
+                      </p:childTnLst>
+                    </p:cTn>
+                  </p:par>
+                </p:childTnLst>
+              </p:cTn>
+              <p:prevCondLst>
+                <p:cond evt="onPrev" delay="0">
+                  <p:tgtEl>
+                    <p:sldTgt/>
+                  </p:tgtEl>
+                </p:cond>
+              </p:prevCondLst>
+              <p:nextCondLst>
+                <p:cond evt="onNext" delay="0">
+                  <p:tgtEl>
+                    <p:sldTgt/>
+                  </p:tgtEl>
+                </p:cond>
+              </p:nextCondLst>
+            </p:seq>
+          </p:childTnLst>
+        </p:cTn>
       </p:par>
     </p:tnLst>
+    <p:bldLst>
+      <p:bldP spid="5" grpId="0"/>
+    </p:bldLst>
   </p:timing>
 </p:sld>
 </file>

--- a/발표자료.pptx
+++ b/발표자료.pptx
@@ -10,7 +10,8 @@
     <p:sldId id="261" r:id="rId4"/>
     <p:sldId id="262" r:id="rId5"/>
     <p:sldId id="263" r:id="rId6"/>
-    <p:sldId id="264" r:id="rId7"/>
+    <p:sldId id="265" r:id="rId7"/>
+    <p:sldId id="266" r:id="rId8"/>
   </p:sldIdLst>
   <p:sldSz cx="12192000" cy="6858000"/>
   <p:notesSz cx="6858000" cy="9144000"/>
@@ -248,7 +249,7 @@
           <a:p>
             <a:fld id="{CBB1D067-CB91-49D8-954C-9B3B2AAEC12D}" type="datetimeFigureOut">
               <a:rPr lang="ko-KR" altLang="en-US" smtClean="0"/>
-              <a:t>2019-11-21</a:t>
+              <a:t>2019-11-22</a:t>
             </a:fld>
             <a:endParaRPr lang="ko-KR" altLang="en-US"/>
           </a:p>
@@ -418,7 +419,7 @@
           <a:p>
             <a:fld id="{CBB1D067-CB91-49D8-954C-9B3B2AAEC12D}" type="datetimeFigureOut">
               <a:rPr lang="ko-KR" altLang="en-US" smtClean="0"/>
-              <a:t>2019-11-21</a:t>
+              <a:t>2019-11-22</a:t>
             </a:fld>
             <a:endParaRPr lang="ko-KR" altLang="en-US"/>
           </a:p>
@@ -598,7 +599,7 @@
           <a:p>
             <a:fld id="{CBB1D067-CB91-49D8-954C-9B3B2AAEC12D}" type="datetimeFigureOut">
               <a:rPr lang="ko-KR" altLang="en-US" smtClean="0"/>
-              <a:t>2019-11-21</a:t>
+              <a:t>2019-11-22</a:t>
             </a:fld>
             <a:endParaRPr lang="ko-KR" altLang="en-US"/>
           </a:p>
@@ -768,7 +769,7 @@
           <a:p>
             <a:fld id="{CBB1D067-CB91-49D8-954C-9B3B2AAEC12D}" type="datetimeFigureOut">
               <a:rPr lang="ko-KR" altLang="en-US" smtClean="0"/>
-              <a:t>2019-11-21</a:t>
+              <a:t>2019-11-22</a:t>
             </a:fld>
             <a:endParaRPr lang="ko-KR" altLang="en-US"/>
           </a:p>
@@ -1014,7 +1015,7 @@
           <a:p>
             <a:fld id="{CBB1D067-CB91-49D8-954C-9B3B2AAEC12D}" type="datetimeFigureOut">
               <a:rPr lang="ko-KR" altLang="en-US" smtClean="0"/>
-              <a:t>2019-11-21</a:t>
+              <a:t>2019-11-22</a:t>
             </a:fld>
             <a:endParaRPr lang="ko-KR" altLang="en-US"/>
           </a:p>
@@ -1246,7 +1247,7 @@
           <a:p>
             <a:fld id="{CBB1D067-CB91-49D8-954C-9B3B2AAEC12D}" type="datetimeFigureOut">
               <a:rPr lang="ko-KR" altLang="en-US" smtClean="0"/>
-              <a:t>2019-11-21</a:t>
+              <a:t>2019-11-22</a:t>
             </a:fld>
             <a:endParaRPr lang="ko-KR" altLang="en-US"/>
           </a:p>
@@ -1613,7 +1614,7 @@
           <a:p>
             <a:fld id="{CBB1D067-CB91-49D8-954C-9B3B2AAEC12D}" type="datetimeFigureOut">
               <a:rPr lang="ko-KR" altLang="en-US" smtClean="0"/>
-              <a:t>2019-11-21</a:t>
+              <a:t>2019-11-22</a:t>
             </a:fld>
             <a:endParaRPr lang="ko-KR" altLang="en-US"/>
           </a:p>
@@ -1731,7 +1732,7 @@
           <a:p>
             <a:fld id="{CBB1D067-CB91-49D8-954C-9B3B2AAEC12D}" type="datetimeFigureOut">
               <a:rPr lang="ko-KR" altLang="en-US" smtClean="0"/>
-              <a:t>2019-11-21</a:t>
+              <a:t>2019-11-22</a:t>
             </a:fld>
             <a:endParaRPr lang="ko-KR" altLang="en-US"/>
           </a:p>
@@ -1826,7 +1827,7 @@
           <a:p>
             <a:fld id="{CBB1D067-CB91-49D8-954C-9B3B2AAEC12D}" type="datetimeFigureOut">
               <a:rPr lang="ko-KR" altLang="en-US" smtClean="0"/>
-              <a:t>2019-11-21</a:t>
+              <a:t>2019-11-22</a:t>
             </a:fld>
             <a:endParaRPr lang="ko-KR" altLang="en-US"/>
           </a:p>
@@ -2103,7 +2104,7 @@
           <a:p>
             <a:fld id="{CBB1D067-CB91-49D8-954C-9B3B2AAEC12D}" type="datetimeFigureOut">
               <a:rPr lang="ko-KR" altLang="en-US" smtClean="0"/>
-              <a:t>2019-11-21</a:t>
+              <a:t>2019-11-22</a:t>
             </a:fld>
             <a:endParaRPr lang="ko-KR" altLang="en-US"/>
           </a:p>
@@ -2356,7 +2357,7 @@
           <a:p>
             <a:fld id="{CBB1D067-CB91-49D8-954C-9B3B2AAEC12D}" type="datetimeFigureOut">
               <a:rPr lang="ko-KR" altLang="en-US" smtClean="0"/>
-              <a:t>2019-11-21</a:t>
+              <a:t>2019-11-22</a:t>
             </a:fld>
             <a:endParaRPr lang="ko-KR" altLang="en-US"/>
           </a:p>
@@ -2569,7 +2570,7 @@
           <a:p>
             <a:fld id="{CBB1D067-CB91-49D8-954C-9B3B2AAEC12D}" type="datetimeFigureOut">
               <a:rPr lang="ko-KR" altLang="en-US" smtClean="0"/>
-              <a:t>2019-11-21</a:t>
+              <a:t>2019-11-22</a:t>
             </a:fld>
             <a:endParaRPr lang="ko-KR" altLang="en-US"/>
           </a:p>
@@ -5148,16 +5149,16 @@
   <p:clrMapOvr>
     <a:masterClrMapping/>
   </p:clrMapOvr>
-  <mc:AlternateContent xmlns:mc="http://schemas.openxmlformats.org/markup-compatibility/2006">
-    <mc:Choice xmlns:p14="http://schemas.microsoft.com/office/powerpoint/2010/main" Requires="p14">
+  <mc:AlternateContent xmlns:mc="http://schemas.openxmlformats.org/markup-compatibility/2006" xmlns:p14="http://schemas.microsoft.com/office/powerpoint/2010/main">
+    <mc:Choice Requires="p14">
       <p:transition p14:dur="0"/>
     </mc:Choice>
-    <mc:Fallback>
+    <mc:Fallback xmlns="">
       <p:transition/>
     </mc:Fallback>
   </mc:AlternateContent>
-  <mc:AlternateContent xmlns:mc="http://schemas.openxmlformats.org/markup-compatibility/2006">
-    <mc:Choice xmlns:p14="http://schemas.microsoft.com/office/powerpoint/2010/main" Requires="p14">
+  <mc:AlternateContent xmlns:mc="http://schemas.openxmlformats.org/markup-compatibility/2006" xmlns:p14="http://schemas.microsoft.com/office/powerpoint/2010/main">
+    <mc:Choice Requires="p14">
       <p:timing>
         <p:tnLst>
           <p:par>
@@ -5718,7 +5719,7 @@
         </p:bldLst>
       </p:timing>
     </mc:Choice>
-    <mc:Fallback>
+    <mc:Fallback xmlns="">
       <p:timing>
         <p:tnLst>
           <p:par>
@@ -7198,7 +7199,48 @@
                 <a:latin typeface="배달의민족 한나는 열한살" panose="020B0600000101010101" pitchFamily="50" charset="-127"/>
                 <a:ea typeface="배달의민족 한나는 열한살" panose="020B0600000101010101" pitchFamily="50" charset="-127"/>
               </a:rPr>
-              <a:t>프로그램 소개</a:t>
+              <a:t>프로그램 </a:t>
+            </a:r>
+            <a:r>
+              <a:rPr lang="ko-KR" altLang="en-US" sz="4800" dirty="0" smtClean="0">
+                <a:gradFill>
+                  <a:gsLst>
+                    <a:gs pos="35000">
+                      <a:schemeClr val="accent6">
+                        <a:lumMod val="35000"/>
+                        <a:lumOff val="65000"/>
+                      </a:schemeClr>
+                    </a:gs>
+                    <a:gs pos="0">
+                      <a:schemeClr val="bg1">
+                        <a:lumMod val="85000"/>
+                      </a:schemeClr>
+                    </a:gs>
+                    <a:gs pos="50000">
+                      <a:schemeClr val="accent1">
+                        <a:lumMod val="35000"/>
+                        <a:lumOff val="65000"/>
+                      </a:schemeClr>
+                    </a:gs>
+                    <a:gs pos="65000">
+                      <a:schemeClr val="accent2">
+                        <a:lumMod val="35000"/>
+                        <a:lumOff val="65000"/>
+                      </a:schemeClr>
+                    </a:gs>
+                    <a:gs pos="100000">
+                      <a:schemeClr val="accent4">
+                        <a:lumMod val="35000"/>
+                        <a:lumOff val="65000"/>
+                      </a:schemeClr>
+                    </a:gs>
+                  </a:gsLst>
+                  <a:lin ang="0" scaled="0"/>
+                </a:gradFill>
+                <a:latin typeface="배달의민족 한나는 열한살" panose="020B0600000101010101" pitchFamily="50" charset="-127"/>
+                <a:ea typeface="배달의민족 한나는 열한살" panose="020B0600000101010101" pitchFamily="50" charset="-127"/>
+              </a:rPr>
+              <a:t>기획</a:t>
             </a:r>
             <a:endParaRPr lang="en-US" altLang="ko-KR" sz="4800" dirty="0" smtClean="0">
               <a:gradFill>
@@ -7370,7 +7412,7 @@
           <a:p>
             <a:pPr algn="ctr"/>
             <a:r>
-              <a:rPr lang="ko-KR" altLang="en-US" sz="4800" dirty="0" err="1" smtClean="0">
+              <a:rPr lang="ko-KR" altLang="en-US" sz="4800" dirty="0" smtClean="0">
                 <a:gradFill>
                   <a:gsLst>
                     <a:gs pos="35000">
@@ -7408,7 +7450,7 @@
                 <a:latin typeface="배달의민족 한나는 열한살" panose="020B0600000101010101" pitchFamily="50" charset="-127"/>
                 <a:ea typeface="배달의민족 한나는 열한살" panose="020B0600000101010101" pitchFamily="50" charset="-127"/>
               </a:rPr>
-              <a:t>시연영상</a:t>
+              <a:t>시연 영상</a:t>
             </a:r>
             <a:endParaRPr lang="en-US" altLang="ko-KR" sz="4800" dirty="0" smtClean="0">
               <a:gradFill>
@@ -9105,11 +9147,11 @@
   <p:clrMapOvr>
     <a:masterClrMapping/>
   </p:clrMapOvr>
-  <mc:AlternateContent xmlns:mc="http://schemas.openxmlformats.org/markup-compatibility/2006">
-    <mc:Choice xmlns:p14="http://schemas.microsoft.com/office/powerpoint/2010/main" Requires="p14">
+  <mc:AlternateContent xmlns:mc="http://schemas.openxmlformats.org/markup-compatibility/2006" xmlns:p14="http://schemas.microsoft.com/office/powerpoint/2010/main">
+    <mc:Choice Requires="p14">
       <p:transition p14:dur="10"/>
     </mc:Choice>
-    <mc:Fallback>
+    <mc:Fallback xmlns="">
       <p:transition/>
     </mc:Fallback>
   </mc:AlternateContent>
@@ -11034,7 +11076,19 @@
                     <a:latin typeface="배달의민족 한나는 열한살" panose="020B0600000101010101" pitchFamily="50" charset="-127"/>
                     <a:ea typeface="배달의민족 한나는 열한살" panose="020B0600000101010101" pitchFamily="50" charset="-127"/>
                   </a:rPr>
-                  <a:t>프로그램 소개</a:t>
+                  <a:t>프로그램 </a:t>
+                </a:r>
+                <a:r>
+                  <a:rPr lang="ko-KR" altLang="en-US" sz="3600" dirty="0" smtClean="0">
+                    <a:solidFill>
+                      <a:schemeClr val="bg1">
+                        <a:lumMod val="65000"/>
+                      </a:schemeClr>
+                    </a:solidFill>
+                    <a:latin typeface="배달의민족 한나는 열한살" panose="020B0600000101010101" pitchFamily="50" charset="-127"/>
+                    <a:ea typeface="배달의민족 한나는 열한살" panose="020B0600000101010101" pitchFamily="50" charset="-127"/>
+                  </a:rPr>
+                  <a:t>기획</a:t>
                 </a:r>
                 <a:endParaRPr lang="en-US" altLang="ko-KR" sz="3600" dirty="0" smtClean="0">
                   <a:solidFill>
@@ -11138,7 +11192,7 @@
         </p:nvGrpSpPr>
         <p:grpSpPr>
           <a:xfrm>
-            <a:off x="9107625" y="772510"/>
+            <a:off x="9107620" y="772510"/>
             <a:ext cx="5312979" cy="5312979"/>
             <a:chOff x="3439511" y="772511"/>
             <a:chExt cx="5312979" cy="5312979"/>
@@ -11437,7 +11491,7 @@
                               <p:par>
                                 <p:cTn id="5" presetID="10" presetClass="exit" presetSubtype="0" fill="hold" nodeType="withEffect">
                                   <p:stCondLst>
-                                    <p:cond delay="500"/>
+                                    <p:cond delay="250"/>
                                   </p:stCondLst>
                                   <p:childTnLst>
                                     <p:animEffect transition="out" filter="fade">
@@ -11472,7 +11526,7 @@
                               <p:par>
                                 <p:cTn id="8" presetID="10" presetClass="entr" presetSubtype="0" fill="hold" nodeType="withEffect">
                                   <p:stCondLst>
-                                    <p:cond delay="500"/>
+                                    <p:cond delay="250"/>
                                   </p:stCondLst>
                                   <p:childTnLst>
                                     <p:set>
@@ -13537,7 +13591,19 @@
                     <a:latin typeface="배달의민족 한나는 열한살" panose="020B0600000101010101" pitchFamily="50" charset="-127"/>
                     <a:ea typeface="배달의민족 한나는 열한살" panose="020B0600000101010101" pitchFamily="50" charset="-127"/>
                   </a:rPr>
-                  <a:t>프로그램 소개</a:t>
+                  <a:t>프로그램 </a:t>
+                </a:r>
+                <a:r>
+                  <a:rPr lang="ko-KR" altLang="en-US" sz="3600" dirty="0" smtClean="0">
+                    <a:solidFill>
+                      <a:schemeClr val="bg1">
+                        <a:lumMod val="65000"/>
+                      </a:schemeClr>
+                    </a:solidFill>
+                    <a:latin typeface="배달의민족 한나는 열한살" panose="020B0600000101010101" pitchFamily="50" charset="-127"/>
+                    <a:ea typeface="배달의민족 한나는 열한살" panose="020B0600000101010101" pitchFamily="50" charset="-127"/>
+                  </a:rPr>
+                  <a:t>기획</a:t>
                 </a:r>
                 <a:endParaRPr lang="en-US" altLang="ko-KR" sz="3600" dirty="0" smtClean="0">
                   <a:solidFill>
@@ -13641,7 +13707,7 @@
         </p:nvGrpSpPr>
         <p:grpSpPr>
           <a:xfrm>
-            <a:off x="-2010628" y="749445"/>
+            <a:off x="-2003825" y="749445"/>
             <a:ext cx="5312979" cy="5312979"/>
             <a:chOff x="3439511" y="772511"/>
             <a:chExt cx="5312979" cy="5312979"/>
@@ -13904,11 +13970,11 @@
   <p:clrMapOvr>
     <a:masterClrMapping/>
   </p:clrMapOvr>
-  <mc:AlternateContent xmlns:mc="http://schemas.openxmlformats.org/markup-compatibility/2006">
-    <mc:Choice xmlns:p14="http://schemas.microsoft.com/office/powerpoint/2010/main" Requires="p14">
+  <mc:AlternateContent xmlns:mc="http://schemas.openxmlformats.org/markup-compatibility/2006" xmlns:p14="http://schemas.microsoft.com/office/powerpoint/2010/main">
+    <mc:Choice Requires="p14">
       <p:transition p14:dur="10"/>
     </mc:Choice>
-    <mc:Fallback>
+    <mc:Fallback xmlns="">
       <p:transition/>
     </mc:Fallback>
   </mc:AlternateContent>
@@ -14159,7 +14225,7 @@
                                     <p:cond delay="0"/>
                                   </p:stCondLst>
                                   <p:childTnLst>
-                                    <p:animMotion origin="layout" path="M -4.58333E-6 2.22222E-6 L 0.44701 2.22222E-6 " pathEditMode="relative" rAng="0" ptsTypes="AA">
+                                    <p:animMotion origin="layout" path="M 4.375E-6 2.22222E-6 L 0.447 2.22222E-6 " pathEditMode="relative" rAng="0" ptsTypes="AA">
                                       <p:cBhvr>
                                         <p:cTn id="26" dur="1000" fill="hold"/>
                                         <p:tgtEl>
@@ -16094,488 +16160,9 @@
           </a:p>
         </p:txBody>
       </p:sp>
-    </p:spTree>
-    <p:extLst>
-      <p:ext uri="{BB962C8B-B14F-4D97-AF65-F5344CB8AC3E}">
-        <p14:creationId xmlns:p14="http://schemas.microsoft.com/office/powerpoint/2010/main" val="3371310450"/>
-      </p:ext>
-    </p:extLst>
-  </p:cSld>
-  <p:clrMapOvr>
-    <a:masterClrMapping/>
-  </p:clrMapOvr>
-  <p:timing>
-    <p:tnLst>
-      <p:par>
-        <p:cTn id="1" dur="indefinite" restart="never" nodeType="tmRoot">
-          <p:childTnLst>
-            <p:seq concurrent="1" nextAc="seek">
-              <p:cTn id="2" dur="indefinite" nodeType="mainSeq">
-                <p:childTnLst>
-                  <p:par>
-                    <p:cTn id="3" fill="hold">
-                      <p:stCondLst>
-                        <p:cond delay="indefinite"/>
-                        <p:cond evt="onBegin" delay="0">
-                          <p:tn val="2"/>
-                        </p:cond>
-                      </p:stCondLst>
-                      <p:childTnLst>
-                        <p:par>
-                          <p:cTn id="4" fill="hold">
-                            <p:stCondLst>
-                              <p:cond delay="0"/>
-                            </p:stCondLst>
-                            <p:childTnLst>
-                              <p:par>
-                                <p:cTn id="5" presetID="42" presetClass="path" presetSubtype="0" accel="50000" decel="50000" fill="hold" nodeType="withEffect">
-                                  <p:stCondLst>
-                                    <p:cond delay="0"/>
-                                  </p:stCondLst>
-                                  <p:childTnLst>
-                                    <p:animMotion origin="layout" path="M 8.33333E-7 -4.81481E-6 L 0.18711 0.3301 " pathEditMode="relative" rAng="0" ptsTypes="AA">
-                                      <p:cBhvr>
-                                        <p:cTn id="6" dur="2000" fill="hold"/>
-                                        <p:tgtEl>
-                                          <p:spTgt spid="35"/>
-                                        </p:tgtEl>
-                                        <p:attrNameLst>
-                                          <p:attrName>ppt_x</p:attrName>
-                                          <p:attrName>ppt_y</p:attrName>
-                                        </p:attrNameLst>
-                                      </p:cBhvr>
-                                      <p:rCtr x="9349" y="16505"/>
-                                    </p:animMotion>
-                                  </p:childTnLst>
-                                </p:cTn>
-                              </p:par>
-                              <p:par>
-                                <p:cTn id="7" presetID="42" presetClass="path" presetSubtype="0" accel="50000" decel="50000" fill="hold" nodeType="withEffect">
-                                  <p:stCondLst>
-                                    <p:cond delay="0"/>
-                                  </p:stCondLst>
-                                  <p:childTnLst>
-                                    <p:animMotion origin="layout" path="M -2.5E-6 1.48148E-6 L 0.29753 -0.00347 " pathEditMode="relative" rAng="0" ptsTypes="AA">
-                                      <p:cBhvr>
-                                        <p:cTn id="8" dur="2000" fill="hold"/>
-                                        <p:tgtEl>
-                                          <p:spTgt spid="34"/>
-                                        </p:tgtEl>
-                                        <p:attrNameLst>
-                                          <p:attrName>ppt_x</p:attrName>
-                                          <p:attrName>ppt_y</p:attrName>
-                                        </p:attrNameLst>
-                                      </p:cBhvr>
-                                      <p:rCtr x="14870" y="-185"/>
-                                    </p:animMotion>
-                                  </p:childTnLst>
-                                </p:cTn>
-                              </p:par>
-                              <p:par>
-                                <p:cTn id="9" presetID="42" presetClass="path" presetSubtype="0" accel="50000" decel="50000" fill="hold" nodeType="withEffect">
-                                  <p:stCondLst>
-                                    <p:cond delay="0"/>
-                                  </p:stCondLst>
-                                  <p:childTnLst>
-                                    <p:animMotion origin="layout" path="M -4.58333E-6 -2.22222E-6 L -0.17252 0.33449 " pathEditMode="relative" rAng="0" ptsTypes="AA">
-                                      <p:cBhvr>
-                                        <p:cTn id="10" dur="2000" fill="hold"/>
-                                        <p:tgtEl>
-                                          <p:spTgt spid="32"/>
-                                        </p:tgtEl>
-                                        <p:attrNameLst>
-                                          <p:attrName>ppt_x</p:attrName>
-                                          <p:attrName>ppt_y</p:attrName>
-                                        </p:attrNameLst>
-                                      </p:cBhvr>
-                                      <p:rCtr x="-8633" y="16713"/>
-                                    </p:animMotion>
-                                  </p:childTnLst>
-                                </p:cTn>
-                              </p:par>
-                              <p:par>
-                                <p:cTn id="11" presetID="42" presetClass="path" presetSubtype="0" accel="50000" decel="50000" fill="hold" nodeType="withEffect">
-                                  <p:stCondLst>
-                                    <p:cond delay="0"/>
-                                  </p:stCondLst>
-                                  <p:childTnLst>
-                                    <p:animMotion origin="layout" path="M -2.91667E-6 1.48148E-6 L -0.30143 0.01852 " pathEditMode="relative" rAng="0" ptsTypes="AA">
-                                      <p:cBhvr>
-                                        <p:cTn id="12" dur="2000" fill="hold"/>
-                                        <p:tgtEl>
-                                          <p:spTgt spid="33"/>
-                                        </p:tgtEl>
-                                        <p:attrNameLst>
-                                          <p:attrName>ppt_x</p:attrName>
-                                          <p:attrName>ppt_y</p:attrName>
-                                        </p:attrNameLst>
-                                      </p:cBhvr>
-                                      <p:rCtr x="-15078" y="926"/>
-                                    </p:animMotion>
-                                  </p:childTnLst>
-                                </p:cTn>
-                              </p:par>
-                              <p:par>
-                                <p:cTn id="13" presetID="42" presetClass="path" presetSubtype="0" accel="50000" decel="50000" fill="hold" nodeType="withEffect">
-                                  <p:stCondLst>
-                                    <p:cond delay="0"/>
-                                  </p:stCondLst>
-                                  <p:childTnLst>
-                                    <p:animMotion origin="layout" path="M 1.04167E-6 -4.44444E-6 L -0.16146 -0.33425 " pathEditMode="relative" rAng="0" ptsTypes="AA">
-                                      <p:cBhvr>
-                                        <p:cTn id="14" dur="2000" fill="hold"/>
-                                        <p:tgtEl>
-                                          <p:spTgt spid="43"/>
-                                        </p:tgtEl>
-                                        <p:attrNameLst>
-                                          <p:attrName>ppt_x</p:attrName>
-                                          <p:attrName>ppt_y</p:attrName>
-                                        </p:attrNameLst>
-                                      </p:cBhvr>
-                                      <p:rCtr x="-8073" y="-16713"/>
-                                    </p:animMotion>
-                                  </p:childTnLst>
-                                </p:cTn>
-                              </p:par>
-                              <p:par>
-                                <p:cTn id="15" presetID="42" presetClass="path" presetSubtype="0" accel="50000" decel="50000" fill="hold" nodeType="withEffect">
-                                  <p:stCondLst>
-                                    <p:cond delay="0"/>
-                                  </p:stCondLst>
-                                  <p:childTnLst>
-                                    <p:animMotion origin="layout" path="M 2.5E-6 2.59259E-6 L 0.17565 -0.3551 " pathEditMode="relative" rAng="0" ptsTypes="AA">
-                                      <p:cBhvr>
-                                        <p:cTn id="16" dur="2000" fill="hold"/>
-                                        <p:tgtEl>
-                                          <p:spTgt spid="36"/>
-                                        </p:tgtEl>
-                                        <p:attrNameLst>
-                                          <p:attrName>ppt_x</p:attrName>
-                                          <p:attrName>ppt_y</p:attrName>
-                                        </p:attrNameLst>
-                                      </p:cBhvr>
-                                      <p:rCtr x="8776" y="-17755"/>
-                                    </p:animMotion>
-                                  </p:childTnLst>
-                                </p:cTn>
-                              </p:par>
-                              <p:par>
-                                <p:cTn id="17" presetID="8" presetClass="emph" presetSubtype="0" repeatCount="indefinite" fill="hold" nodeType="withEffect">
-                                  <p:stCondLst>
-                                    <p:cond delay="0"/>
-                                  </p:stCondLst>
-                                  <p:childTnLst>
-                                    <p:animRot by="21600000">
-                                      <p:cBhvr>
-                                        <p:cTn id="18" dur="7000" fill="hold"/>
-                                        <p:tgtEl>
-                                          <p:spTgt spid="12"/>
-                                        </p:tgtEl>
-                                        <p:attrNameLst>
-                                          <p:attrName>r</p:attrName>
-                                        </p:attrNameLst>
-                                      </p:cBhvr>
-                                    </p:animRot>
-                                  </p:childTnLst>
-                                </p:cTn>
-                              </p:par>
-                              <p:par>
-                                <p:cTn id="19" presetID="8" presetClass="emph" presetSubtype="0" repeatCount="indefinite" fill="hold" nodeType="withEffect">
-                                  <p:stCondLst>
-                                    <p:cond delay="0"/>
-                                  </p:stCondLst>
-                                  <p:childTnLst>
-                                    <p:animRot by="-21600000">
-                                      <p:cBhvr>
-                                        <p:cTn id="20" dur="14000" fill="hold"/>
-                                        <p:tgtEl>
-                                          <p:spTgt spid="7"/>
-                                        </p:tgtEl>
-                                        <p:attrNameLst>
-                                          <p:attrName>r</p:attrName>
-                                        </p:attrNameLst>
-                                      </p:cBhvr>
-                                    </p:animRot>
-                                  </p:childTnLst>
-                                </p:cTn>
-                              </p:par>
-                              <p:par>
-                                <p:cTn id="21" presetID="8" presetClass="emph" presetSubtype="0" repeatCount="indefinite" fill="hold" nodeType="withEffect">
-                                  <p:stCondLst>
-                                    <p:cond delay="0"/>
-                                  </p:stCondLst>
-                                  <p:childTnLst>
-                                    <p:animRot by="21600000">
-                                      <p:cBhvr>
-                                        <p:cTn id="22" dur="10000" fill="hold"/>
-                                        <p:tgtEl>
-                                          <p:spTgt spid="2"/>
-                                        </p:tgtEl>
-                                        <p:attrNameLst>
-                                          <p:attrName>r</p:attrName>
-                                        </p:attrNameLst>
-                                      </p:cBhvr>
-                                    </p:animRot>
-                                  </p:childTnLst>
-                                </p:cTn>
-                              </p:par>
-                              <p:par>
-                                <p:cTn id="23" presetID="22" presetClass="exit" presetSubtype="4" fill="hold" grpId="1" nodeType="withEffect">
-                                  <p:stCondLst>
-                                    <p:cond delay="360"/>
-                                  </p:stCondLst>
-                                  <p:childTnLst>
-                                    <p:animEffect transition="out" filter="wipe(down)">
-                                      <p:cBhvr>
-                                        <p:cTn id="24" dur="500"/>
-                                        <p:tgtEl>
-                                          <p:spTgt spid="57"/>
-                                        </p:tgtEl>
-                                      </p:cBhvr>
-                                    </p:animEffect>
-                                    <p:set>
-                                      <p:cBhvr>
-                                        <p:cTn id="25" dur="1" fill="hold">
-                                          <p:stCondLst>
-                                            <p:cond delay="499"/>
-                                          </p:stCondLst>
-                                        </p:cTn>
-                                        <p:tgtEl>
-                                          <p:spTgt spid="57"/>
-                                        </p:tgtEl>
-                                        <p:attrNameLst>
-                                          <p:attrName>style.visibility</p:attrName>
-                                        </p:attrNameLst>
-                                      </p:cBhvr>
-                                      <p:to>
-                                        <p:strVal val="hidden"/>
-                                      </p:to>
-                                    </p:set>
-                                  </p:childTnLst>
-                                </p:cTn>
-                              </p:par>
-                              <p:par>
-                                <p:cTn id="26" presetID="22" presetClass="exit" presetSubtype="4" fill="hold" grpId="0" nodeType="withEffect">
-                                  <p:stCondLst>
-                                    <p:cond delay="830"/>
-                                  </p:stCondLst>
-                                  <p:childTnLst>
-                                    <p:animEffect transition="out" filter="wipe(down)">
-                                      <p:cBhvr>
-                                        <p:cTn id="27" dur="500"/>
-                                        <p:tgtEl>
-                                          <p:spTgt spid="62"/>
-                                        </p:tgtEl>
-                                      </p:cBhvr>
-                                    </p:animEffect>
-                                    <p:set>
-                                      <p:cBhvr>
-                                        <p:cTn id="28" dur="1" fill="hold">
-                                          <p:stCondLst>
-                                            <p:cond delay="499"/>
-                                          </p:stCondLst>
-                                        </p:cTn>
-                                        <p:tgtEl>
-                                          <p:spTgt spid="62"/>
-                                        </p:tgtEl>
-                                        <p:attrNameLst>
-                                          <p:attrName>style.visibility</p:attrName>
-                                        </p:attrNameLst>
-                                      </p:cBhvr>
-                                      <p:to>
-                                        <p:strVal val="hidden"/>
-                                      </p:to>
-                                    </p:set>
-                                  </p:childTnLst>
-                                </p:cTn>
-                              </p:par>
-                              <p:par>
-                                <p:cTn id="29" presetID="22" presetClass="entr" presetSubtype="4" fill="hold" grpId="0" nodeType="withEffect">
-                                  <p:stCondLst>
-                                    <p:cond delay="360"/>
-                                  </p:stCondLst>
-                                  <p:childTnLst>
-                                    <p:set>
-                                      <p:cBhvr>
-                                        <p:cTn id="30" dur="1" fill="hold">
-                                          <p:stCondLst>
-                                            <p:cond delay="0"/>
-                                          </p:stCondLst>
-                                        </p:cTn>
-                                        <p:tgtEl>
-                                          <p:spTgt spid="63"/>
-                                        </p:tgtEl>
-                                        <p:attrNameLst>
-                                          <p:attrName>style.visibility</p:attrName>
-                                        </p:attrNameLst>
-                                      </p:cBhvr>
-                                      <p:to>
-                                        <p:strVal val="visible"/>
-                                      </p:to>
-                                    </p:set>
-                                    <p:animEffect transition="in" filter="wipe(down)">
-                                      <p:cBhvr>
-                                        <p:cTn id="31" dur="500"/>
-                                        <p:tgtEl>
-                                          <p:spTgt spid="63"/>
-                                        </p:tgtEl>
-                                      </p:cBhvr>
-                                    </p:animEffect>
-                                  </p:childTnLst>
-                                </p:cTn>
-                              </p:par>
-                              <p:par>
-                                <p:cTn id="32" presetID="22" presetClass="entr" presetSubtype="4" fill="hold" grpId="0" nodeType="withEffect">
-                                  <p:stCondLst>
-                                    <p:cond delay="830"/>
-                                  </p:stCondLst>
-                                  <p:childTnLst>
-                                    <p:set>
-                                      <p:cBhvr>
-                                        <p:cTn id="33" dur="1" fill="hold">
-                                          <p:stCondLst>
-                                            <p:cond delay="0"/>
-                                          </p:stCondLst>
-                                        </p:cTn>
-                                        <p:tgtEl>
-                                          <p:spTgt spid="64"/>
-                                        </p:tgtEl>
-                                        <p:attrNameLst>
-                                          <p:attrName>style.visibility</p:attrName>
-                                        </p:attrNameLst>
-                                      </p:cBhvr>
-                                      <p:to>
-                                        <p:strVal val="visible"/>
-                                      </p:to>
-                                    </p:set>
-                                    <p:animEffect transition="in" filter="wipe(down)">
-                                      <p:cBhvr>
-                                        <p:cTn id="34" dur="500"/>
-                                        <p:tgtEl>
-                                          <p:spTgt spid="64"/>
-                                        </p:tgtEl>
-                                      </p:cBhvr>
-                                    </p:animEffect>
-                                  </p:childTnLst>
-                                </p:cTn>
-                              </p:par>
-                              <p:par>
-                                <p:cTn id="35" presetID="8" presetClass="emph" presetSubtype="0" fill="hold" grpId="0" nodeType="withEffect">
-                                  <p:stCondLst>
-                                    <p:cond delay="650"/>
-                                  </p:stCondLst>
-                                  <p:childTnLst>
-                                    <p:animRot by="10800000">
-                                      <p:cBhvr>
-                                        <p:cTn id="36" dur="500" fill="hold"/>
-                                        <p:tgtEl>
-                                          <p:spTgt spid="54"/>
-                                        </p:tgtEl>
-                                        <p:attrNameLst>
-                                          <p:attrName>r</p:attrName>
-                                        </p:attrNameLst>
-                                      </p:cBhvr>
-                                    </p:animRot>
-                                  </p:childTnLst>
-                                </p:cTn>
-                              </p:par>
-                            </p:childTnLst>
-                          </p:cTn>
-                        </p:par>
-                      </p:childTnLst>
-                    </p:cTn>
-                  </p:par>
-                </p:childTnLst>
-              </p:cTn>
-              <p:prevCondLst>
-                <p:cond evt="onPrev" delay="0">
-                  <p:tgtEl>
-                    <p:sldTgt/>
-                  </p:tgtEl>
-                </p:cond>
-              </p:prevCondLst>
-              <p:nextCondLst>
-                <p:cond evt="onNext" delay="0">
-                  <p:tgtEl>
-                    <p:sldTgt/>
-                  </p:tgtEl>
-                </p:cond>
-              </p:nextCondLst>
-            </p:seq>
-          </p:childTnLst>
-        </p:cTn>
-      </p:par>
-    </p:tnLst>
-    <p:bldLst>
-      <p:bldP spid="57" grpId="1"/>
-      <p:bldP spid="54" grpId="0" animBg="1"/>
-      <p:bldP spid="62" grpId="0"/>
-      <p:bldP spid="63" grpId="0"/>
-      <p:bldP spid="64" grpId="0"/>
-    </p:bldLst>
-  </p:timing>
-</p:sld>
-</file>
-
-<file path=ppt/slides/slide6.xml><?xml version="1.0" encoding="utf-8"?>
-<p:sld xmlns:a="http://schemas.openxmlformats.org/drawingml/2006/main" xmlns:r="http://schemas.openxmlformats.org/officeDocument/2006/relationships" xmlns:p="http://schemas.openxmlformats.org/presentationml/2006/main">
-  <p:cSld>
-    <p:bg>
-      <p:bgPr>
-        <a:gradFill>
-          <a:gsLst>
-            <a:gs pos="35000">
-              <a:schemeClr val="accent6">
-                <a:lumMod val="20000"/>
-                <a:lumOff val="80000"/>
-              </a:schemeClr>
-            </a:gs>
-            <a:gs pos="0">
-              <a:schemeClr val="bg1">
-                <a:lumMod val="95000"/>
-              </a:schemeClr>
-            </a:gs>
-            <a:gs pos="50000">
-              <a:schemeClr val="accent1">
-                <a:lumMod val="20000"/>
-                <a:lumOff val="80000"/>
-              </a:schemeClr>
-            </a:gs>
-            <a:gs pos="65000">
-              <a:schemeClr val="accent2">
-                <a:lumMod val="20000"/>
-                <a:lumOff val="80000"/>
-              </a:schemeClr>
-            </a:gs>
-            <a:gs pos="100000">
-              <a:schemeClr val="accent4">
-                <a:lumMod val="20000"/>
-                <a:lumOff val="80000"/>
-              </a:schemeClr>
-            </a:gs>
-          </a:gsLst>
-          <a:lin ang="4200000" scaled="0"/>
-        </a:gradFill>
-        <a:effectLst/>
-      </p:bgPr>
-    </p:bg>
-    <p:spTree>
-      <p:nvGrpSpPr>
-        <p:cNvPr id="1" name=""/>
-        <p:cNvGrpSpPr/>
-        <p:nvPr/>
-      </p:nvGrpSpPr>
-      <p:grpSpPr>
-        <a:xfrm>
-          <a:off x="0" y="0"/>
-          <a:ext cx="0" cy="0"/>
-          <a:chOff x="0" y="0"/>
-          <a:chExt cx="0" cy="0"/>
-        </a:xfrm>
-      </p:grpSpPr>
       <p:grpSp>
         <p:nvGrpSpPr>
-          <p:cNvPr id="23" name="그룹 22"/>
+          <p:cNvPr id="37" name="그룹 36"/>
           <p:cNvGrpSpPr/>
           <p:nvPr/>
         </p:nvGrpSpPr>
@@ -16589,7 +16176,7 @@
         </p:grpSpPr>
         <p:sp>
           <p:nvSpPr>
-            <p:cNvPr id="2" name="타원 1"/>
+            <p:cNvPr id="38" name="타원 37"/>
             <p:cNvSpPr/>
             <p:nvPr/>
           </p:nvSpPr>
@@ -16637,7 +16224,7 @@
         </p:sp>
         <p:sp>
           <p:nvSpPr>
-            <p:cNvPr id="3" name="타원 2"/>
+            <p:cNvPr id="39" name="타원 38"/>
             <p:cNvSpPr/>
             <p:nvPr/>
           </p:nvSpPr>
@@ -16709,7 +16296,7 @@
         </p:sp>
         <p:sp>
           <p:nvSpPr>
-            <p:cNvPr id="4" name="직사각형 3"/>
+            <p:cNvPr id="40" name="직사각형 39"/>
             <p:cNvSpPr/>
             <p:nvPr/>
           </p:nvSpPr>
@@ -16756,13 +16343,13 @@
       </p:grpSp>
       <p:sp>
         <p:nvSpPr>
-          <p:cNvPr id="5" name="TextBox 4"/>
+          <p:cNvPr id="41" name="TextBox 40"/>
           <p:cNvSpPr txBox="1"/>
           <p:nvPr/>
         </p:nvSpPr>
         <p:spPr>
           <a:xfrm>
-            <a:off x="5041513" y="3128888"/>
+            <a:off x="5041513" y="3121268"/>
             <a:ext cx="2076794" cy="507831"/>
           </a:xfrm>
           <a:prstGeom prst="rect">
@@ -16810,6 +16397,1357 @@
           </a:p>
         </p:txBody>
       </p:sp>
+      <p:sp>
+        <p:nvSpPr>
+          <p:cNvPr id="42" name="직사각형 41"/>
+          <p:cNvSpPr/>
+          <p:nvPr/>
+        </p:nvSpPr>
+        <p:spPr>
+          <a:xfrm>
+            <a:off x="12484124" y="483214"/>
+            <a:ext cx="9811996" cy="5825873"/>
+          </a:xfrm>
+          <a:prstGeom prst="rect">
+            <a:avLst/>
+          </a:prstGeom>
+          <a:solidFill>
+            <a:schemeClr val="tx1"/>
+          </a:solidFill>
+          <a:ln>
+            <a:noFill/>
+          </a:ln>
+        </p:spPr>
+        <p:style>
+          <a:lnRef idx="2">
+            <a:schemeClr val="accent1">
+              <a:shade val="50000"/>
+            </a:schemeClr>
+          </a:lnRef>
+          <a:fillRef idx="1">
+            <a:schemeClr val="accent1"/>
+          </a:fillRef>
+          <a:effectRef idx="0">
+            <a:schemeClr val="accent1"/>
+          </a:effectRef>
+          <a:fontRef idx="minor">
+            <a:schemeClr val="lt1"/>
+          </a:fontRef>
+        </p:style>
+        <p:txBody>
+          <a:bodyPr rtlCol="0" anchor="ctr"/>
+          <a:lstStyle/>
+          <a:p>
+            <a:pPr algn="ctr"/>
+            <a:endParaRPr lang="ko-KR" altLang="en-US"/>
+          </a:p>
+        </p:txBody>
+      </p:sp>
+    </p:spTree>
+    <p:extLst>
+      <p:ext uri="{BB962C8B-B14F-4D97-AF65-F5344CB8AC3E}">
+        <p14:creationId xmlns:p14="http://schemas.microsoft.com/office/powerpoint/2010/main" val="3371310450"/>
+      </p:ext>
+    </p:extLst>
+  </p:cSld>
+  <p:clrMapOvr>
+    <a:masterClrMapping/>
+  </p:clrMapOvr>
+  <p:timing>
+    <p:tnLst>
+      <p:par>
+        <p:cTn id="1" dur="indefinite" restart="never" nodeType="tmRoot">
+          <p:childTnLst>
+            <p:seq concurrent="1" nextAc="seek">
+              <p:cTn id="2" dur="indefinite" nodeType="mainSeq">
+                <p:childTnLst>
+                  <p:par>
+                    <p:cTn id="3" fill="hold">
+                      <p:stCondLst>
+                        <p:cond delay="indefinite"/>
+                        <p:cond evt="onBegin" delay="0">
+                          <p:tn val="2"/>
+                        </p:cond>
+                      </p:stCondLst>
+                      <p:childTnLst>
+                        <p:par>
+                          <p:cTn id="4" fill="hold">
+                            <p:stCondLst>
+                              <p:cond delay="0"/>
+                            </p:stCondLst>
+                            <p:childTnLst>
+                              <p:par>
+                                <p:cTn id="5" presetID="42" presetClass="path" presetSubtype="0" accel="50000" decel="50000" fill="hold" nodeType="withEffect">
+                                  <p:stCondLst>
+                                    <p:cond delay="0"/>
+                                  </p:stCondLst>
+                                  <p:childTnLst>
+                                    <p:animMotion origin="layout" path="M 8.33333E-7 -4.81481E-6 L 0.18711 0.3301 " pathEditMode="relative" rAng="0" ptsTypes="AA">
+                                      <p:cBhvr>
+                                        <p:cTn id="6" dur="1250" fill="hold"/>
+                                        <p:tgtEl>
+                                          <p:spTgt spid="35"/>
+                                        </p:tgtEl>
+                                        <p:attrNameLst>
+                                          <p:attrName>ppt_x</p:attrName>
+                                          <p:attrName>ppt_y</p:attrName>
+                                        </p:attrNameLst>
+                                      </p:cBhvr>
+                                      <p:rCtr x="9349" y="16505"/>
+                                    </p:animMotion>
+                                  </p:childTnLst>
+                                </p:cTn>
+                              </p:par>
+                              <p:par>
+                                <p:cTn id="7" presetID="42" presetClass="path" presetSubtype="0" accel="50000" decel="50000" fill="hold" nodeType="withEffect">
+                                  <p:stCondLst>
+                                    <p:cond delay="0"/>
+                                  </p:stCondLst>
+                                  <p:childTnLst>
+                                    <p:animMotion origin="layout" path="M -2.5E-6 1.48148E-6 L 0.29753 -0.00347 " pathEditMode="relative" rAng="0" ptsTypes="AA">
+                                      <p:cBhvr>
+                                        <p:cTn id="8" dur="1250" fill="hold"/>
+                                        <p:tgtEl>
+                                          <p:spTgt spid="34"/>
+                                        </p:tgtEl>
+                                        <p:attrNameLst>
+                                          <p:attrName>ppt_x</p:attrName>
+                                          <p:attrName>ppt_y</p:attrName>
+                                        </p:attrNameLst>
+                                      </p:cBhvr>
+                                      <p:rCtr x="14870" y="-185"/>
+                                    </p:animMotion>
+                                  </p:childTnLst>
+                                </p:cTn>
+                              </p:par>
+                              <p:par>
+                                <p:cTn id="9" presetID="42" presetClass="path" presetSubtype="0" accel="50000" decel="50000" fill="hold" nodeType="withEffect">
+                                  <p:stCondLst>
+                                    <p:cond delay="0"/>
+                                  </p:stCondLst>
+                                  <p:childTnLst>
+                                    <p:animMotion origin="layout" path="M -4.58333E-6 -2.22222E-6 L -0.17252 0.33449 " pathEditMode="relative" rAng="0" ptsTypes="AA">
+                                      <p:cBhvr>
+                                        <p:cTn id="10" dur="1250" fill="hold"/>
+                                        <p:tgtEl>
+                                          <p:spTgt spid="32"/>
+                                        </p:tgtEl>
+                                        <p:attrNameLst>
+                                          <p:attrName>ppt_x</p:attrName>
+                                          <p:attrName>ppt_y</p:attrName>
+                                        </p:attrNameLst>
+                                      </p:cBhvr>
+                                      <p:rCtr x="-8633" y="16713"/>
+                                    </p:animMotion>
+                                  </p:childTnLst>
+                                </p:cTn>
+                              </p:par>
+                              <p:par>
+                                <p:cTn id="11" presetID="42" presetClass="path" presetSubtype="0" accel="50000" decel="50000" fill="hold" nodeType="withEffect">
+                                  <p:stCondLst>
+                                    <p:cond delay="0"/>
+                                  </p:stCondLst>
+                                  <p:childTnLst>
+                                    <p:animMotion origin="layout" path="M -2.91667E-6 1.48148E-6 L -0.30143 0.01852 " pathEditMode="relative" rAng="0" ptsTypes="AA">
+                                      <p:cBhvr>
+                                        <p:cTn id="12" dur="1250" fill="hold"/>
+                                        <p:tgtEl>
+                                          <p:spTgt spid="33"/>
+                                        </p:tgtEl>
+                                        <p:attrNameLst>
+                                          <p:attrName>ppt_x</p:attrName>
+                                          <p:attrName>ppt_y</p:attrName>
+                                        </p:attrNameLst>
+                                      </p:cBhvr>
+                                      <p:rCtr x="-15078" y="926"/>
+                                    </p:animMotion>
+                                  </p:childTnLst>
+                                </p:cTn>
+                              </p:par>
+                              <p:par>
+                                <p:cTn id="13" presetID="42" presetClass="path" presetSubtype="0" accel="50000" decel="50000" fill="hold" nodeType="withEffect">
+                                  <p:stCondLst>
+                                    <p:cond delay="0"/>
+                                  </p:stCondLst>
+                                  <p:childTnLst>
+                                    <p:animMotion origin="layout" path="M 1.04167E-6 -4.44444E-6 L -0.16146 -0.33425 " pathEditMode="relative" rAng="0" ptsTypes="AA">
+                                      <p:cBhvr>
+                                        <p:cTn id="14" dur="1250" fill="hold"/>
+                                        <p:tgtEl>
+                                          <p:spTgt spid="43"/>
+                                        </p:tgtEl>
+                                        <p:attrNameLst>
+                                          <p:attrName>ppt_x</p:attrName>
+                                          <p:attrName>ppt_y</p:attrName>
+                                        </p:attrNameLst>
+                                      </p:cBhvr>
+                                      <p:rCtr x="-8073" y="-16713"/>
+                                    </p:animMotion>
+                                  </p:childTnLst>
+                                </p:cTn>
+                              </p:par>
+                              <p:par>
+                                <p:cTn id="15" presetID="42" presetClass="path" presetSubtype="0" accel="50000" decel="50000" fill="hold" nodeType="withEffect">
+                                  <p:stCondLst>
+                                    <p:cond delay="0"/>
+                                  </p:stCondLst>
+                                  <p:childTnLst>
+                                    <p:animMotion origin="layout" path="M 2.5E-6 2.59259E-6 L 0.17565 -0.3551 " pathEditMode="relative" rAng="0" ptsTypes="AA">
+                                      <p:cBhvr>
+                                        <p:cTn id="16" dur="1250" fill="hold"/>
+                                        <p:tgtEl>
+                                          <p:spTgt spid="36"/>
+                                        </p:tgtEl>
+                                        <p:attrNameLst>
+                                          <p:attrName>ppt_x</p:attrName>
+                                          <p:attrName>ppt_y</p:attrName>
+                                        </p:attrNameLst>
+                                      </p:cBhvr>
+                                      <p:rCtr x="8776" y="-17755"/>
+                                    </p:animMotion>
+                                  </p:childTnLst>
+                                </p:cTn>
+                              </p:par>
+                              <p:par>
+                                <p:cTn id="17" presetID="1" presetClass="exit" presetSubtype="0" fill="hold" nodeType="withEffect">
+                                  <p:stCondLst>
+                                    <p:cond delay="1250"/>
+                                  </p:stCondLst>
+                                  <p:childTnLst>
+                                    <p:set>
+                                      <p:cBhvr>
+                                        <p:cTn id="18" dur="1" fill="hold">
+                                          <p:stCondLst>
+                                            <p:cond delay="0"/>
+                                          </p:stCondLst>
+                                        </p:cTn>
+                                        <p:tgtEl>
+                                          <p:spTgt spid="35"/>
+                                        </p:tgtEl>
+                                        <p:attrNameLst>
+                                          <p:attrName>style.visibility</p:attrName>
+                                        </p:attrNameLst>
+                                      </p:cBhvr>
+                                      <p:to>
+                                        <p:strVal val="hidden"/>
+                                      </p:to>
+                                    </p:set>
+                                  </p:childTnLst>
+                                </p:cTn>
+                              </p:par>
+                              <p:par>
+                                <p:cTn id="19" presetID="1" presetClass="exit" presetSubtype="0" fill="hold" nodeType="withEffect">
+                                  <p:stCondLst>
+                                    <p:cond delay="1250"/>
+                                  </p:stCondLst>
+                                  <p:childTnLst>
+                                    <p:set>
+                                      <p:cBhvr>
+                                        <p:cTn id="20" dur="1" fill="hold">
+                                          <p:stCondLst>
+                                            <p:cond delay="0"/>
+                                          </p:stCondLst>
+                                        </p:cTn>
+                                        <p:tgtEl>
+                                          <p:spTgt spid="34"/>
+                                        </p:tgtEl>
+                                        <p:attrNameLst>
+                                          <p:attrName>style.visibility</p:attrName>
+                                        </p:attrNameLst>
+                                      </p:cBhvr>
+                                      <p:to>
+                                        <p:strVal val="hidden"/>
+                                      </p:to>
+                                    </p:set>
+                                  </p:childTnLst>
+                                </p:cTn>
+                              </p:par>
+                              <p:par>
+                                <p:cTn id="21" presetID="1" presetClass="exit" presetSubtype="0" fill="hold" nodeType="withEffect">
+                                  <p:stCondLst>
+                                    <p:cond delay="1250"/>
+                                  </p:stCondLst>
+                                  <p:childTnLst>
+                                    <p:set>
+                                      <p:cBhvr>
+                                        <p:cTn id="22" dur="1" fill="hold">
+                                          <p:stCondLst>
+                                            <p:cond delay="0"/>
+                                          </p:stCondLst>
+                                        </p:cTn>
+                                        <p:tgtEl>
+                                          <p:spTgt spid="32"/>
+                                        </p:tgtEl>
+                                        <p:attrNameLst>
+                                          <p:attrName>style.visibility</p:attrName>
+                                        </p:attrNameLst>
+                                      </p:cBhvr>
+                                      <p:to>
+                                        <p:strVal val="hidden"/>
+                                      </p:to>
+                                    </p:set>
+                                  </p:childTnLst>
+                                </p:cTn>
+                              </p:par>
+                              <p:par>
+                                <p:cTn id="23" presetID="1" presetClass="exit" presetSubtype="0" fill="hold" nodeType="withEffect">
+                                  <p:stCondLst>
+                                    <p:cond delay="1250"/>
+                                  </p:stCondLst>
+                                  <p:childTnLst>
+                                    <p:set>
+                                      <p:cBhvr>
+                                        <p:cTn id="24" dur="1" fill="hold">
+                                          <p:stCondLst>
+                                            <p:cond delay="0"/>
+                                          </p:stCondLst>
+                                        </p:cTn>
+                                        <p:tgtEl>
+                                          <p:spTgt spid="33"/>
+                                        </p:tgtEl>
+                                        <p:attrNameLst>
+                                          <p:attrName>style.visibility</p:attrName>
+                                        </p:attrNameLst>
+                                      </p:cBhvr>
+                                      <p:to>
+                                        <p:strVal val="hidden"/>
+                                      </p:to>
+                                    </p:set>
+                                  </p:childTnLst>
+                                </p:cTn>
+                              </p:par>
+                              <p:par>
+                                <p:cTn id="25" presetID="1" presetClass="exit" presetSubtype="0" fill="hold" nodeType="withEffect">
+                                  <p:stCondLst>
+                                    <p:cond delay="1250"/>
+                                  </p:stCondLst>
+                                  <p:childTnLst>
+                                    <p:set>
+                                      <p:cBhvr>
+                                        <p:cTn id="26" dur="1" fill="hold">
+                                          <p:stCondLst>
+                                            <p:cond delay="0"/>
+                                          </p:stCondLst>
+                                        </p:cTn>
+                                        <p:tgtEl>
+                                          <p:spTgt spid="43"/>
+                                        </p:tgtEl>
+                                        <p:attrNameLst>
+                                          <p:attrName>style.visibility</p:attrName>
+                                        </p:attrNameLst>
+                                      </p:cBhvr>
+                                      <p:to>
+                                        <p:strVal val="hidden"/>
+                                      </p:to>
+                                    </p:set>
+                                  </p:childTnLst>
+                                </p:cTn>
+                              </p:par>
+                              <p:par>
+                                <p:cTn id="27" presetID="1" presetClass="exit" presetSubtype="0" fill="hold" nodeType="withEffect">
+                                  <p:stCondLst>
+                                    <p:cond delay="1250"/>
+                                  </p:stCondLst>
+                                  <p:childTnLst>
+                                    <p:set>
+                                      <p:cBhvr>
+                                        <p:cTn id="28" dur="1" fill="hold">
+                                          <p:stCondLst>
+                                            <p:cond delay="0"/>
+                                          </p:stCondLst>
+                                        </p:cTn>
+                                        <p:tgtEl>
+                                          <p:spTgt spid="36"/>
+                                        </p:tgtEl>
+                                        <p:attrNameLst>
+                                          <p:attrName>style.visibility</p:attrName>
+                                        </p:attrNameLst>
+                                      </p:cBhvr>
+                                      <p:to>
+                                        <p:strVal val="hidden"/>
+                                      </p:to>
+                                    </p:set>
+                                  </p:childTnLst>
+                                </p:cTn>
+                              </p:par>
+                              <p:par>
+                                <p:cTn id="29" presetID="8" presetClass="emph" presetSubtype="0" repeatCount="indefinite" fill="hold" nodeType="withEffect">
+                                  <p:stCondLst>
+                                    <p:cond delay="0"/>
+                                  </p:stCondLst>
+                                  <p:childTnLst>
+                                    <p:animRot by="21600000">
+                                      <p:cBhvr>
+                                        <p:cTn id="30" dur="7000" fill="hold"/>
+                                        <p:tgtEl>
+                                          <p:spTgt spid="12"/>
+                                        </p:tgtEl>
+                                        <p:attrNameLst>
+                                          <p:attrName>r</p:attrName>
+                                        </p:attrNameLst>
+                                      </p:cBhvr>
+                                    </p:animRot>
+                                  </p:childTnLst>
+                                </p:cTn>
+                              </p:par>
+                              <p:par>
+                                <p:cTn id="31" presetID="8" presetClass="emph" presetSubtype="0" repeatCount="indefinite" fill="hold" nodeType="withEffect">
+                                  <p:stCondLst>
+                                    <p:cond delay="0"/>
+                                  </p:stCondLst>
+                                  <p:childTnLst>
+                                    <p:animRot by="-21600000">
+                                      <p:cBhvr>
+                                        <p:cTn id="32" dur="14000" fill="hold"/>
+                                        <p:tgtEl>
+                                          <p:spTgt spid="7"/>
+                                        </p:tgtEl>
+                                        <p:attrNameLst>
+                                          <p:attrName>r</p:attrName>
+                                        </p:attrNameLst>
+                                      </p:cBhvr>
+                                    </p:animRot>
+                                  </p:childTnLst>
+                                </p:cTn>
+                              </p:par>
+                              <p:par>
+                                <p:cTn id="33" presetID="8" presetClass="emph" presetSubtype="0" repeatCount="indefinite" fill="hold" nodeType="withEffect">
+                                  <p:stCondLst>
+                                    <p:cond delay="0"/>
+                                  </p:stCondLst>
+                                  <p:childTnLst>
+                                    <p:animRot by="21600000">
+                                      <p:cBhvr>
+                                        <p:cTn id="34" dur="10000" fill="hold"/>
+                                        <p:tgtEl>
+                                          <p:spTgt spid="2"/>
+                                        </p:tgtEl>
+                                        <p:attrNameLst>
+                                          <p:attrName>r</p:attrName>
+                                        </p:attrNameLst>
+                                      </p:cBhvr>
+                                    </p:animRot>
+                                  </p:childTnLst>
+                                </p:cTn>
+                              </p:par>
+                              <p:par>
+                                <p:cTn id="35" presetID="22" presetClass="exit" presetSubtype="4" fill="hold" grpId="1" nodeType="withEffect">
+                                  <p:stCondLst>
+                                    <p:cond delay="360"/>
+                                  </p:stCondLst>
+                                  <p:childTnLst>
+                                    <p:animEffect transition="out" filter="wipe(down)">
+                                      <p:cBhvr>
+                                        <p:cTn id="36" dur="500"/>
+                                        <p:tgtEl>
+                                          <p:spTgt spid="57"/>
+                                        </p:tgtEl>
+                                      </p:cBhvr>
+                                    </p:animEffect>
+                                    <p:set>
+                                      <p:cBhvr>
+                                        <p:cTn id="37" dur="1" fill="hold">
+                                          <p:stCondLst>
+                                            <p:cond delay="499"/>
+                                          </p:stCondLst>
+                                        </p:cTn>
+                                        <p:tgtEl>
+                                          <p:spTgt spid="57"/>
+                                        </p:tgtEl>
+                                        <p:attrNameLst>
+                                          <p:attrName>style.visibility</p:attrName>
+                                        </p:attrNameLst>
+                                      </p:cBhvr>
+                                      <p:to>
+                                        <p:strVal val="hidden"/>
+                                      </p:to>
+                                    </p:set>
+                                  </p:childTnLst>
+                                </p:cTn>
+                              </p:par>
+                              <p:par>
+                                <p:cTn id="38" presetID="22" presetClass="exit" presetSubtype="4" fill="hold" grpId="0" nodeType="withEffect">
+                                  <p:stCondLst>
+                                    <p:cond delay="830"/>
+                                  </p:stCondLst>
+                                  <p:childTnLst>
+                                    <p:animEffect transition="out" filter="wipe(down)">
+                                      <p:cBhvr>
+                                        <p:cTn id="39" dur="500"/>
+                                        <p:tgtEl>
+                                          <p:spTgt spid="62"/>
+                                        </p:tgtEl>
+                                      </p:cBhvr>
+                                    </p:animEffect>
+                                    <p:set>
+                                      <p:cBhvr>
+                                        <p:cTn id="40" dur="1" fill="hold">
+                                          <p:stCondLst>
+                                            <p:cond delay="499"/>
+                                          </p:stCondLst>
+                                        </p:cTn>
+                                        <p:tgtEl>
+                                          <p:spTgt spid="62"/>
+                                        </p:tgtEl>
+                                        <p:attrNameLst>
+                                          <p:attrName>style.visibility</p:attrName>
+                                        </p:attrNameLst>
+                                      </p:cBhvr>
+                                      <p:to>
+                                        <p:strVal val="hidden"/>
+                                      </p:to>
+                                    </p:set>
+                                  </p:childTnLst>
+                                </p:cTn>
+                              </p:par>
+                              <p:par>
+                                <p:cTn id="41" presetID="22" presetClass="entr" presetSubtype="4" fill="hold" grpId="0" nodeType="withEffect">
+                                  <p:stCondLst>
+                                    <p:cond delay="360"/>
+                                  </p:stCondLst>
+                                  <p:childTnLst>
+                                    <p:set>
+                                      <p:cBhvr>
+                                        <p:cTn id="42" dur="1" fill="hold">
+                                          <p:stCondLst>
+                                            <p:cond delay="0"/>
+                                          </p:stCondLst>
+                                        </p:cTn>
+                                        <p:tgtEl>
+                                          <p:spTgt spid="63"/>
+                                        </p:tgtEl>
+                                        <p:attrNameLst>
+                                          <p:attrName>style.visibility</p:attrName>
+                                        </p:attrNameLst>
+                                      </p:cBhvr>
+                                      <p:to>
+                                        <p:strVal val="visible"/>
+                                      </p:to>
+                                    </p:set>
+                                    <p:animEffect transition="in" filter="wipe(down)">
+                                      <p:cBhvr>
+                                        <p:cTn id="43" dur="500"/>
+                                        <p:tgtEl>
+                                          <p:spTgt spid="63"/>
+                                        </p:tgtEl>
+                                      </p:cBhvr>
+                                    </p:animEffect>
+                                  </p:childTnLst>
+                                </p:cTn>
+                              </p:par>
+                              <p:par>
+                                <p:cTn id="44" presetID="22" presetClass="entr" presetSubtype="4" fill="hold" grpId="0" nodeType="withEffect">
+                                  <p:stCondLst>
+                                    <p:cond delay="830"/>
+                                  </p:stCondLst>
+                                  <p:childTnLst>
+                                    <p:set>
+                                      <p:cBhvr>
+                                        <p:cTn id="45" dur="1" fill="hold">
+                                          <p:stCondLst>
+                                            <p:cond delay="0"/>
+                                          </p:stCondLst>
+                                        </p:cTn>
+                                        <p:tgtEl>
+                                          <p:spTgt spid="64"/>
+                                        </p:tgtEl>
+                                        <p:attrNameLst>
+                                          <p:attrName>style.visibility</p:attrName>
+                                        </p:attrNameLst>
+                                      </p:cBhvr>
+                                      <p:to>
+                                        <p:strVal val="visible"/>
+                                      </p:to>
+                                    </p:set>
+                                    <p:animEffect transition="in" filter="wipe(down)">
+                                      <p:cBhvr>
+                                        <p:cTn id="46" dur="500"/>
+                                        <p:tgtEl>
+                                          <p:spTgt spid="64"/>
+                                        </p:tgtEl>
+                                      </p:cBhvr>
+                                    </p:animEffect>
+                                  </p:childTnLst>
+                                </p:cTn>
+                              </p:par>
+                              <p:par>
+                                <p:cTn id="47" presetID="8" presetClass="emph" presetSubtype="0" fill="hold" grpId="0" nodeType="withEffect">
+                                  <p:stCondLst>
+                                    <p:cond delay="650"/>
+                                  </p:stCondLst>
+                                  <p:childTnLst>
+                                    <p:animRot by="10800000">
+                                      <p:cBhvr>
+                                        <p:cTn id="48" dur="500" fill="hold"/>
+                                        <p:tgtEl>
+                                          <p:spTgt spid="54"/>
+                                        </p:tgtEl>
+                                        <p:attrNameLst>
+                                          <p:attrName>r</p:attrName>
+                                        </p:attrNameLst>
+                                      </p:cBhvr>
+                                    </p:animRot>
+                                  </p:childTnLst>
+                                </p:cTn>
+                              </p:par>
+                              <p:par>
+                                <p:cTn id="49" presetID="1" presetClass="exit" presetSubtype="0" fill="hold" grpId="2" nodeType="withEffect">
+                                  <p:stCondLst>
+                                    <p:cond delay="1500"/>
+                                  </p:stCondLst>
+                                  <p:childTnLst>
+                                    <p:set>
+                                      <p:cBhvr>
+                                        <p:cTn id="50" dur="1" fill="hold">
+                                          <p:stCondLst>
+                                            <p:cond delay="0"/>
+                                          </p:stCondLst>
+                                        </p:cTn>
+                                        <p:tgtEl>
+                                          <p:spTgt spid="57"/>
+                                        </p:tgtEl>
+                                        <p:attrNameLst>
+                                          <p:attrName>style.visibility</p:attrName>
+                                        </p:attrNameLst>
+                                      </p:cBhvr>
+                                      <p:to>
+                                        <p:strVal val="hidden"/>
+                                      </p:to>
+                                    </p:set>
+                                  </p:childTnLst>
+                                </p:cTn>
+                              </p:par>
+                              <p:par>
+                                <p:cTn id="51" presetID="1" presetClass="exit" presetSubtype="0" fill="hold" grpId="1" nodeType="withEffect">
+                                  <p:stCondLst>
+                                    <p:cond delay="1500"/>
+                                  </p:stCondLst>
+                                  <p:childTnLst>
+                                    <p:set>
+                                      <p:cBhvr>
+                                        <p:cTn id="52" dur="1" fill="hold">
+                                          <p:stCondLst>
+                                            <p:cond delay="0"/>
+                                          </p:stCondLst>
+                                        </p:cTn>
+                                        <p:tgtEl>
+                                          <p:spTgt spid="62"/>
+                                        </p:tgtEl>
+                                        <p:attrNameLst>
+                                          <p:attrName>style.visibility</p:attrName>
+                                        </p:attrNameLst>
+                                      </p:cBhvr>
+                                      <p:to>
+                                        <p:strVal val="hidden"/>
+                                      </p:to>
+                                    </p:set>
+                                  </p:childTnLst>
+                                </p:cTn>
+                              </p:par>
+                              <p:par>
+                                <p:cTn id="53" presetID="1" presetClass="exit" presetSubtype="0" fill="hold" grpId="1" nodeType="withEffect">
+                                  <p:stCondLst>
+                                    <p:cond delay="1500"/>
+                                  </p:stCondLst>
+                                  <p:childTnLst>
+                                    <p:set>
+                                      <p:cBhvr>
+                                        <p:cTn id="54" dur="1" fill="hold">
+                                          <p:stCondLst>
+                                            <p:cond delay="0"/>
+                                          </p:stCondLst>
+                                        </p:cTn>
+                                        <p:tgtEl>
+                                          <p:spTgt spid="63"/>
+                                        </p:tgtEl>
+                                        <p:attrNameLst>
+                                          <p:attrName>style.visibility</p:attrName>
+                                        </p:attrNameLst>
+                                      </p:cBhvr>
+                                      <p:to>
+                                        <p:strVal val="hidden"/>
+                                      </p:to>
+                                    </p:set>
+                                  </p:childTnLst>
+                                </p:cTn>
+                              </p:par>
+                              <p:par>
+                                <p:cTn id="55" presetID="1" presetClass="exit" presetSubtype="0" fill="hold" grpId="1" nodeType="withEffect">
+                                  <p:stCondLst>
+                                    <p:cond delay="1500"/>
+                                  </p:stCondLst>
+                                  <p:childTnLst>
+                                    <p:set>
+                                      <p:cBhvr>
+                                        <p:cTn id="56" dur="1" fill="hold">
+                                          <p:stCondLst>
+                                            <p:cond delay="0"/>
+                                          </p:stCondLst>
+                                        </p:cTn>
+                                        <p:tgtEl>
+                                          <p:spTgt spid="64"/>
+                                        </p:tgtEl>
+                                        <p:attrNameLst>
+                                          <p:attrName>style.visibility</p:attrName>
+                                        </p:attrNameLst>
+                                      </p:cBhvr>
+                                      <p:to>
+                                        <p:strVal val="hidden"/>
+                                      </p:to>
+                                    </p:set>
+                                  </p:childTnLst>
+                                </p:cTn>
+                              </p:par>
+                              <p:par>
+                                <p:cTn id="57" presetID="1" presetClass="exit" presetSubtype="0" fill="hold" grpId="1" nodeType="withEffect">
+                                  <p:stCondLst>
+                                    <p:cond delay="1500"/>
+                                  </p:stCondLst>
+                                  <p:childTnLst>
+                                    <p:set>
+                                      <p:cBhvr>
+                                        <p:cTn id="58" dur="1" fill="hold">
+                                          <p:stCondLst>
+                                            <p:cond delay="0"/>
+                                          </p:stCondLst>
+                                        </p:cTn>
+                                        <p:tgtEl>
+                                          <p:spTgt spid="54"/>
+                                        </p:tgtEl>
+                                        <p:attrNameLst>
+                                          <p:attrName>style.visibility</p:attrName>
+                                        </p:attrNameLst>
+                                      </p:cBhvr>
+                                      <p:to>
+                                        <p:strVal val="hidden"/>
+                                      </p:to>
+                                    </p:set>
+                                  </p:childTnLst>
+                                </p:cTn>
+                              </p:par>
+                              <p:par>
+                                <p:cTn id="59" presetID="1" presetClass="exit" presetSubtype="0" fill="hold" nodeType="withEffect">
+                                  <p:stCondLst>
+                                    <p:cond delay="1500"/>
+                                  </p:stCondLst>
+                                  <p:childTnLst>
+                                    <p:set>
+                                      <p:cBhvr>
+                                        <p:cTn id="60" dur="1" fill="hold">
+                                          <p:stCondLst>
+                                            <p:cond delay="0"/>
+                                          </p:stCondLst>
+                                        </p:cTn>
+                                        <p:tgtEl>
+                                          <p:spTgt spid="51"/>
+                                        </p:tgtEl>
+                                        <p:attrNameLst>
+                                          <p:attrName>style.visibility</p:attrName>
+                                        </p:attrNameLst>
+                                      </p:cBhvr>
+                                      <p:to>
+                                        <p:strVal val="hidden"/>
+                                      </p:to>
+                                    </p:set>
+                                  </p:childTnLst>
+                                </p:cTn>
+                              </p:par>
+                              <p:par>
+                                <p:cTn id="61" presetID="1" presetClass="exit" presetSubtype="0" fill="hold" grpId="0" nodeType="withEffect">
+                                  <p:stCondLst>
+                                    <p:cond delay="1500"/>
+                                  </p:stCondLst>
+                                  <p:childTnLst>
+                                    <p:set>
+                                      <p:cBhvr>
+                                        <p:cTn id="62" dur="1" fill="hold">
+                                          <p:stCondLst>
+                                            <p:cond delay="0"/>
+                                          </p:stCondLst>
+                                        </p:cTn>
+                                        <p:tgtEl>
+                                          <p:spTgt spid="55"/>
+                                        </p:tgtEl>
+                                        <p:attrNameLst>
+                                          <p:attrName>style.visibility</p:attrName>
+                                        </p:attrNameLst>
+                                      </p:cBhvr>
+                                      <p:to>
+                                        <p:strVal val="hidden"/>
+                                      </p:to>
+                                    </p:set>
+                                  </p:childTnLst>
+                                </p:cTn>
+                              </p:par>
+                              <p:par>
+                                <p:cTn id="63" presetID="1" presetClass="exit" presetSubtype="0" fill="hold" grpId="0" nodeType="withEffect">
+                                  <p:stCondLst>
+                                    <p:cond delay="1500"/>
+                                  </p:stCondLst>
+                                  <p:childTnLst>
+                                    <p:set>
+                                      <p:cBhvr>
+                                        <p:cTn id="64" dur="1" fill="hold">
+                                          <p:stCondLst>
+                                            <p:cond delay="0"/>
+                                          </p:stCondLst>
+                                        </p:cTn>
+                                        <p:tgtEl>
+                                          <p:spTgt spid="56"/>
+                                        </p:tgtEl>
+                                        <p:attrNameLst>
+                                          <p:attrName>style.visibility</p:attrName>
+                                        </p:attrNameLst>
+                                      </p:cBhvr>
+                                      <p:to>
+                                        <p:strVal val="hidden"/>
+                                      </p:to>
+                                    </p:set>
+                                  </p:childTnLst>
+                                </p:cTn>
+                              </p:par>
+                              <p:par>
+                                <p:cTn id="65" presetID="1" presetClass="entr" presetSubtype="0" fill="hold" nodeType="withEffect">
+                                  <p:stCondLst>
+                                    <p:cond delay="1500"/>
+                                  </p:stCondLst>
+                                  <p:childTnLst>
+                                    <p:set>
+                                      <p:cBhvr>
+                                        <p:cTn id="66" dur="1" fill="hold">
+                                          <p:stCondLst>
+                                            <p:cond delay="0"/>
+                                          </p:stCondLst>
+                                        </p:cTn>
+                                        <p:tgtEl>
+                                          <p:spTgt spid="37"/>
+                                        </p:tgtEl>
+                                        <p:attrNameLst>
+                                          <p:attrName>style.visibility</p:attrName>
+                                        </p:attrNameLst>
+                                      </p:cBhvr>
+                                      <p:to>
+                                        <p:strVal val="visible"/>
+                                      </p:to>
+                                    </p:set>
+                                  </p:childTnLst>
+                                </p:cTn>
+                              </p:par>
+                              <p:par>
+                                <p:cTn id="67" presetID="1" presetClass="entr" presetSubtype="0" fill="hold" grpId="1" nodeType="withEffect">
+                                  <p:stCondLst>
+                                    <p:cond delay="1500"/>
+                                  </p:stCondLst>
+                                  <p:childTnLst>
+                                    <p:set>
+                                      <p:cBhvr>
+                                        <p:cTn id="68" dur="1" fill="hold">
+                                          <p:stCondLst>
+                                            <p:cond delay="0"/>
+                                          </p:stCondLst>
+                                        </p:cTn>
+                                        <p:tgtEl>
+                                          <p:spTgt spid="41"/>
+                                        </p:tgtEl>
+                                        <p:attrNameLst>
+                                          <p:attrName>style.visibility</p:attrName>
+                                        </p:attrNameLst>
+                                      </p:cBhvr>
+                                      <p:to>
+                                        <p:strVal val="visible"/>
+                                      </p:to>
+                                    </p:set>
+                                  </p:childTnLst>
+                                </p:cTn>
+                              </p:par>
+                              <p:par>
+                                <p:cTn id="69" presetID="35" presetClass="path" presetSubtype="0" accel="50000" decel="50000" fill="hold" nodeType="withEffect">
+                                  <p:stCondLst>
+                                    <p:cond delay="1500"/>
+                                  </p:stCondLst>
+                                  <p:childTnLst>
+                                    <p:animMotion origin="layout" path="M 0 3.7037E-6 L -0.5 0.00254 " pathEditMode="relative" rAng="0" ptsTypes="AA">
+                                      <p:cBhvr>
+                                        <p:cTn id="70" dur="1000" fill="hold"/>
+                                        <p:tgtEl>
+                                          <p:spTgt spid="37"/>
+                                        </p:tgtEl>
+                                        <p:attrNameLst>
+                                          <p:attrName>ppt_x</p:attrName>
+                                          <p:attrName>ppt_y</p:attrName>
+                                        </p:attrNameLst>
+                                      </p:cBhvr>
+                                      <p:rCtr x="-25000" y="116"/>
+                                    </p:animMotion>
+                                  </p:childTnLst>
+                                </p:cTn>
+                              </p:par>
+                              <p:par>
+                                <p:cTn id="71" presetID="35" presetClass="path" presetSubtype="0" accel="50000" decel="50000" fill="hold" grpId="0" nodeType="withEffect">
+                                  <p:stCondLst>
+                                    <p:cond delay="1500"/>
+                                  </p:stCondLst>
+                                  <p:childTnLst>
+                                    <p:animMotion origin="layout" path="M 2.08333E-6 3.7037E-7 L -0.41224 3.7037E-7 " pathEditMode="relative" rAng="0" ptsTypes="AA">
+                                      <p:cBhvr>
+                                        <p:cTn id="72" dur="1000" fill="hold"/>
+                                        <p:tgtEl>
+                                          <p:spTgt spid="41"/>
+                                        </p:tgtEl>
+                                        <p:attrNameLst>
+                                          <p:attrName>ppt_x</p:attrName>
+                                          <p:attrName>ppt_y</p:attrName>
+                                        </p:attrNameLst>
+                                      </p:cBhvr>
+                                      <p:rCtr x="-20612" y="0"/>
+                                    </p:animMotion>
+                                  </p:childTnLst>
+                                </p:cTn>
+                              </p:par>
+                              <p:par>
+                                <p:cTn id="73" presetID="35" presetClass="path" presetSubtype="0" accel="50000" decel="50000" fill="hold" grpId="0" nodeType="withEffect">
+                                  <p:stCondLst>
+                                    <p:cond delay="1500"/>
+                                  </p:stCondLst>
+                                  <p:childTnLst>
+                                    <p:animMotion origin="layout" path="M -2.08333E-6 1.11111E-6 L -0.85885 0.0044 " pathEditMode="relative" rAng="0" ptsTypes="AA">
+                                      <p:cBhvr>
+                                        <p:cTn id="74" dur="1000" fill="hold"/>
+                                        <p:tgtEl>
+                                          <p:spTgt spid="42"/>
+                                        </p:tgtEl>
+                                        <p:attrNameLst>
+                                          <p:attrName>ppt_x</p:attrName>
+                                          <p:attrName>ppt_y</p:attrName>
+                                        </p:attrNameLst>
+                                      </p:cBhvr>
+                                      <p:rCtr x="-42943" y="208"/>
+                                    </p:animMotion>
+                                  </p:childTnLst>
+                                </p:cTn>
+                              </p:par>
+                              <p:par>
+                                <p:cTn id="75" presetID="35" presetClass="path" presetSubtype="0" accel="50000" decel="50000" fill="hold" nodeType="withEffect">
+                                  <p:stCondLst>
+                                    <p:cond delay="1500"/>
+                                  </p:stCondLst>
+                                  <p:childTnLst>
+                                    <p:animMotion origin="layout" path="M 0 0 L -0.5 0 " pathEditMode="relative" rAng="0" ptsTypes="AA">
+                                      <p:cBhvr>
+                                        <p:cTn id="76" dur="1000" fill="hold"/>
+                                        <p:tgtEl>
+                                          <p:spTgt spid="12"/>
+                                        </p:tgtEl>
+                                        <p:attrNameLst>
+                                          <p:attrName>ppt_x</p:attrName>
+                                          <p:attrName>ppt_y</p:attrName>
+                                        </p:attrNameLst>
+                                      </p:cBhvr>
+                                      <p:rCtr x="-25000" y="0"/>
+                                    </p:animMotion>
+                                  </p:childTnLst>
+                                </p:cTn>
+                              </p:par>
+                              <p:par>
+                                <p:cTn id="77" presetID="35" presetClass="path" presetSubtype="0" accel="50000" decel="50000" fill="hold" nodeType="withEffect">
+                                  <p:stCondLst>
+                                    <p:cond delay="1500"/>
+                                  </p:stCondLst>
+                                  <p:childTnLst>
+                                    <p:animMotion origin="layout" path="M 0 0 L -0.5 0 " pathEditMode="relative" rAng="0" ptsTypes="AA">
+                                      <p:cBhvr>
+                                        <p:cTn id="78" dur="1000" fill="hold"/>
+                                        <p:tgtEl>
+                                          <p:spTgt spid="7"/>
+                                        </p:tgtEl>
+                                        <p:attrNameLst>
+                                          <p:attrName>ppt_x</p:attrName>
+                                          <p:attrName>ppt_y</p:attrName>
+                                        </p:attrNameLst>
+                                      </p:cBhvr>
+                                      <p:rCtr x="-25000" y="0"/>
+                                    </p:animMotion>
+                                  </p:childTnLst>
+                                </p:cTn>
+                              </p:par>
+                              <p:par>
+                                <p:cTn id="79" presetID="35" presetClass="path" presetSubtype="0" accel="50000" decel="50000" fill="hold" nodeType="withEffect">
+                                  <p:stCondLst>
+                                    <p:cond delay="1500"/>
+                                  </p:stCondLst>
+                                  <p:childTnLst>
+                                    <p:animMotion origin="layout" path="M 0 0 L -0.5 0 " pathEditMode="relative" rAng="0" ptsTypes="AA">
+                                      <p:cBhvr>
+                                        <p:cTn id="80" dur="1000" fill="hold"/>
+                                        <p:tgtEl>
+                                          <p:spTgt spid="2"/>
+                                        </p:tgtEl>
+                                        <p:attrNameLst>
+                                          <p:attrName>ppt_x</p:attrName>
+                                          <p:attrName>ppt_y</p:attrName>
+                                        </p:attrNameLst>
+                                      </p:cBhvr>
+                                      <p:rCtr x="-25000" y="0"/>
+                                    </p:animMotion>
+                                  </p:childTnLst>
+                                </p:cTn>
+                              </p:par>
+                            </p:childTnLst>
+                          </p:cTn>
+                        </p:par>
+                      </p:childTnLst>
+                    </p:cTn>
+                  </p:par>
+                </p:childTnLst>
+              </p:cTn>
+              <p:prevCondLst>
+                <p:cond evt="onPrev" delay="0">
+                  <p:tgtEl>
+                    <p:sldTgt/>
+                  </p:tgtEl>
+                </p:cond>
+              </p:prevCondLst>
+              <p:nextCondLst>
+                <p:cond evt="onNext" delay="0">
+                  <p:tgtEl>
+                    <p:sldTgt/>
+                  </p:tgtEl>
+                </p:cond>
+              </p:nextCondLst>
+            </p:seq>
+          </p:childTnLst>
+        </p:cTn>
+      </p:par>
+    </p:tnLst>
+    <p:bldLst>
+      <p:bldP spid="55" grpId="0" animBg="1"/>
+      <p:bldP spid="56" grpId="0" animBg="1"/>
+      <p:bldP spid="57" grpId="1"/>
+      <p:bldP spid="57" grpId="2"/>
+      <p:bldP spid="54" grpId="0" animBg="1"/>
+      <p:bldP spid="54" grpId="1" animBg="1"/>
+      <p:bldP spid="62" grpId="0"/>
+      <p:bldP spid="62" grpId="1"/>
+      <p:bldP spid="63" grpId="0"/>
+      <p:bldP spid="63" grpId="1"/>
+      <p:bldP spid="64" grpId="0"/>
+      <p:bldP spid="64" grpId="1"/>
+      <p:bldP spid="41" grpId="0"/>
+      <p:bldP spid="41" grpId="1"/>
+      <p:bldP spid="42" grpId="0" animBg="1"/>
+    </p:bldLst>
+  </p:timing>
+</p:sld>
+</file>
+
+<file path=ppt/slides/slide6.xml><?xml version="1.0" encoding="utf-8"?>
+<p:sld xmlns:a="http://schemas.openxmlformats.org/drawingml/2006/main" xmlns:r="http://schemas.openxmlformats.org/officeDocument/2006/relationships" xmlns:p="http://schemas.openxmlformats.org/presentationml/2006/main">
+  <p:cSld>
+    <p:bg>
+      <p:bgPr>
+        <a:gradFill>
+          <a:gsLst>
+            <a:gs pos="35000">
+              <a:schemeClr val="accent6">
+                <a:lumMod val="20000"/>
+                <a:lumOff val="80000"/>
+              </a:schemeClr>
+            </a:gs>
+            <a:gs pos="0">
+              <a:schemeClr val="bg1">
+                <a:lumMod val="95000"/>
+              </a:schemeClr>
+            </a:gs>
+            <a:gs pos="50000">
+              <a:schemeClr val="accent1">
+                <a:lumMod val="20000"/>
+                <a:lumOff val="80000"/>
+              </a:schemeClr>
+            </a:gs>
+            <a:gs pos="65000">
+              <a:schemeClr val="accent2">
+                <a:lumMod val="20000"/>
+                <a:lumOff val="80000"/>
+              </a:schemeClr>
+            </a:gs>
+            <a:gs pos="100000">
+              <a:schemeClr val="accent4">
+                <a:lumMod val="20000"/>
+                <a:lumOff val="80000"/>
+              </a:schemeClr>
+            </a:gs>
+          </a:gsLst>
+          <a:lin ang="4200000" scaled="0"/>
+        </a:gradFill>
+        <a:effectLst/>
+      </p:bgPr>
+    </p:bg>
+    <p:spTree>
+      <p:nvGrpSpPr>
+        <p:cNvPr id="1" name=""/>
+        <p:cNvGrpSpPr/>
+        <p:nvPr/>
+      </p:nvGrpSpPr>
+      <p:grpSpPr>
+        <a:xfrm>
+          <a:off x="0" y="0"/>
+          <a:ext cx="0" cy="0"/>
+          <a:chOff x="0" y="0"/>
+          <a:chExt cx="0" cy="0"/>
+        </a:xfrm>
+      </p:grpSpPr>
+      <p:grpSp>
+        <p:nvGrpSpPr>
+          <p:cNvPr id="17" name="그룹 16"/>
+          <p:cNvGrpSpPr/>
+          <p:nvPr/>
+        </p:nvGrpSpPr>
+        <p:grpSpPr>
+          <a:xfrm>
+            <a:off x="-1331055" y="2077101"/>
+            <a:ext cx="2662109" cy="2655607"/>
+            <a:chOff x="-1331055" y="2077101"/>
+            <a:chExt cx="2662109" cy="2655607"/>
+          </a:xfrm>
+        </p:grpSpPr>
+        <p:grpSp>
+          <p:nvGrpSpPr>
+            <p:cNvPr id="2" name="그룹 1"/>
+            <p:cNvGrpSpPr/>
+            <p:nvPr/>
+          </p:nvGrpSpPr>
+          <p:grpSpPr>
+            <a:xfrm>
+              <a:off x="-1331055" y="2077101"/>
+              <a:ext cx="2662109" cy="2655607"/>
+              <a:chOff x="4764946" y="2077101"/>
+              <a:chExt cx="2662109" cy="2655607"/>
+            </a:xfrm>
+          </p:grpSpPr>
+          <p:sp>
+            <p:nvSpPr>
+              <p:cNvPr id="3" name="타원 2"/>
+              <p:cNvSpPr/>
+              <p:nvPr/>
+            </p:nvSpPr>
+            <p:spPr>
+              <a:xfrm>
+                <a:off x="4764946" y="2077101"/>
+                <a:ext cx="2662109" cy="2655607"/>
+              </a:xfrm>
+              <a:prstGeom prst="ellipse">
+                <a:avLst/>
+              </a:prstGeom>
+              <a:solidFill>
+                <a:schemeClr val="bg1"/>
+              </a:solidFill>
+              <a:ln>
+                <a:solidFill>
+                  <a:schemeClr val="bg1"/>
+                </a:solidFill>
+              </a:ln>
+            </p:spPr>
+            <p:style>
+              <a:lnRef idx="2">
+                <a:schemeClr val="accent1">
+                  <a:shade val="50000"/>
+                </a:schemeClr>
+              </a:lnRef>
+              <a:fillRef idx="1">
+                <a:schemeClr val="accent1"/>
+              </a:fillRef>
+              <a:effectRef idx="0">
+                <a:schemeClr val="accent1"/>
+              </a:effectRef>
+              <a:fontRef idx="minor">
+                <a:schemeClr val="lt1"/>
+              </a:fontRef>
+            </p:style>
+            <p:txBody>
+              <a:bodyPr rtlCol="0" anchor="ctr"/>
+              <a:lstStyle/>
+              <a:p>
+                <a:pPr algn="ctr"/>
+                <a:endParaRPr lang="ko-KR" altLang="en-US"/>
+              </a:p>
+            </p:txBody>
+          </p:sp>
+          <p:sp>
+            <p:nvSpPr>
+              <p:cNvPr id="4" name="타원 3"/>
+              <p:cNvSpPr/>
+              <p:nvPr/>
+            </p:nvSpPr>
+            <p:spPr>
+              <a:xfrm>
+                <a:off x="4986788" y="2298401"/>
+                <a:ext cx="2218424" cy="2213006"/>
+              </a:xfrm>
+              <a:prstGeom prst="ellipse">
+                <a:avLst/>
+              </a:prstGeom>
+              <a:gradFill>
+                <a:gsLst>
+                  <a:gs pos="70000">
+                    <a:schemeClr val="accent4">
+                      <a:lumMod val="20000"/>
+                      <a:lumOff val="80000"/>
+                    </a:schemeClr>
+                  </a:gs>
+                  <a:gs pos="41000">
+                    <a:schemeClr val="accent2">
+                      <a:lumMod val="20000"/>
+                      <a:lumOff val="80000"/>
+                    </a:schemeClr>
+                  </a:gs>
+                  <a:gs pos="0">
+                    <a:schemeClr val="accent1">
+                      <a:lumMod val="20000"/>
+                      <a:lumOff val="80000"/>
+                    </a:schemeClr>
+                  </a:gs>
+                  <a:gs pos="100000">
+                    <a:schemeClr val="accent6">
+                      <a:lumMod val="20000"/>
+                      <a:lumOff val="80000"/>
+                    </a:schemeClr>
+                  </a:gs>
+                </a:gsLst>
+                <a:lin ang="13500000" scaled="0"/>
+              </a:gradFill>
+              <a:ln>
+                <a:noFill/>
+              </a:ln>
+            </p:spPr>
+            <p:style>
+              <a:lnRef idx="2">
+                <a:schemeClr val="accent1">
+                  <a:shade val="50000"/>
+                </a:schemeClr>
+              </a:lnRef>
+              <a:fillRef idx="1">
+                <a:schemeClr val="accent1"/>
+              </a:fillRef>
+              <a:effectRef idx="0">
+                <a:schemeClr val="accent1"/>
+              </a:effectRef>
+              <a:fontRef idx="minor">
+                <a:schemeClr val="lt1"/>
+              </a:fontRef>
+            </p:style>
+            <p:txBody>
+              <a:bodyPr rtlCol="0" anchor="ctr"/>
+              <a:lstStyle/>
+              <a:p>
+                <a:pPr algn="ctr"/>
+                <a:endParaRPr lang="ko-KR" altLang="en-US"/>
+              </a:p>
+            </p:txBody>
+          </p:sp>
+          <p:sp>
+            <p:nvSpPr>
+              <p:cNvPr id="5" name="직사각형 4"/>
+              <p:cNvSpPr/>
+              <p:nvPr/>
+            </p:nvSpPr>
+            <p:spPr>
+              <a:xfrm>
+                <a:off x="4985283" y="3416471"/>
+                <a:ext cx="2218424" cy="25200"/>
+              </a:xfrm>
+              <a:prstGeom prst="rect">
+                <a:avLst/>
+              </a:prstGeom>
+              <a:solidFill>
+                <a:srgbClr val="A6A6A6"/>
+              </a:solidFill>
+              <a:ln>
+                <a:noFill/>
+              </a:ln>
+            </p:spPr>
+            <p:style>
+              <a:lnRef idx="2">
+                <a:schemeClr val="accent1">
+                  <a:shade val="50000"/>
+                </a:schemeClr>
+              </a:lnRef>
+              <a:fillRef idx="1">
+                <a:schemeClr val="accent1"/>
+              </a:fillRef>
+              <a:effectRef idx="0">
+                <a:schemeClr val="accent1"/>
+              </a:effectRef>
+              <a:fontRef idx="minor">
+                <a:schemeClr val="lt1"/>
+              </a:fontRef>
+            </p:style>
+            <p:txBody>
+              <a:bodyPr rtlCol="0" anchor="ctr"/>
+              <a:lstStyle/>
+              <a:p>
+                <a:pPr algn="ctr"/>
+                <a:endParaRPr lang="ko-KR" altLang="en-US"/>
+              </a:p>
+            </p:txBody>
+          </p:sp>
+        </p:grpSp>
+        <p:sp>
+          <p:nvSpPr>
+            <p:cNvPr id="6" name="TextBox 5"/>
+            <p:cNvSpPr txBox="1"/>
+            <p:nvPr/>
+          </p:nvSpPr>
+          <p:spPr>
+            <a:xfrm>
+              <a:off x="19479" y="3128888"/>
+              <a:ext cx="1072180" cy="507831"/>
+            </a:xfrm>
+            <a:prstGeom prst="rect">
+              <a:avLst/>
+            </a:prstGeom>
+            <a:noFill/>
+          </p:spPr>
+          <p:txBody>
+            <a:bodyPr wrap="square" rtlCol="0" anchor="ctr">
+              <a:spAutoFit/>
+            </a:bodyPr>
+            <a:lstStyle/>
+            <a:p>
+              <a:r>
+                <a:rPr lang="ko-KR" altLang="en-US" dirty="0" smtClean="0">
+                  <a:solidFill>
+                    <a:schemeClr val="bg1">
+                      <a:lumMod val="65000"/>
+                    </a:schemeClr>
+                  </a:solidFill>
+                  <a:latin typeface="배달의민족 한나는 열한살" panose="020B0600000101010101" pitchFamily="50" charset="-127"/>
+                  <a:ea typeface="배달의민족 한나는 열한살" panose="020B0600000101010101" pitchFamily="50" charset="-127"/>
+                </a:rPr>
+                <a:t>시연 영상</a:t>
+              </a:r>
+            </a:p>
+            <a:p>
+              <a:r>
+                <a:rPr lang="en-US" altLang="ko-KR" sz="900" dirty="0" smtClean="0">
+                  <a:solidFill>
+                    <a:srgbClr val="A6A6A6"/>
+                  </a:solidFill>
+                  <a:latin typeface="배달의민족 한나는 열한살" panose="020B0600000101010101" pitchFamily="50" charset="-127"/>
+                  <a:ea typeface="배달의민족 한나는 열한살" panose="020B0600000101010101" pitchFamily="50" charset="-127"/>
+                </a:rPr>
+                <a:t>Watching</a:t>
+              </a:r>
+              <a:endParaRPr lang="ko-KR" altLang="en-US" sz="1000" dirty="0">
+                <a:solidFill>
+                  <a:srgbClr val="A6A6A6"/>
+                </a:solidFill>
+                <a:latin typeface="배달의민족 한나는 열한살" panose="020B0600000101010101" pitchFamily="50" charset="-127"/>
+                <a:ea typeface="배달의민족 한나는 열한살" panose="020B0600000101010101" pitchFamily="50" charset="-127"/>
+              </a:endParaRPr>
+            </a:p>
+          </p:txBody>
+        </p:sp>
+      </p:grpSp>
       <p:grpSp>
         <p:nvGrpSpPr>
           <p:cNvPr id="7" name="그룹 6"/>
@@ -16818,7 +17756,7 @@
         </p:nvGrpSpPr>
         <p:grpSpPr>
           <a:xfrm rot="6128200">
-            <a:off x="4685658" y="2039227"/>
+            <a:off x="-1410343" y="2039227"/>
             <a:ext cx="2820685" cy="2779547"/>
             <a:chOff x="3271520" y="655320"/>
             <a:chExt cx="5643245" cy="5547360"/>
@@ -16994,7 +17932,7 @@
         </p:nvGrpSpPr>
         <p:grpSpPr>
           <a:xfrm>
-            <a:off x="4637898" y="1949213"/>
+            <a:off x="-1458103" y="1949213"/>
             <a:ext cx="2916205" cy="2959575"/>
             <a:chOff x="3185951" y="489572"/>
             <a:chExt cx="5820098" cy="5921117"/>
@@ -17164,13 +18102,13 @@
       </p:grpSp>
       <p:grpSp>
         <p:nvGrpSpPr>
-          <p:cNvPr id="17" name="그룹 16"/>
+          <p:cNvPr id="18" name="그룹 17"/>
           <p:cNvGrpSpPr/>
           <p:nvPr/>
         </p:nvGrpSpPr>
         <p:grpSpPr>
           <a:xfrm rot="18836101">
-            <a:off x="4549445" y="1905001"/>
+            <a:off x="-1546555" y="1905000"/>
             <a:ext cx="3093111" cy="3048000"/>
             <a:chOff x="3271520" y="655320"/>
             <a:chExt cx="5643245" cy="5547360"/>
@@ -17178,7 +18116,7 @@
         </p:grpSpPr>
         <p:grpSp>
           <p:nvGrpSpPr>
-            <p:cNvPr id="18" name="그룹 17"/>
+            <p:cNvPr id="19" name="그룹 18"/>
             <p:cNvGrpSpPr/>
             <p:nvPr/>
           </p:nvGrpSpPr>
@@ -17192,7 +18130,7 @@
           </p:grpSpPr>
           <p:sp>
             <p:nvSpPr>
-              <p:cNvPr id="20" name="막힌 원호 19"/>
+              <p:cNvPr id="21" name="막힌 원호 20"/>
               <p:cNvSpPr/>
               <p:nvPr/>
             </p:nvSpPr>
@@ -17246,7 +18184,7 @@
           </p:sp>
           <p:sp>
             <p:nvSpPr>
-              <p:cNvPr id="21" name="타원 20"/>
+              <p:cNvPr id="22" name="타원 21"/>
               <p:cNvSpPr/>
               <p:nvPr/>
             </p:nvSpPr>
@@ -17295,7 +18233,1053 @@
         </p:grpSp>
         <p:sp>
           <p:nvSpPr>
-            <p:cNvPr id="19" name="타원 18"/>
+            <p:cNvPr id="20" name="타원 19"/>
+            <p:cNvSpPr/>
+            <p:nvPr/>
+          </p:nvSpPr>
+          <p:spPr>
+            <a:xfrm>
+              <a:off x="3271520" y="3404350"/>
+              <a:ext cx="93980" cy="93980"/>
+            </a:xfrm>
+            <a:prstGeom prst="ellipse">
+              <a:avLst/>
+            </a:prstGeom>
+            <a:noFill/>
+            <a:ln w="6350">
+              <a:noFill/>
+            </a:ln>
+          </p:spPr>
+          <p:style>
+            <a:lnRef idx="2">
+              <a:schemeClr val="accent1">
+                <a:shade val="50000"/>
+              </a:schemeClr>
+            </a:lnRef>
+            <a:fillRef idx="1">
+              <a:schemeClr val="accent1"/>
+            </a:fillRef>
+            <a:effectRef idx="0">
+              <a:schemeClr val="accent1"/>
+            </a:effectRef>
+            <a:fontRef idx="minor">
+              <a:schemeClr val="lt1"/>
+            </a:fontRef>
+          </p:style>
+          <p:txBody>
+            <a:bodyPr rtlCol="0" anchor="ctr"/>
+            <a:lstStyle/>
+            <a:p>
+              <a:pPr algn="ctr"/>
+              <a:endParaRPr lang="ko-KR" altLang="en-US"/>
+            </a:p>
+          </p:txBody>
+        </p:sp>
+      </p:grpSp>
+      <p:grpSp>
+        <p:nvGrpSpPr>
+          <p:cNvPr id="66" name="그룹 65"/>
+          <p:cNvGrpSpPr/>
+          <p:nvPr/>
+        </p:nvGrpSpPr>
+        <p:grpSpPr>
+          <a:xfrm>
+            <a:off x="-1331055" y="2068347"/>
+            <a:ext cx="2662109" cy="2655607"/>
+            <a:chOff x="-1331055" y="2077101"/>
+            <a:chExt cx="2662109" cy="2655607"/>
+          </a:xfrm>
+        </p:grpSpPr>
+        <p:grpSp>
+          <p:nvGrpSpPr>
+            <p:cNvPr id="67" name="그룹 66"/>
+            <p:cNvGrpSpPr/>
+            <p:nvPr/>
+          </p:nvGrpSpPr>
+          <p:grpSpPr>
+            <a:xfrm>
+              <a:off x="-1331055" y="2077101"/>
+              <a:ext cx="2662109" cy="2655607"/>
+              <a:chOff x="4764946" y="2077101"/>
+              <a:chExt cx="2662109" cy="2655607"/>
+            </a:xfrm>
+          </p:grpSpPr>
+          <p:sp>
+            <p:nvSpPr>
+              <p:cNvPr id="69" name="타원 68"/>
+              <p:cNvSpPr/>
+              <p:nvPr/>
+            </p:nvSpPr>
+            <p:spPr>
+              <a:xfrm>
+                <a:off x="4764946" y="2077101"/>
+                <a:ext cx="2662109" cy="2655607"/>
+              </a:xfrm>
+              <a:prstGeom prst="ellipse">
+                <a:avLst/>
+              </a:prstGeom>
+              <a:solidFill>
+                <a:schemeClr val="bg1"/>
+              </a:solidFill>
+              <a:ln>
+                <a:solidFill>
+                  <a:schemeClr val="bg1"/>
+                </a:solidFill>
+              </a:ln>
+            </p:spPr>
+            <p:style>
+              <a:lnRef idx="2">
+                <a:schemeClr val="accent1">
+                  <a:shade val="50000"/>
+                </a:schemeClr>
+              </a:lnRef>
+              <a:fillRef idx="1">
+                <a:schemeClr val="accent1"/>
+              </a:fillRef>
+              <a:effectRef idx="0">
+                <a:schemeClr val="accent1"/>
+              </a:effectRef>
+              <a:fontRef idx="minor">
+                <a:schemeClr val="lt1"/>
+              </a:fontRef>
+            </p:style>
+            <p:txBody>
+              <a:bodyPr rtlCol="0" anchor="ctr"/>
+              <a:lstStyle/>
+              <a:p>
+                <a:pPr algn="ctr"/>
+                <a:endParaRPr lang="ko-KR" altLang="en-US"/>
+              </a:p>
+            </p:txBody>
+          </p:sp>
+          <p:sp>
+            <p:nvSpPr>
+              <p:cNvPr id="70" name="타원 69"/>
+              <p:cNvSpPr/>
+              <p:nvPr/>
+            </p:nvSpPr>
+            <p:spPr>
+              <a:xfrm>
+                <a:off x="4986788" y="2298401"/>
+                <a:ext cx="2218424" cy="2213006"/>
+              </a:xfrm>
+              <a:prstGeom prst="ellipse">
+                <a:avLst/>
+              </a:prstGeom>
+              <a:gradFill>
+                <a:gsLst>
+                  <a:gs pos="70000">
+                    <a:schemeClr val="accent4">
+                      <a:lumMod val="20000"/>
+                      <a:lumOff val="80000"/>
+                    </a:schemeClr>
+                  </a:gs>
+                  <a:gs pos="41000">
+                    <a:schemeClr val="accent2">
+                      <a:lumMod val="20000"/>
+                      <a:lumOff val="80000"/>
+                    </a:schemeClr>
+                  </a:gs>
+                  <a:gs pos="0">
+                    <a:schemeClr val="accent1">
+                      <a:lumMod val="20000"/>
+                      <a:lumOff val="80000"/>
+                    </a:schemeClr>
+                  </a:gs>
+                  <a:gs pos="100000">
+                    <a:schemeClr val="accent6">
+                      <a:lumMod val="20000"/>
+                      <a:lumOff val="80000"/>
+                    </a:schemeClr>
+                  </a:gs>
+                </a:gsLst>
+                <a:lin ang="13500000" scaled="0"/>
+              </a:gradFill>
+              <a:ln>
+                <a:noFill/>
+              </a:ln>
+            </p:spPr>
+            <p:style>
+              <a:lnRef idx="2">
+                <a:schemeClr val="accent1">
+                  <a:shade val="50000"/>
+                </a:schemeClr>
+              </a:lnRef>
+              <a:fillRef idx="1">
+                <a:schemeClr val="accent1"/>
+              </a:fillRef>
+              <a:effectRef idx="0">
+                <a:schemeClr val="accent1"/>
+              </a:effectRef>
+              <a:fontRef idx="minor">
+                <a:schemeClr val="lt1"/>
+              </a:fontRef>
+            </p:style>
+            <p:txBody>
+              <a:bodyPr rtlCol="0" anchor="ctr"/>
+              <a:lstStyle/>
+              <a:p>
+                <a:pPr algn="ctr"/>
+                <a:endParaRPr lang="ko-KR" altLang="en-US"/>
+              </a:p>
+            </p:txBody>
+          </p:sp>
+          <p:sp>
+            <p:nvSpPr>
+              <p:cNvPr id="71" name="직사각형 70"/>
+              <p:cNvSpPr/>
+              <p:nvPr/>
+            </p:nvSpPr>
+            <p:spPr>
+              <a:xfrm>
+                <a:off x="4985283" y="3396151"/>
+                <a:ext cx="2218424" cy="25200"/>
+              </a:xfrm>
+              <a:prstGeom prst="rect">
+                <a:avLst/>
+              </a:prstGeom>
+              <a:solidFill>
+                <a:srgbClr val="A6A6A6"/>
+              </a:solidFill>
+              <a:ln>
+                <a:noFill/>
+              </a:ln>
+            </p:spPr>
+            <p:style>
+              <a:lnRef idx="2">
+                <a:schemeClr val="accent1">
+                  <a:shade val="50000"/>
+                </a:schemeClr>
+              </a:lnRef>
+              <a:fillRef idx="1">
+                <a:schemeClr val="accent1"/>
+              </a:fillRef>
+              <a:effectRef idx="0">
+                <a:schemeClr val="accent1"/>
+              </a:effectRef>
+              <a:fontRef idx="minor">
+                <a:schemeClr val="lt1"/>
+              </a:fontRef>
+            </p:style>
+            <p:txBody>
+              <a:bodyPr rtlCol="0" anchor="ctr"/>
+              <a:lstStyle/>
+              <a:p>
+                <a:pPr algn="ctr"/>
+                <a:endParaRPr lang="ko-KR" altLang="en-US"/>
+              </a:p>
+            </p:txBody>
+          </p:sp>
+        </p:grpSp>
+        <p:sp>
+          <p:nvSpPr>
+            <p:cNvPr id="68" name="TextBox 67"/>
+            <p:cNvSpPr txBox="1"/>
+            <p:nvPr/>
+          </p:nvSpPr>
+          <p:spPr>
+            <a:xfrm>
+              <a:off x="-651304" y="3128888"/>
+              <a:ext cx="1299596" cy="507831"/>
+            </a:xfrm>
+            <a:prstGeom prst="rect">
+              <a:avLst/>
+            </a:prstGeom>
+            <a:noFill/>
+          </p:spPr>
+          <p:txBody>
+            <a:bodyPr wrap="square" rtlCol="0" anchor="ctr">
+              <a:spAutoFit/>
+            </a:bodyPr>
+            <a:lstStyle/>
+            <a:p>
+              <a:pPr algn="ctr"/>
+              <a:r>
+                <a:rPr lang="ko-KR" altLang="en-US" dirty="0" smtClean="0">
+                  <a:solidFill>
+                    <a:schemeClr val="bg1">
+                      <a:lumMod val="65000"/>
+                    </a:schemeClr>
+                  </a:solidFill>
+                  <a:latin typeface="배달의민족 한나는 열한살" panose="020B0600000101010101" pitchFamily="50" charset="-127"/>
+                  <a:ea typeface="배달의민족 한나는 열한살" panose="020B0600000101010101" pitchFamily="50" charset="-127"/>
+                </a:rPr>
+                <a:t>보완점</a:t>
+              </a:r>
+              <a:endParaRPr lang="ko-KR" altLang="en-US" dirty="0" smtClean="0">
+                <a:solidFill>
+                  <a:schemeClr val="bg1">
+                    <a:lumMod val="65000"/>
+                  </a:schemeClr>
+                </a:solidFill>
+                <a:latin typeface="배달의민족 한나는 열한살" panose="020B0600000101010101" pitchFamily="50" charset="-127"/>
+                <a:ea typeface="배달의민족 한나는 열한살" panose="020B0600000101010101" pitchFamily="50" charset="-127"/>
+              </a:endParaRPr>
+            </a:p>
+            <a:p>
+              <a:pPr algn="ctr"/>
+              <a:r>
+                <a:rPr lang="en-US" altLang="ko-KR" sz="900" dirty="0">
+                  <a:solidFill>
+                    <a:srgbClr val="A6A6A6"/>
+                  </a:solidFill>
+                  <a:latin typeface="배달의민족 한나는 열한살" panose="020B0600000101010101" pitchFamily="50" charset="-127"/>
+                  <a:ea typeface="배달의민족 한나는 열한살" panose="020B0600000101010101" pitchFamily="50" charset="-127"/>
+                </a:rPr>
+                <a:t>complementary point</a:t>
+              </a:r>
+              <a:endParaRPr lang="ko-KR" altLang="en-US" sz="900" dirty="0">
+                <a:solidFill>
+                  <a:srgbClr val="A6A6A6"/>
+                </a:solidFill>
+                <a:latin typeface="배달의민족 한나는 열한살" panose="020B0600000101010101" pitchFamily="50" charset="-127"/>
+                <a:ea typeface="배달의민족 한나는 열한살" panose="020B0600000101010101" pitchFamily="50" charset="-127"/>
+              </a:endParaRPr>
+            </a:p>
+          </p:txBody>
+        </p:sp>
+      </p:grpSp>
+      <p:grpSp>
+        <p:nvGrpSpPr>
+          <p:cNvPr id="24" name="그룹 23"/>
+          <p:cNvGrpSpPr/>
+          <p:nvPr/>
+        </p:nvGrpSpPr>
+        <p:grpSpPr>
+          <a:xfrm>
+            <a:off x="4775106" y="2080877"/>
+            <a:ext cx="2662109" cy="2655607"/>
+            <a:chOff x="-1331055" y="2077101"/>
+            <a:chExt cx="2662109" cy="2655607"/>
+          </a:xfrm>
+        </p:grpSpPr>
+        <p:grpSp>
+          <p:nvGrpSpPr>
+            <p:cNvPr id="25" name="그룹 24"/>
+            <p:cNvGrpSpPr/>
+            <p:nvPr/>
+          </p:nvGrpSpPr>
+          <p:grpSpPr>
+            <a:xfrm>
+              <a:off x="-1331055" y="2077101"/>
+              <a:ext cx="2662109" cy="2655607"/>
+              <a:chOff x="4764946" y="2077101"/>
+              <a:chExt cx="2662109" cy="2655607"/>
+            </a:xfrm>
+          </p:grpSpPr>
+          <p:sp>
+            <p:nvSpPr>
+              <p:cNvPr id="27" name="타원 26"/>
+              <p:cNvSpPr/>
+              <p:nvPr/>
+            </p:nvSpPr>
+            <p:spPr>
+              <a:xfrm>
+                <a:off x="4764946" y="2077101"/>
+                <a:ext cx="2662109" cy="2655607"/>
+              </a:xfrm>
+              <a:prstGeom prst="ellipse">
+                <a:avLst/>
+              </a:prstGeom>
+              <a:solidFill>
+                <a:schemeClr val="bg1"/>
+              </a:solidFill>
+              <a:ln>
+                <a:noFill/>
+              </a:ln>
+            </p:spPr>
+            <p:style>
+              <a:lnRef idx="2">
+                <a:schemeClr val="accent1">
+                  <a:shade val="50000"/>
+                </a:schemeClr>
+              </a:lnRef>
+              <a:fillRef idx="1">
+                <a:schemeClr val="accent1"/>
+              </a:fillRef>
+              <a:effectRef idx="0">
+                <a:schemeClr val="accent1"/>
+              </a:effectRef>
+              <a:fontRef idx="minor">
+                <a:schemeClr val="lt1"/>
+              </a:fontRef>
+            </p:style>
+            <p:txBody>
+              <a:bodyPr rtlCol="0" anchor="ctr"/>
+              <a:lstStyle/>
+              <a:p>
+                <a:pPr algn="ctr"/>
+                <a:endParaRPr lang="ko-KR" altLang="en-US"/>
+              </a:p>
+            </p:txBody>
+          </p:sp>
+          <p:sp>
+            <p:nvSpPr>
+              <p:cNvPr id="28" name="타원 27"/>
+              <p:cNvSpPr/>
+              <p:nvPr/>
+            </p:nvSpPr>
+            <p:spPr>
+              <a:xfrm>
+                <a:off x="4986788" y="2298401"/>
+                <a:ext cx="2218424" cy="2213006"/>
+              </a:xfrm>
+              <a:prstGeom prst="ellipse">
+                <a:avLst/>
+              </a:prstGeom>
+              <a:gradFill>
+                <a:gsLst>
+                  <a:gs pos="70000">
+                    <a:schemeClr val="accent4">
+                      <a:lumMod val="20000"/>
+                      <a:lumOff val="80000"/>
+                    </a:schemeClr>
+                  </a:gs>
+                  <a:gs pos="41000">
+                    <a:schemeClr val="accent2">
+                      <a:lumMod val="20000"/>
+                      <a:lumOff val="80000"/>
+                    </a:schemeClr>
+                  </a:gs>
+                  <a:gs pos="0">
+                    <a:schemeClr val="accent1">
+                      <a:lumMod val="20000"/>
+                      <a:lumOff val="80000"/>
+                    </a:schemeClr>
+                  </a:gs>
+                  <a:gs pos="100000">
+                    <a:schemeClr val="accent6">
+                      <a:lumMod val="20000"/>
+                      <a:lumOff val="80000"/>
+                    </a:schemeClr>
+                  </a:gs>
+                </a:gsLst>
+                <a:lin ang="13500000" scaled="0"/>
+              </a:gradFill>
+              <a:ln>
+                <a:noFill/>
+              </a:ln>
+            </p:spPr>
+            <p:style>
+              <a:lnRef idx="2">
+                <a:schemeClr val="accent1">
+                  <a:shade val="50000"/>
+                </a:schemeClr>
+              </a:lnRef>
+              <a:fillRef idx="1">
+                <a:schemeClr val="accent1"/>
+              </a:fillRef>
+              <a:effectRef idx="0">
+                <a:schemeClr val="accent1"/>
+              </a:effectRef>
+              <a:fontRef idx="minor">
+                <a:schemeClr val="lt1"/>
+              </a:fontRef>
+            </p:style>
+            <p:txBody>
+              <a:bodyPr rtlCol="0" anchor="ctr"/>
+              <a:lstStyle/>
+              <a:p>
+                <a:pPr algn="ctr"/>
+                <a:endParaRPr lang="ko-KR" altLang="en-US"/>
+              </a:p>
+            </p:txBody>
+          </p:sp>
+          <p:sp>
+            <p:nvSpPr>
+              <p:cNvPr id="29" name="직사각형 28"/>
+              <p:cNvSpPr/>
+              <p:nvPr/>
+            </p:nvSpPr>
+            <p:spPr>
+              <a:xfrm>
+                <a:off x="4985283" y="3396151"/>
+                <a:ext cx="2218424" cy="25200"/>
+              </a:xfrm>
+              <a:prstGeom prst="rect">
+                <a:avLst/>
+              </a:prstGeom>
+              <a:solidFill>
+                <a:srgbClr val="A6A6A6"/>
+              </a:solidFill>
+              <a:ln>
+                <a:noFill/>
+              </a:ln>
+            </p:spPr>
+            <p:style>
+              <a:lnRef idx="2">
+                <a:schemeClr val="accent1">
+                  <a:shade val="50000"/>
+                </a:schemeClr>
+              </a:lnRef>
+              <a:fillRef idx="1">
+                <a:schemeClr val="accent1"/>
+              </a:fillRef>
+              <a:effectRef idx="0">
+                <a:schemeClr val="accent1"/>
+              </a:effectRef>
+              <a:fontRef idx="minor">
+                <a:schemeClr val="lt1"/>
+              </a:fontRef>
+            </p:style>
+            <p:txBody>
+              <a:bodyPr rtlCol="0" anchor="ctr"/>
+              <a:lstStyle/>
+              <a:p>
+                <a:pPr algn="ctr"/>
+                <a:endParaRPr lang="ko-KR" altLang="en-US"/>
+              </a:p>
+            </p:txBody>
+          </p:sp>
+        </p:grpSp>
+        <p:sp>
+          <p:nvSpPr>
+            <p:cNvPr id="26" name="TextBox 25"/>
+            <p:cNvSpPr txBox="1"/>
+            <p:nvPr/>
+          </p:nvSpPr>
+          <p:spPr>
+            <a:xfrm>
+              <a:off x="-684227" y="3128888"/>
+              <a:ext cx="1365441" cy="507831"/>
+            </a:xfrm>
+            <a:prstGeom prst="rect">
+              <a:avLst/>
+            </a:prstGeom>
+            <a:noFill/>
+            <a:ln>
+              <a:noFill/>
+            </a:ln>
+          </p:spPr>
+          <p:txBody>
+            <a:bodyPr wrap="square" rtlCol="0" anchor="ctr">
+              <a:spAutoFit/>
+            </a:bodyPr>
+            <a:lstStyle/>
+            <a:p>
+              <a:pPr algn="ctr"/>
+              <a:r>
+                <a:rPr lang="ko-KR" altLang="en-US" dirty="0">
+                  <a:solidFill>
+                    <a:schemeClr val="bg1">
+                      <a:lumMod val="65000"/>
+                    </a:schemeClr>
+                  </a:solidFill>
+                  <a:latin typeface="배달의민족 한나는 열한살" panose="020B0600000101010101" pitchFamily="50" charset="-127"/>
+                  <a:ea typeface="배달의민족 한나는 열한살" panose="020B0600000101010101" pitchFamily="50" charset="-127"/>
+                </a:rPr>
+                <a:t>보완점</a:t>
+              </a:r>
+            </a:p>
+            <a:p>
+              <a:pPr algn="ctr"/>
+              <a:r>
+                <a:rPr lang="en-US" altLang="ko-KR" sz="900" dirty="0">
+                  <a:solidFill>
+                    <a:srgbClr val="A6A6A6"/>
+                  </a:solidFill>
+                  <a:latin typeface="배달의민족 한나는 열한살" panose="020B0600000101010101" pitchFamily="50" charset="-127"/>
+                  <a:ea typeface="배달의민족 한나는 열한살" panose="020B0600000101010101" pitchFamily="50" charset="-127"/>
+                </a:rPr>
+                <a:t>complementary point</a:t>
+              </a:r>
+              <a:endParaRPr lang="ko-KR" altLang="en-US" sz="900" dirty="0">
+                <a:solidFill>
+                  <a:srgbClr val="A6A6A6"/>
+                </a:solidFill>
+                <a:latin typeface="배달의민족 한나는 열한살" panose="020B0600000101010101" pitchFamily="50" charset="-127"/>
+                <a:ea typeface="배달의민족 한나는 열한살" panose="020B0600000101010101" pitchFamily="50" charset="-127"/>
+              </a:endParaRPr>
+            </a:p>
+          </p:txBody>
+        </p:sp>
+      </p:grpSp>
+      <p:grpSp>
+        <p:nvGrpSpPr>
+          <p:cNvPr id="30" name="그룹 29"/>
+          <p:cNvGrpSpPr/>
+          <p:nvPr/>
+        </p:nvGrpSpPr>
+        <p:grpSpPr>
+          <a:xfrm rot="6128200">
+            <a:off x="4685658" y="2039227"/>
+            <a:ext cx="2820685" cy="2779547"/>
+            <a:chOff x="3271520" y="655320"/>
+            <a:chExt cx="5643245" cy="5547360"/>
+          </a:xfrm>
+        </p:grpSpPr>
+        <p:grpSp>
+          <p:nvGrpSpPr>
+            <p:cNvPr id="31" name="그룹 30"/>
+            <p:cNvGrpSpPr/>
+            <p:nvPr/>
+          </p:nvGrpSpPr>
+          <p:grpSpPr>
+            <a:xfrm>
+              <a:off x="3322320" y="655320"/>
+              <a:ext cx="5592445" cy="5547360"/>
+              <a:chOff x="3322320" y="655320"/>
+              <a:chExt cx="5592445" cy="5547360"/>
+            </a:xfrm>
+          </p:grpSpPr>
+          <p:sp>
+            <p:nvSpPr>
+              <p:cNvPr id="33" name="막힌 원호 32"/>
+              <p:cNvSpPr/>
+              <p:nvPr/>
+            </p:nvSpPr>
+            <p:spPr>
+              <a:xfrm>
+                <a:off x="3322320" y="655320"/>
+                <a:ext cx="5547360" cy="5547360"/>
+              </a:xfrm>
+              <a:prstGeom prst="blockArc">
+                <a:avLst>
+                  <a:gd name="adj1" fmla="val 3701085"/>
+                  <a:gd name="adj2" fmla="val 1393"/>
+                  <a:gd name="adj3" fmla="val 35"/>
+                </a:avLst>
+              </a:prstGeom>
+              <a:noFill/>
+              <a:ln w="6350" cap="rnd">
+                <a:solidFill>
+                  <a:schemeClr val="bg1"/>
+                </a:solidFill>
+              </a:ln>
+            </p:spPr>
+            <p:style>
+              <a:lnRef idx="2">
+                <a:schemeClr val="accent1">
+                  <a:shade val="50000"/>
+                </a:schemeClr>
+              </a:lnRef>
+              <a:fillRef idx="1">
+                <a:schemeClr val="accent1"/>
+              </a:fillRef>
+              <a:effectRef idx="0">
+                <a:schemeClr val="accent1"/>
+              </a:effectRef>
+              <a:fontRef idx="minor">
+                <a:schemeClr val="lt1"/>
+              </a:fontRef>
+            </p:style>
+            <p:txBody>
+              <a:bodyPr rtlCol="0" anchor="ctr"/>
+              <a:lstStyle/>
+              <a:p>
+                <a:pPr algn="ctr"/>
+                <a:endParaRPr lang="ko-KR" altLang="en-US">
+                  <a:solidFill>
+                    <a:schemeClr val="tx1"/>
+                  </a:solidFill>
+                </a:endParaRPr>
+              </a:p>
+            </p:txBody>
+          </p:sp>
+          <p:sp>
+            <p:nvSpPr>
+              <p:cNvPr id="34" name="타원 33"/>
+              <p:cNvSpPr/>
+              <p:nvPr/>
+            </p:nvSpPr>
+            <p:spPr>
+              <a:xfrm>
+                <a:off x="8820785" y="3382010"/>
+                <a:ext cx="93980" cy="93980"/>
+              </a:xfrm>
+              <a:prstGeom prst="ellipse">
+                <a:avLst/>
+              </a:prstGeom>
+              <a:solidFill>
+                <a:schemeClr val="bg1"/>
+              </a:solidFill>
+              <a:ln w="6350">
+                <a:solidFill>
+                  <a:schemeClr val="bg1"/>
+                </a:solidFill>
+              </a:ln>
+            </p:spPr>
+            <p:style>
+              <a:lnRef idx="2">
+                <a:schemeClr val="accent1">
+                  <a:shade val="50000"/>
+                </a:schemeClr>
+              </a:lnRef>
+              <a:fillRef idx="1">
+                <a:schemeClr val="accent1"/>
+              </a:fillRef>
+              <a:effectRef idx="0">
+                <a:schemeClr val="accent1"/>
+              </a:effectRef>
+              <a:fontRef idx="minor">
+                <a:schemeClr val="lt1"/>
+              </a:fontRef>
+            </p:style>
+            <p:txBody>
+              <a:bodyPr rtlCol="0" anchor="ctr"/>
+              <a:lstStyle/>
+              <a:p>
+                <a:pPr algn="ctr"/>
+                <a:endParaRPr lang="ko-KR" altLang="en-US"/>
+              </a:p>
+            </p:txBody>
+          </p:sp>
+        </p:grpSp>
+        <p:sp>
+          <p:nvSpPr>
+            <p:cNvPr id="32" name="타원 31"/>
+            <p:cNvSpPr/>
+            <p:nvPr/>
+          </p:nvSpPr>
+          <p:spPr>
+            <a:xfrm>
+              <a:off x="3271520" y="3404350"/>
+              <a:ext cx="93980" cy="93980"/>
+            </a:xfrm>
+            <a:prstGeom prst="ellipse">
+              <a:avLst/>
+            </a:prstGeom>
+            <a:noFill/>
+            <a:ln w="6350">
+              <a:noFill/>
+            </a:ln>
+          </p:spPr>
+          <p:style>
+            <a:lnRef idx="2">
+              <a:schemeClr val="accent1">
+                <a:shade val="50000"/>
+              </a:schemeClr>
+            </a:lnRef>
+            <a:fillRef idx="1">
+              <a:schemeClr val="accent1"/>
+            </a:fillRef>
+            <a:effectRef idx="0">
+              <a:schemeClr val="accent1"/>
+            </a:effectRef>
+            <a:fontRef idx="minor">
+              <a:schemeClr val="lt1"/>
+            </a:fontRef>
+          </p:style>
+          <p:txBody>
+            <a:bodyPr rtlCol="0" anchor="ctr"/>
+            <a:lstStyle/>
+            <a:p>
+              <a:pPr algn="ctr"/>
+              <a:endParaRPr lang="ko-KR" altLang="en-US"/>
+            </a:p>
+          </p:txBody>
+        </p:sp>
+      </p:grpSp>
+      <p:grpSp>
+        <p:nvGrpSpPr>
+          <p:cNvPr id="35" name="그룹 34"/>
+          <p:cNvGrpSpPr/>
+          <p:nvPr/>
+        </p:nvGrpSpPr>
+        <p:grpSpPr>
+          <a:xfrm>
+            <a:off x="4637898" y="1949213"/>
+            <a:ext cx="2916205" cy="2959575"/>
+            <a:chOff x="3185951" y="489572"/>
+            <a:chExt cx="5820098" cy="5921117"/>
+          </a:xfrm>
+        </p:grpSpPr>
+        <p:grpSp>
+          <p:nvGrpSpPr>
+            <p:cNvPr id="36" name="그룹 35"/>
+            <p:cNvGrpSpPr/>
+            <p:nvPr/>
+          </p:nvGrpSpPr>
+          <p:grpSpPr>
+            <a:xfrm>
+              <a:off x="3185951" y="541291"/>
+              <a:ext cx="5820098" cy="5869398"/>
+              <a:chOff x="3322320" y="655320"/>
+              <a:chExt cx="5547360" cy="5594350"/>
+            </a:xfrm>
+          </p:grpSpPr>
+          <p:sp>
+            <p:nvSpPr>
+              <p:cNvPr id="38" name="막힌 원호 37"/>
+              <p:cNvSpPr/>
+              <p:nvPr/>
+            </p:nvSpPr>
+            <p:spPr>
+              <a:xfrm>
+                <a:off x="3322320" y="655320"/>
+                <a:ext cx="5547360" cy="5547360"/>
+              </a:xfrm>
+              <a:prstGeom prst="blockArc">
+                <a:avLst>
+                  <a:gd name="adj1" fmla="val 5669555"/>
+                  <a:gd name="adj2" fmla="val 3194492"/>
+                  <a:gd name="adj3" fmla="val 0"/>
+                </a:avLst>
+              </a:prstGeom>
+              <a:noFill/>
+              <a:ln w="6350" cap="rnd">
+                <a:solidFill>
+                  <a:schemeClr val="bg1"/>
+                </a:solidFill>
+              </a:ln>
+            </p:spPr>
+            <p:style>
+              <a:lnRef idx="2">
+                <a:schemeClr val="accent1">
+                  <a:shade val="50000"/>
+                </a:schemeClr>
+              </a:lnRef>
+              <a:fillRef idx="1">
+                <a:schemeClr val="accent1"/>
+              </a:fillRef>
+              <a:effectRef idx="0">
+                <a:schemeClr val="accent1"/>
+              </a:effectRef>
+              <a:fontRef idx="minor">
+                <a:schemeClr val="lt1"/>
+              </a:fontRef>
+            </p:style>
+            <p:txBody>
+              <a:bodyPr rtlCol="0" anchor="ctr"/>
+              <a:lstStyle/>
+              <a:p>
+                <a:pPr algn="ctr"/>
+                <a:endParaRPr lang="ko-KR" altLang="en-US">
+                  <a:solidFill>
+                    <a:schemeClr val="tx1"/>
+                  </a:solidFill>
+                </a:endParaRPr>
+              </a:p>
+            </p:txBody>
+          </p:sp>
+          <p:sp>
+            <p:nvSpPr>
+              <p:cNvPr id="39" name="타원 38"/>
+              <p:cNvSpPr/>
+              <p:nvPr/>
+            </p:nvSpPr>
+            <p:spPr>
+              <a:xfrm>
+                <a:off x="5866156" y="6155690"/>
+                <a:ext cx="93980" cy="93980"/>
+              </a:xfrm>
+              <a:prstGeom prst="ellipse">
+                <a:avLst/>
+              </a:prstGeom>
+              <a:solidFill>
+                <a:schemeClr val="bg1"/>
+              </a:solidFill>
+              <a:ln w="6350">
+                <a:solidFill>
+                  <a:schemeClr val="bg1"/>
+                </a:solidFill>
+              </a:ln>
+            </p:spPr>
+            <p:style>
+              <a:lnRef idx="2">
+                <a:schemeClr val="accent1">
+                  <a:shade val="50000"/>
+                </a:schemeClr>
+              </a:lnRef>
+              <a:fillRef idx="1">
+                <a:schemeClr val="accent1"/>
+              </a:fillRef>
+              <a:effectRef idx="0">
+                <a:schemeClr val="accent1"/>
+              </a:effectRef>
+              <a:fontRef idx="minor">
+                <a:schemeClr val="lt1"/>
+              </a:fontRef>
+            </p:style>
+            <p:txBody>
+              <a:bodyPr rtlCol="0" anchor="ctr"/>
+              <a:lstStyle/>
+              <a:p>
+                <a:pPr algn="ctr"/>
+                <a:endParaRPr lang="ko-KR" altLang="en-US"/>
+              </a:p>
+            </p:txBody>
+          </p:sp>
+        </p:grpSp>
+        <p:sp>
+          <p:nvSpPr>
+            <p:cNvPr id="37" name="타원 36"/>
+            <p:cNvSpPr/>
+            <p:nvPr/>
+          </p:nvSpPr>
+          <p:spPr>
+            <a:xfrm>
+              <a:off x="5854856" y="489572"/>
+              <a:ext cx="98601" cy="98601"/>
+            </a:xfrm>
+            <a:prstGeom prst="ellipse">
+              <a:avLst/>
+            </a:prstGeom>
+            <a:noFill/>
+            <a:ln w="6350">
+              <a:noFill/>
+            </a:ln>
+          </p:spPr>
+          <p:style>
+            <a:lnRef idx="2">
+              <a:schemeClr val="accent1">
+                <a:shade val="50000"/>
+              </a:schemeClr>
+            </a:lnRef>
+            <a:fillRef idx="1">
+              <a:schemeClr val="accent1"/>
+            </a:fillRef>
+            <a:effectRef idx="0">
+              <a:schemeClr val="accent1"/>
+            </a:effectRef>
+            <a:fontRef idx="minor">
+              <a:schemeClr val="lt1"/>
+            </a:fontRef>
+          </p:style>
+          <p:txBody>
+            <a:bodyPr rtlCol="0" anchor="ctr"/>
+            <a:lstStyle/>
+            <a:p>
+              <a:pPr algn="ctr"/>
+              <a:endParaRPr lang="ko-KR" altLang="en-US"/>
+            </a:p>
+          </p:txBody>
+        </p:sp>
+      </p:grpSp>
+      <p:grpSp>
+        <p:nvGrpSpPr>
+          <p:cNvPr id="40" name="그룹 39"/>
+          <p:cNvGrpSpPr/>
+          <p:nvPr/>
+        </p:nvGrpSpPr>
+        <p:grpSpPr>
+          <a:xfrm rot="18836101">
+            <a:off x="4549445" y="1905000"/>
+            <a:ext cx="3093111" cy="3048000"/>
+            <a:chOff x="3271520" y="655320"/>
+            <a:chExt cx="5643245" cy="5547360"/>
+          </a:xfrm>
+        </p:grpSpPr>
+        <p:grpSp>
+          <p:nvGrpSpPr>
+            <p:cNvPr id="41" name="그룹 40"/>
+            <p:cNvGrpSpPr/>
+            <p:nvPr/>
+          </p:nvGrpSpPr>
+          <p:grpSpPr>
+            <a:xfrm>
+              <a:off x="3322320" y="655320"/>
+              <a:ext cx="5592445" cy="5547360"/>
+              <a:chOff x="3322320" y="655320"/>
+              <a:chExt cx="5592445" cy="5547360"/>
+            </a:xfrm>
+          </p:grpSpPr>
+          <p:sp>
+            <p:nvSpPr>
+              <p:cNvPr id="43" name="막힌 원호 42"/>
+              <p:cNvSpPr/>
+              <p:nvPr/>
+            </p:nvSpPr>
+            <p:spPr>
+              <a:xfrm>
+                <a:off x="3322320" y="655320"/>
+                <a:ext cx="5547360" cy="5547360"/>
+              </a:xfrm>
+              <a:prstGeom prst="blockArc">
+                <a:avLst>
+                  <a:gd name="adj1" fmla="val 1934179"/>
+                  <a:gd name="adj2" fmla="val 1393"/>
+                  <a:gd name="adj3" fmla="val 35"/>
+                </a:avLst>
+              </a:prstGeom>
+              <a:noFill/>
+              <a:ln w="6350" cap="rnd">
+                <a:solidFill>
+                  <a:schemeClr val="bg1"/>
+                </a:solidFill>
+              </a:ln>
+            </p:spPr>
+            <p:style>
+              <a:lnRef idx="2">
+                <a:schemeClr val="accent1">
+                  <a:shade val="50000"/>
+                </a:schemeClr>
+              </a:lnRef>
+              <a:fillRef idx="1">
+                <a:schemeClr val="accent1"/>
+              </a:fillRef>
+              <a:effectRef idx="0">
+                <a:schemeClr val="accent1"/>
+              </a:effectRef>
+              <a:fontRef idx="minor">
+                <a:schemeClr val="lt1"/>
+              </a:fontRef>
+            </p:style>
+            <p:txBody>
+              <a:bodyPr rtlCol="0" anchor="ctr"/>
+              <a:lstStyle/>
+              <a:p>
+                <a:pPr algn="ctr"/>
+                <a:endParaRPr lang="ko-KR" altLang="en-US">
+                  <a:solidFill>
+                    <a:schemeClr val="tx1"/>
+                  </a:solidFill>
+                </a:endParaRPr>
+              </a:p>
+            </p:txBody>
+          </p:sp>
+          <p:sp>
+            <p:nvSpPr>
+              <p:cNvPr id="44" name="타원 43"/>
+              <p:cNvSpPr/>
+              <p:nvPr/>
+            </p:nvSpPr>
+            <p:spPr>
+              <a:xfrm>
+                <a:off x="8820785" y="3382010"/>
+                <a:ext cx="93980" cy="93980"/>
+              </a:xfrm>
+              <a:prstGeom prst="ellipse">
+                <a:avLst/>
+              </a:prstGeom>
+              <a:solidFill>
+                <a:schemeClr val="bg1"/>
+              </a:solidFill>
+              <a:ln w="6350">
+                <a:solidFill>
+                  <a:schemeClr val="bg1"/>
+                </a:solidFill>
+              </a:ln>
+            </p:spPr>
+            <p:style>
+              <a:lnRef idx="2">
+                <a:schemeClr val="accent1">
+                  <a:shade val="50000"/>
+                </a:schemeClr>
+              </a:lnRef>
+              <a:fillRef idx="1">
+                <a:schemeClr val="accent1"/>
+              </a:fillRef>
+              <a:effectRef idx="0">
+                <a:schemeClr val="accent1"/>
+              </a:effectRef>
+              <a:fontRef idx="minor">
+                <a:schemeClr val="lt1"/>
+              </a:fontRef>
+            </p:style>
+            <p:txBody>
+              <a:bodyPr rtlCol="0" anchor="ctr"/>
+              <a:lstStyle/>
+              <a:p>
+                <a:pPr algn="ctr"/>
+                <a:endParaRPr lang="ko-KR" altLang="en-US"/>
+              </a:p>
+            </p:txBody>
+          </p:sp>
+        </p:grpSp>
+        <p:sp>
+          <p:nvSpPr>
+            <p:cNvPr id="42" name="타원 41"/>
             <p:cNvSpPr/>
             <p:nvPr/>
           </p:nvSpPr>
@@ -17341,13 +19325,16 @@
     </p:spTree>
     <p:extLst>
       <p:ext uri="{BB962C8B-B14F-4D97-AF65-F5344CB8AC3E}">
-        <p14:creationId xmlns:p14="http://schemas.microsoft.com/office/powerpoint/2010/main" val="1402057950"/>
+        <p14:creationId xmlns:p14="http://schemas.microsoft.com/office/powerpoint/2010/main" val="645121405"/>
       </p:ext>
     </p:extLst>
   </p:cSld>
   <p:clrMapOvr>
     <a:masterClrMapping/>
   </p:clrMapOvr>
+  <p:transition spd="slow">
+    <p:wipe dir="r"/>
+  </p:transition>
   <p:timing>
     <p:tnLst>
       <p:par>
@@ -17372,34 +19359,84 @@
                             </p:stCondLst>
                             <p:childTnLst>
                               <p:par>
-                                <p:cTn id="5" presetID="8" presetClass="emph" presetSubtype="0" repeatCount="indefinite" fill="hold" nodeType="withEffect">
+                                <p:cTn id="5" presetID="10" presetClass="entr" presetSubtype="0" fill="hold" nodeType="withEffect">
                                   <p:stCondLst>
-                                    <p:cond delay="0"/>
+                                    <p:cond delay="500"/>
                                   </p:stCondLst>
                                   <p:childTnLst>
-                                    <p:animRot by="21600000">
+                                    <p:set>
                                       <p:cBhvr>
-                                        <p:cTn id="6" dur="7000" fill="hold"/>
+                                        <p:cTn id="6" dur="1" fill="hold">
+                                          <p:stCondLst>
+                                            <p:cond delay="0"/>
+                                          </p:stCondLst>
+                                        </p:cTn>
+                                        <p:tgtEl>
+                                          <p:spTgt spid="66"/>
+                                        </p:tgtEl>
+                                        <p:attrNameLst>
+                                          <p:attrName>style.visibility</p:attrName>
+                                        </p:attrNameLst>
+                                      </p:cBhvr>
+                                      <p:to>
+                                        <p:strVal val="visible"/>
+                                      </p:to>
+                                    </p:set>
+                                    <p:animEffect transition="in" filter="fade">
+                                      <p:cBhvr>
+                                        <p:cTn id="7" dur="750"/>
+                                        <p:tgtEl>
+                                          <p:spTgt spid="66"/>
+                                        </p:tgtEl>
+                                      </p:cBhvr>
+                                    </p:animEffect>
+                                  </p:childTnLst>
+                                </p:cTn>
+                              </p:par>
+                              <p:par>
+                                <p:cTn id="8" presetID="10" presetClass="exit" presetSubtype="0" fill="hold" nodeType="withEffect">
+                                  <p:stCondLst>
+                                    <p:cond delay="500"/>
+                                  </p:stCondLst>
+                                  <p:childTnLst>
+                                    <p:animEffect transition="out" filter="fade">
+                                      <p:cBhvr>
+                                        <p:cTn id="9" dur="750"/>
+                                        <p:tgtEl>
+                                          <p:spTgt spid="17"/>
+                                        </p:tgtEl>
+                                      </p:cBhvr>
+                                    </p:animEffect>
+                                    <p:set>
+                                      <p:cBhvr>
+                                        <p:cTn id="10" dur="1" fill="hold">
+                                          <p:stCondLst>
+                                            <p:cond delay="749"/>
+                                          </p:stCondLst>
+                                        </p:cTn>
                                         <p:tgtEl>
                                           <p:spTgt spid="17"/>
                                         </p:tgtEl>
                                         <p:attrNameLst>
-                                          <p:attrName>r</p:attrName>
+                                          <p:attrName>style.visibility</p:attrName>
                                         </p:attrNameLst>
                                       </p:cBhvr>
-                                    </p:animRot>
+                                      <p:to>
+                                        <p:strVal val="hidden"/>
+                                      </p:to>
+                                    </p:set>
                                   </p:childTnLst>
                                 </p:cTn>
                               </p:par>
                               <p:par>
-                                <p:cTn id="7" presetID="8" presetClass="emph" presetSubtype="0" repeatCount="indefinite" fill="hold" nodeType="withEffect">
+                                <p:cTn id="11" presetID="8" presetClass="emph" presetSubtype="0" repeatCount="indefinite" fill="hold" nodeType="withEffect">
                                   <p:stCondLst>
                                     <p:cond delay="0"/>
                                   </p:stCondLst>
                                   <p:childTnLst>
                                     <p:animRot by="-21600000">
                                       <p:cBhvr>
-                                        <p:cTn id="8" dur="14000" fill="hold"/>
+                                        <p:cTn id="12" dur="14000" fill="hold"/>
                                         <p:tgtEl>
                                           <p:spTgt spid="12"/>
                                         </p:tgtEl>
@@ -17412,14 +19449,14 @@
                                 </p:cTn>
                               </p:par>
                               <p:par>
-                                <p:cTn id="9" presetID="8" presetClass="emph" presetSubtype="0" repeatCount="indefinite" fill="hold" nodeType="withEffect">
+                                <p:cTn id="13" presetID="8" presetClass="emph" presetSubtype="0" repeatCount="indefinite" fill="hold" nodeType="withEffect">
                                   <p:stCondLst>
                                     <p:cond delay="0"/>
                                   </p:stCondLst>
                                   <p:childTnLst>
                                     <p:animRot by="21600000">
                                       <p:cBhvr>
-                                        <p:cTn id="10" dur="10000" fill="hold"/>
+                                        <p:cTn id="14" dur="10000" fill="hold"/>
                                         <p:tgtEl>
                                           <p:spTgt spid="7"/>
                                         </p:tgtEl>
@@ -17432,36 +19469,14 @@
                                 </p:cTn>
                               </p:par>
                               <p:par>
-                                <p:cTn id="11" presetID="35" presetClass="path" presetSubtype="0" accel="50000" decel="50000" fill="hold" nodeType="withEffect">
+                                <p:cTn id="15" presetID="35" presetClass="path" presetSubtype="0" accel="50000" decel="50000" fill="hold" nodeType="withEffect">
                                   <p:stCondLst>
                                     <p:cond delay="0"/>
                                   </p:stCondLst>
                                   <p:childTnLst>
-                                    <p:animMotion origin="layout" path="M 0 0 L -0.5 0 " pathEditMode="relative" rAng="0" ptsTypes="AA">
+                                    <p:animMotion origin="layout" path="M 0 0 L 0.50039 0 " pathEditMode="relative" rAng="0" ptsTypes="AA">
                                       <p:cBhvr>
-                                        <p:cTn id="12" dur="1000" fill="hold"/>
-                                        <p:tgtEl>
-                                          <p:spTgt spid="17"/>
-                                        </p:tgtEl>
-                                        <p:attrNameLst>
-                                          <p:attrName>ppt_x</p:attrName>
-                                          <p:attrName>ppt_y</p:attrName>
-                                        </p:attrNameLst>
-                                      </p:cBhvr>
-                                      <p:rCtr x="-25000" y="0"/>
-                                    </p:animMotion>
-                                  </p:childTnLst>
-                                </p:cTn>
-                              </p:par>
-                              <p:par>
-                                <p:cTn id="13" presetID="35" presetClass="path" presetSubtype="0" accel="50000" decel="50000" fill="hold" nodeType="withEffect">
-                                  <p:stCondLst>
-                                    <p:cond delay="0"/>
-                                  </p:stCondLst>
-                                  <p:childTnLst>
-                                    <p:animMotion origin="layout" path="M 0 0 L -0.5 0 " pathEditMode="relative" rAng="0" ptsTypes="AA">
-                                      <p:cBhvr>
-                                        <p:cTn id="14" dur="1000" fill="hold"/>
+                                        <p:cTn id="16" dur="1000" fill="hold"/>
                                         <p:tgtEl>
                                           <p:spTgt spid="12"/>
                                         </p:tgtEl>
@@ -17470,29 +19485,7 @@
                                           <p:attrName>ppt_y</p:attrName>
                                         </p:attrNameLst>
                                       </p:cBhvr>
-                                      <p:rCtr x="-25000" y="0"/>
-                                    </p:animMotion>
-                                  </p:childTnLst>
-                                </p:cTn>
-                              </p:par>
-                              <p:par>
-                                <p:cTn id="15" presetID="35" presetClass="path" presetSubtype="0" accel="50000" decel="50000" fill="hold" nodeType="withEffect">
-                                  <p:stCondLst>
-                                    <p:cond delay="0"/>
-                                  </p:stCondLst>
-                                  <p:childTnLst>
-                                    <p:animMotion origin="layout" path="M 0 0 L -0.5 0 " pathEditMode="relative" rAng="0" ptsTypes="AA">
-                                      <p:cBhvr>
-                                        <p:cTn id="16" dur="1000" fill="hold"/>
-                                        <p:tgtEl>
-                                          <p:spTgt spid="7"/>
-                                        </p:tgtEl>
-                                        <p:attrNameLst>
-                                          <p:attrName>ppt_x</p:attrName>
-                                          <p:attrName>ppt_y</p:attrName>
-                                        </p:attrNameLst>
-                                      </p:cBhvr>
-                                      <p:rCtr x="-25000" y="0"/>
+                                      <p:rCtr x="25013" y="0"/>
                                     </p:animMotion>
                                   </p:childTnLst>
                                 </p:cTn>
@@ -17503,40 +19496,495 @@
                                     <p:cond delay="0"/>
                                   </p:stCondLst>
                                   <p:childTnLst>
-                                    <p:animMotion origin="layout" path="M 0 3.7037E-6 L -0.5 3.7037E-6 " pathEditMode="relative" rAng="0" ptsTypes="AA">
+                                    <p:animMotion origin="layout" path="M 0 0 L 0.50039 0 " pathEditMode="relative" rAng="0" ptsTypes="AA">
                                       <p:cBhvr>
                                         <p:cTn id="18" dur="1000" fill="hold"/>
                                         <p:tgtEl>
-                                          <p:spTgt spid="23"/>
+                                          <p:spTgt spid="7"/>
                                         </p:tgtEl>
                                         <p:attrNameLst>
                                           <p:attrName>ppt_x</p:attrName>
                                           <p:attrName>ppt_y</p:attrName>
                                         </p:attrNameLst>
                                       </p:cBhvr>
-                                      <p:rCtr x="-25000" y="0"/>
+                                      <p:rCtr x="25013" y="0"/>
                                     </p:animMotion>
                                   </p:childTnLst>
                                 </p:cTn>
                               </p:par>
                               <p:par>
-                                <p:cTn id="19" presetID="35" presetClass="path" presetSubtype="0" accel="50000" decel="50000" fill="hold" grpId="0" nodeType="withEffect">
+                                <p:cTn id="19" presetID="63" presetClass="path" presetSubtype="0" accel="50000" decel="50000" fill="hold" nodeType="withEffect">
                                   <p:stCondLst>
                                     <p:cond delay="0"/>
                                   </p:stCondLst>
                                   <p:childTnLst>
-                                    <p:animMotion origin="layout" path="M 2.08333E-6 2.96296E-6 L -0.41224 2.96296E-6 " pathEditMode="relative" rAng="0" ptsTypes="AA">
+                                    <p:animMotion origin="layout" path="M 0 3.7037E-6 L 0.50078 0.00254 " pathEditMode="relative" rAng="0" ptsTypes="AA">
                                       <p:cBhvr>
                                         <p:cTn id="20" dur="1000" fill="hold"/>
                                         <p:tgtEl>
-                                          <p:spTgt spid="5"/>
+                                          <p:spTgt spid="17"/>
                                         </p:tgtEl>
                                         <p:attrNameLst>
                                           <p:attrName>ppt_x</p:attrName>
                                           <p:attrName>ppt_y</p:attrName>
                                         </p:attrNameLst>
                                       </p:cBhvr>
-                                      <p:rCtr x="-20612" y="0"/>
+                                      <p:rCtr x="25039" y="116"/>
+                                    </p:animMotion>
+                                  </p:childTnLst>
+                                </p:cTn>
+                              </p:par>
+                              <p:par>
+                                <p:cTn id="21" presetID="8" presetClass="emph" presetSubtype="0" repeatCount="indefinite" fill="hold" nodeType="withEffect">
+                                  <p:stCondLst>
+                                    <p:cond delay="0"/>
+                                  </p:stCondLst>
+                                  <p:childTnLst>
+                                    <p:animRot by="21600000">
+                                      <p:cBhvr>
+                                        <p:cTn id="22" dur="7000" fill="hold"/>
+                                        <p:tgtEl>
+                                          <p:spTgt spid="18"/>
+                                        </p:tgtEl>
+                                        <p:attrNameLst>
+                                          <p:attrName>r</p:attrName>
+                                        </p:attrNameLst>
+                                      </p:cBhvr>
+                                    </p:animRot>
+                                  </p:childTnLst>
+                                </p:cTn>
+                              </p:par>
+                              <p:par>
+                                <p:cTn id="23" presetID="35" presetClass="path" presetSubtype="0" accel="50000" decel="50000" fill="hold" nodeType="withEffect">
+                                  <p:stCondLst>
+                                    <p:cond delay="0"/>
+                                  </p:stCondLst>
+                                  <p:childTnLst>
+                                    <p:animMotion origin="layout" path="M 0 0 L 0.50039 0 " pathEditMode="relative" rAng="0" ptsTypes="AA">
+                                      <p:cBhvr>
+                                        <p:cTn id="24" dur="1000" fill="hold"/>
+                                        <p:tgtEl>
+                                          <p:spTgt spid="18"/>
+                                        </p:tgtEl>
+                                        <p:attrNameLst>
+                                          <p:attrName>ppt_x</p:attrName>
+                                          <p:attrName>ppt_y</p:attrName>
+                                        </p:attrNameLst>
+                                      </p:cBhvr>
+                                      <p:rCtr x="25013" y="0"/>
+                                    </p:animMotion>
+                                  </p:childTnLst>
+                                </p:cTn>
+                              </p:par>
+                              <p:par>
+                                <p:cTn id="25" presetID="63" presetClass="path" presetSubtype="0" accel="50000" decel="50000" fill="hold" nodeType="withEffect">
+                                  <p:stCondLst>
+                                    <p:cond delay="0"/>
+                                  </p:stCondLst>
+                                  <p:childTnLst>
+                                    <p:animMotion origin="layout" path="M 0 1.11111E-6 L 0.50078 0.00255 " pathEditMode="relative" rAng="0" ptsTypes="AA">
+                                      <p:cBhvr>
+                                        <p:cTn id="26" dur="1000" fill="hold"/>
+                                        <p:tgtEl>
+                                          <p:spTgt spid="66"/>
+                                        </p:tgtEl>
+                                        <p:attrNameLst>
+                                          <p:attrName>ppt_x</p:attrName>
+                                          <p:attrName>ppt_y</p:attrName>
+                                        </p:attrNameLst>
+                                      </p:cBhvr>
+                                      <p:rCtr x="25039" y="116"/>
+                                    </p:animMotion>
+                                  </p:childTnLst>
+                                </p:cTn>
+                              </p:par>
+                              <p:par>
+                                <p:cTn id="27" presetID="1" presetClass="exit" presetSubtype="0" fill="hold" nodeType="withEffect">
+                                  <p:stCondLst>
+                                    <p:cond delay="1750"/>
+                                  </p:stCondLst>
+                                  <p:childTnLst>
+                                    <p:set>
+                                      <p:cBhvr>
+                                        <p:cTn id="28" dur="1" fill="hold">
+                                          <p:stCondLst>
+                                            <p:cond delay="0"/>
+                                          </p:stCondLst>
+                                        </p:cTn>
+                                        <p:tgtEl>
+                                          <p:spTgt spid="66"/>
+                                        </p:tgtEl>
+                                        <p:attrNameLst>
+                                          <p:attrName>style.visibility</p:attrName>
+                                        </p:attrNameLst>
+                                      </p:cBhvr>
+                                      <p:to>
+                                        <p:strVal val="hidden"/>
+                                      </p:to>
+                                    </p:set>
+                                  </p:childTnLst>
+                                </p:cTn>
+                              </p:par>
+                              <p:par>
+                                <p:cTn id="29" presetID="1" presetClass="exit" presetSubtype="0" fill="hold" nodeType="withEffect">
+                                  <p:stCondLst>
+                                    <p:cond delay="1750"/>
+                                  </p:stCondLst>
+                                  <p:childTnLst>
+                                    <p:set>
+                                      <p:cBhvr>
+                                        <p:cTn id="30" dur="1" fill="hold">
+                                          <p:stCondLst>
+                                            <p:cond delay="0"/>
+                                          </p:stCondLst>
+                                        </p:cTn>
+                                        <p:tgtEl>
+                                          <p:spTgt spid="17"/>
+                                        </p:tgtEl>
+                                        <p:attrNameLst>
+                                          <p:attrName>style.visibility</p:attrName>
+                                        </p:attrNameLst>
+                                      </p:cBhvr>
+                                      <p:to>
+                                        <p:strVal val="hidden"/>
+                                      </p:to>
+                                    </p:set>
+                                  </p:childTnLst>
+                                </p:cTn>
+                              </p:par>
+                              <p:par>
+                                <p:cTn id="31" presetID="1" presetClass="exit" presetSubtype="0" fill="hold" nodeType="withEffect">
+                                  <p:stCondLst>
+                                    <p:cond delay="1750"/>
+                                  </p:stCondLst>
+                                  <p:childTnLst>
+                                    <p:set>
+                                      <p:cBhvr>
+                                        <p:cTn id="32" dur="1" fill="hold">
+                                          <p:stCondLst>
+                                            <p:cond delay="0"/>
+                                          </p:stCondLst>
+                                        </p:cTn>
+                                        <p:tgtEl>
+                                          <p:spTgt spid="12"/>
+                                        </p:tgtEl>
+                                        <p:attrNameLst>
+                                          <p:attrName>style.visibility</p:attrName>
+                                        </p:attrNameLst>
+                                      </p:cBhvr>
+                                      <p:to>
+                                        <p:strVal val="hidden"/>
+                                      </p:to>
+                                    </p:set>
+                                  </p:childTnLst>
+                                </p:cTn>
+                              </p:par>
+                              <p:par>
+                                <p:cTn id="33" presetID="1" presetClass="exit" presetSubtype="0" fill="hold" nodeType="withEffect">
+                                  <p:stCondLst>
+                                    <p:cond delay="1750"/>
+                                  </p:stCondLst>
+                                  <p:childTnLst>
+                                    <p:set>
+                                      <p:cBhvr>
+                                        <p:cTn id="34" dur="1" fill="hold">
+                                          <p:stCondLst>
+                                            <p:cond delay="0"/>
+                                          </p:stCondLst>
+                                        </p:cTn>
+                                        <p:tgtEl>
+                                          <p:spTgt spid="7"/>
+                                        </p:tgtEl>
+                                        <p:attrNameLst>
+                                          <p:attrName>style.visibility</p:attrName>
+                                        </p:attrNameLst>
+                                      </p:cBhvr>
+                                      <p:to>
+                                        <p:strVal val="hidden"/>
+                                      </p:to>
+                                    </p:set>
+                                  </p:childTnLst>
+                                </p:cTn>
+                              </p:par>
+                              <p:par>
+                                <p:cTn id="35" presetID="1" presetClass="exit" presetSubtype="0" fill="hold" nodeType="withEffect">
+                                  <p:stCondLst>
+                                    <p:cond delay="1750"/>
+                                  </p:stCondLst>
+                                  <p:childTnLst>
+                                    <p:set>
+                                      <p:cBhvr>
+                                        <p:cTn id="36" dur="1" fill="hold">
+                                          <p:stCondLst>
+                                            <p:cond delay="0"/>
+                                          </p:stCondLst>
+                                        </p:cTn>
+                                        <p:tgtEl>
+                                          <p:spTgt spid="18"/>
+                                        </p:tgtEl>
+                                        <p:attrNameLst>
+                                          <p:attrName>style.visibility</p:attrName>
+                                        </p:attrNameLst>
+                                      </p:cBhvr>
+                                      <p:to>
+                                        <p:strVal val="hidden"/>
+                                      </p:to>
+                                    </p:set>
+                                  </p:childTnLst>
+                                </p:cTn>
+                              </p:par>
+                              <p:par>
+                                <p:cTn id="37" presetID="1" presetClass="entr" presetSubtype="0" fill="hold" nodeType="withEffect">
+                                  <p:stCondLst>
+                                    <p:cond delay="1750"/>
+                                  </p:stCondLst>
+                                  <p:childTnLst>
+                                    <p:set>
+                                      <p:cBhvr>
+                                        <p:cTn id="38" dur="1" fill="hold">
+                                          <p:stCondLst>
+                                            <p:cond delay="0"/>
+                                          </p:stCondLst>
+                                        </p:cTn>
+                                        <p:tgtEl>
+                                          <p:spTgt spid="35"/>
+                                        </p:tgtEl>
+                                        <p:attrNameLst>
+                                          <p:attrName>style.visibility</p:attrName>
+                                        </p:attrNameLst>
+                                      </p:cBhvr>
+                                      <p:to>
+                                        <p:strVal val="visible"/>
+                                      </p:to>
+                                    </p:set>
+                                  </p:childTnLst>
+                                </p:cTn>
+                              </p:par>
+                              <p:par>
+                                <p:cTn id="39" presetID="1" presetClass="entr" presetSubtype="0" fill="hold" nodeType="withEffect">
+                                  <p:stCondLst>
+                                    <p:cond delay="1750"/>
+                                  </p:stCondLst>
+                                  <p:childTnLst>
+                                    <p:set>
+                                      <p:cBhvr>
+                                        <p:cTn id="40" dur="1" fill="hold">
+                                          <p:stCondLst>
+                                            <p:cond delay="0"/>
+                                          </p:stCondLst>
+                                        </p:cTn>
+                                        <p:tgtEl>
+                                          <p:spTgt spid="30"/>
+                                        </p:tgtEl>
+                                        <p:attrNameLst>
+                                          <p:attrName>style.visibility</p:attrName>
+                                        </p:attrNameLst>
+                                      </p:cBhvr>
+                                      <p:to>
+                                        <p:strVal val="visible"/>
+                                      </p:to>
+                                    </p:set>
+                                  </p:childTnLst>
+                                </p:cTn>
+                              </p:par>
+                              <p:par>
+                                <p:cTn id="41" presetID="1" presetClass="entr" presetSubtype="0" fill="hold" nodeType="withEffect">
+                                  <p:stCondLst>
+                                    <p:cond delay="1750"/>
+                                  </p:stCondLst>
+                                  <p:childTnLst>
+                                    <p:set>
+                                      <p:cBhvr>
+                                        <p:cTn id="42" dur="1" fill="hold">
+                                          <p:stCondLst>
+                                            <p:cond delay="0"/>
+                                          </p:stCondLst>
+                                        </p:cTn>
+                                        <p:tgtEl>
+                                          <p:spTgt spid="40"/>
+                                        </p:tgtEl>
+                                        <p:attrNameLst>
+                                          <p:attrName>style.visibility</p:attrName>
+                                        </p:attrNameLst>
+                                      </p:cBhvr>
+                                      <p:to>
+                                        <p:strVal val="visible"/>
+                                      </p:to>
+                                    </p:set>
+                                  </p:childTnLst>
+                                </p:cTn>
+                              </p:par>
+                              <p:par>
+                                <p:cTn id="43" presetID="1" presetClass="entr" presetSubtype="0" fill="hold" nodeType="withEffect">
+                                  <p:stCondLst>
+                                    <p:cond delay="1750"/>
+                                  </p:stCondLst>
+                                  <p:childTnLst>
+                                    <p:set>
+                                      <p:cBhvr>
+                                        <p:cTn id="44" dur="1" fill="hold">
+                                          <p:stCondLst>
+                                            <p:cond delay="0"/>
+                                          </p:stCondLst>
+                                        </p:cTn>
+                                        <p:tgtEl>
+                                          <p:spTgt spid="24"/>
+                                        </p:tgtEl>
+                                        <p:attrNameLst>
+                                          <p:attrName>style.visibility</p:attrName>
+                                        </p:attrNameLst>
+                                      </p:cBhvr>
+                                      <p:to>
+                                        <p:strVal val="visible"/>
+                                      </p:to>
+                                    </p:set>
+                                  </p:childTnLst>
+                                </p:cTn>
+                              </p:par>
+                              <p:par>
+                                <p:cTn id="45" presetID="8" presetClass="emph" presetSubtype="0" repeatCount="indefinite" fill="hold" nodeType="withEffect">
+                                  <p:stCondLst>
+                                    <p:cond delay="1750"/>
+                                  </p:stCondLst>
+                                  <p:childTnLst>
+                                    <p:animRot by="-21600000">
+                                      <p:cBhvr>
+                                        <p:cTn id="46" dur="14000" fill="hold"/>
+                                        <p:tgtEl>
+                                          <p:spTgt spid="35"/>
+                                        </p:tgtEl>
+                                        <p:attrNameLst>
+                                          <p:attrName>r</p:attrName>
+                                        </p:attrNameLst>
+                                      </p:cBhvr>
+                                    </p:animRot>
+                                  </p:childTnLst>
+                                </p:cTn>
+                              </p:par>
+                              <p:par>
+                                <p:cTn id="47" presetID="8" presetClass="emph" presetSubtype="0" repeatCount="indefinite" fill="hold" nodeType="withEffect">
+                                  <p:stCondLst>
+                                    <p:cond delay="1750"/>
+                                  </p:stCondLst>
+                                  <p:childTnLst>
+                                    <p:animRot by="21600000">
+                                      <p:cBhvr>
+                                        <p:cTn id="48" dur="10000" fill="hold"/>
+                                        <p:tgtEl>
+                                          <p:spTgt spid="30"/>
+                                        </p:tgtEl>
+                                        <p:attrNameLst>
+                                          <p:attrName>r</p:attrName>
+                                        </p:attrNameLst>
+                                      </p:cBhvr>
+                                    </p:animRot>
+                                  </p:childTnLst>
+                                </p:cTn>
+                              </p:par>
+                              <p:par>
+                                <p:cTn id="49" presetID="8" presetClass="emph" presetSubtype="0" repeatCount="indefinite" fill="hold" nodeType="withEffect">
+                                  <p:stCondLst>
+                                    <p:cond delay="1750"/>
+                                  </p:stCondLst>
+                                  <p:childTnLst>
+                                    <p:animRot by="21600000">
+                                      <p:cBhvr>
+                                        <p:cTn id="50" dur="7000" fill="hold"/>
+                                        <p:tgtEl>
+                                          <p:spTgt spid="40"/>
+                                        </p:tgtEl>
+                                        <p:attrNameLst>
+                                          <p:attrName>r</p:attrName>
+                                        </p:attrNameLst>
+                                      </p:cBhvr>
+                                    </p:animRot>
+                                  </p:childTnLst>
+                                </p:cTn>
+                              </p:par>
+                              <p:par>
+                                <p:cTn id="51" presetID="35" presetClass="path" presetSubtype="0" accel="50000" decel="50000" fill="hold" nodeType="withEffect">
+                                  <p:stCondLst>
+                                    <p:cond delay="1750"/>
+                                  </p:stCondLst>
+                                  <p:childTnLst>
+                                    <p:animMotion origin="layout" path="M 0 0 L -0.36602 -0.25903 " pathEditMode="relative" rAng="0" ptsTypes="AA">
+                                      <p:cBhvr>
+                                        <p:cTn id="52" dur="1000" fill="hold"/>
+                                        <p:tgtEl>
+                                          <p:spTgt spid="35"/>
+                                        </p:tgtEl>
+                                        <p:attrNameLst>
+                                          <p:attrName>ppt_x</p:attrName>
+                                          <p:attrName>ppt_y</p:attrName>
+                                        </p:attrNameLst>
+                                      </p:cBhvr>
+                                      <p:rCtr x="-18307" y="-12963"/>
+                                    </p:animMotion>
+                                  </p:childTnLst>
+                                </p:cTn>
+                              </p:par>
+                              <p:par>
+                                <p:cTn id="53" presetID="35" presetClass="path" presetSubtype="0" accel="50000" decel="50000" fill="hold" nodeType="withEffect">
+                                  <p:stCondLst>
+                                    <p:cond delay="1750"/>
+                                  </p:stCondLst>
+                                  <p:childTnLst>
+                                    <p:animMotion origin="layout" path="M 0 0 L -0.36549 -0.25903 " pathEditMode="relative" rAng="0" ptsTypes="AA">
+                                      <p:cBhvr>
+                                        <p:cTn id="54" dur="1000" fill="hold"/>
+                                        <p:tgtEl>
+                                          <p:spTgt spid="30"/>
+                                        </p:tgtEl>
+                                        <p:attrNameLst>
+                                          <p:attrName>ppt_x</p:attrName>
+                                          <p:attrName>ppt_y</p:attrName>
+                                        </p:attrNameLst>
+                                      </p:cBhvr>
+                                      <p:rCtr x="-18281" y="-12963"/>
+                                    </p:animMotion>
+                                  </p:childTnLst>
+                                </p:cTn>
+                              </p:par>
+                              <p:par>
+                                <p:cTn id="55" presetID="35" presetClass="path" presetSubtype="0" accel="50000" decel="50000" fill="hold" nodeType="withEffect">
+                                  <p:stCondLst>
+                                    <p:cond delay="1750"/>
+                                  </p:stCondLst>
+                                  <p:childTnLst>
+                                    <p:animMotion origin="layout" path="M 0 0 L -0.36549 -0.25671 " pathEditMode="relative" rAng="0" ptsTypes="AA">
+                                      <p:cBhvr>
+                                        <p:cTn id="56" dur="1000" fill="hold"/>
+                                        <p:tgtEl>
+                                          <p:spTgt spid="40"/>
+                                        </p:tgtEl>
+                                        <p:attrNameLst>
+                                          <p:attrName>ppt_x</p:attrName>
+                                          <p:attrName>ppt_y</p:attrName>
+                                        </p:attrNameLst>
+                                      </p:cBhvr>
+                                      <p:rCtr x="-18281" y="-12847"/>
+                                    </p:animMotion>
+                                  </p:childTnLst>
+                                </p:cTn>
+                              </p:par>
+                              <p:par>
+                                <p:cTn id="57" presetID="35" presetClass="path" presetSubtype="0" accel="50000" decel="50000" fill="hold" nodeType="withEffect">
+                                  <p:stCondLst>
+                                    <p:cond delay="1750"/>
+                                  </p:stCondLst>
+                                  <p:childTnLst>
+                                    <p:animMotion origin="layout" path="M -1.25E-6 -7.40741E-7 L -0.3668 -0.25718 " pathEditMode="relative" rAng="0" ptsTypes="AA">
+                                      <p:cBhvr>
+                                        <p:cTn id="58" dur="1000" fill="hold"/>
+                                        <p:tgtEl>
+                                          <p:spTgt spid="24"/>
+                                        </p:tgtEl>
+                                        <p:attrNameLst>
+                                          <p:attrName>ppt_x</p:attrName>
+                                          <p:attrName>ppt_y</p:attrName>
+                                        </p:attrNameLst>
+                                      </p:cBhvr>
+                                      <p:rCtr x="-18346" y="-12870"/>
                                     </p:animMotion>
                                   </p:childTnLst>
                                 </p:cTn>
@@ -17568,9 +20016,1721 @@
         </p:cTn>
       </p:par>
     </p:tnLst>
-    <p:bldLst>
-      <p:bldP spid="5" grpId="0"/>
-    </p:bldLst>
+  </p:timing>
+</p:sld>
+</file>
+
+<file path=ppt/slides/slide7.xml><?xml version="1.0" encoding="utf-8"?>
+<p:sld xmlns:a="http://schemas.openxmlformats.org/drawingml/2006/main" xmlns:r="http://schemas.openxmlformats.org/officeDocument/2006/relationships" xmlns:p="http://schemas.openxmlformats.org/presentationml/2006/main">
+  <p:cSld>
+    <p:bg>
+      <p:bgPr>
+        <a:gradFill>
+          <a:gsLst>
+            <a:gs pos="35000">
+              <a:schemeClr val="accent6">
+                <a:lumMod val="20000"/>
+                <a:lumOff val="80000"/>
+              </a:schemeClr>
+            </a:gs>
+            <a:gs pos="0">
+              <a:schemeClr val="bg1">
+                <a:lumMod val="95000"/>
+              </a:schemeClr>
+            </a:gs>
+            <a:gs pos="50000">
+              <a:schemeClr val="accent1">
+                <a:lumMod val="20000"/>
+                <a:lumOff val="80000"/>
+              </a:schemeClr>
+            </a:gs>
+            <a:gs pos="65000">
+              <a:schemeClr val="accent2">
+                <a:lumMod val="20000"/>
+                <a:lumOff val="80000"/>
+              </a:schemeClr>
+            </a:gs>
+            <a:gs pos="100000">
+              <a:schemeClr val="accent4">
+                <a:lumMod val="20000"/>
+                <a:lumOff val="80000"/>
+              </a:schemeClr>
+            </a:gs>
+          </a:gsLst>
+          <a:lin ang="4200000" scaled="0"/>
+        </a:gradFill>
+        <a:effectLst/>
+      </p:bgPr>
+    </p:bg>
+    <p:spTree>
+      <p:nvGrpSpPr>
+        <p:cNvPr id="1" name=""/>
+        <p:cNvGrpSpPr/>
+        <p:nvPr/>
+      </p:nvGrpSpPr>
+      <p:grpSpPr>
+        <a:xfrm>
+          <a:off x="0" y="0"/>
+          <a:ext cx="0" cy="0"/>
+          <a:chOff x="0" y="0"/>
+          <a:chExt cx="0" cy="0"/>
+        </a:xfrm>
+      </p:grpSpPr>
+      <p:grpSp>
+        <p:nvGrpSpPr>
+          <p:cNvPr id="17" name="그룹 16"/>
+          <p:cNvGrpSpPr/>
+          <p:nvPr/>
+        </p:nvGrpSpPr>
+        <p:grpSpPr>
+          <a:xfrm>
+            <a:off x="-1331055" y="2077101"/>
+            <a:ext cx="2662109" cy="2655607"/>
+            <a:chOff x="-1331055" y="2077101"/>
+            <a:chExt cx="2662109" cy="2655607"/>
+          </a:xfrm>
+        </p:grpSpPr>
+        <p:grpSp>
+          <p:nvGrpSpPr>
+            <p:cNvPr id="2" name="그룹 1"/>
+            <p:cNvGrpSpPr/>
+            <p:nvPr/>
+          </p:nvGrpSpPr>
+          <p:grpSpPr>
+            <a:xfrm>
+              <a:off x="-1331055" y="2077101"/>
+              <a:ext cx="2662109" cy="2655607"/>
+              <a:chOff x="4764946" y="2077101"/>
+              <a:chExt cx="2662109" cy="2655607"/>
+            </a:xfrm>
+          </p:grpSpPr>
+          <p:sp>
+            <p:nvSpPr>
+              <p:cNvPr id="3" name="타원 2"/>
+              <p:cNvSpPr/>
+              <p:nvPr/>
+            </p:nvSpPr>
+            <p:spPr>
+              <a:xfrm>
+                <a:off x="4764946" y="2077101"/>
+                <a:ext cx="2662109" cy="2655607"/>
+              </a:xfrm>
+              <a:prstGeom prst="ellipse">
+                <a:avLst/>
+              </a:prstGeom>
+              <a:solidFill>
+                <a:schemeClr val="bg1"/>
+              </a:solidFill>
+              <a:ln>
+                <a:solidFill>
+                  <a:schemeClr val="bg1"/>
+                </a:solidFill>
+              </a:ln>
+            </p:spPr>
+            <p:style>
+              <a:lnRef idx="2">
+                <a:schemeClr val="accent1">
+                  <a:shade val="50000"/>
+                </a:schemeClr>
+              </a:lnRef>
+              <a:fillRef idx="1">
+                <a:schemeClr val="accent1"/>
+              </a:fillRef>
+              <a:effectRef idx="0">
+                <a:schemeClr val="accent1"/>
+              </a:effectRef>
+              <a:fontRef idx="minor">
+                <a:schemeClr val="lt1"/>
+              </a:fontRef>
+            </p:style>
+            <p:txBody>
+              <a:bodyPr rtlCol="0" anchor="ctr"/>
+              <a:lstStyle/>
+              <a:p>
+                <a:pPr algn="ctr"/>
+                <a:endParaRPr lang="ko-KR" altLang="en-US"/>
+              </a:p>
+            </p:txBody>
+          </p:sp>
+          <p:sp>
+            <p:nvSpPr>
+              <p:cNvPr id="4" name="타원 3"/>
+              <p:cNvSpPr/>
+              <p:nvPr/>
+            </p:nvSpPr>
+            <p:spPr>
+              <a:xfrm>
+                <a:off x="4986788" y="2298401"/>
+                <a:ext cx="2218424" cy="2213006"/>
+              </a:xfrm>
+              <a:prstGeom prst="ellipse">
+                <a:avLst/>
+              </a:prstGeom>
+              <a:gradFill>
+                <a:gsLst>
+                  <a:gs pos="70000">
+                    <a:schemeClr val="accent4">
+                      <a:lumMod val="20000"/>
+                      <a:lumOff val="80000"/>
+                    </a:schemeClr>
+                  </a:gs>
+                  <a:gs pos="41000">
+                    <a:schemeClr val="accent2">
+                      <a:lumMod val="20000"/>
+                      <a:lumOff val="80000"/>
+                    </a:schemeClr>
+                  </a:gs>
+                  <a:gs pos="0">
+                    <a:schemeClr val="accent1">
+                      <a:lumMod val="20000"/>
+                      <a:lumOff val="80000"/>
+                    </a:schemeClr>
+                  </a:gs>
+                  <a:gs pos="100000">
+                    <a:schemeClr val="accent6">
+                      <a:lumMod val="20000"/>
+                      <a:lumOff val="80000"/>
+                    </a:schemeClr>
+                  </a:gs>
+                </a:gsLst>
+                <a:lin ang="13500000" scaled="0"/>
+              </a:gradFill>
+              <a:ln>
+                <a:noFill/>
+              </a:ln>
+            </p:spPr>
+            <p:style>
+              <a:lnRef idx="2">
+                <a:schemeClr val="accent1">
+                  <a:shade val="50000"/>
+                </a:schemeClr>
+              </a:lnRef>
+              <a:fillRef idx="1">
+                <a:schemeClr val="accent1"/>
+              </a:fillRef>
+              <a:effectRef idx="0">
+                <a:schemeClr val="accent1"/>
+              </a:effectRef>
+              <a:fontRef idx="minor">
+                <a:schemeClr val="lt1"/>
+              </a:fontRef>
+            </p:style>
+            <p:txBody>
+              <a:bodyPr rtlCol="0" anchor="ctr"/>
+              <a:lstStyle/>
+              <a:p>
+                <a:pPr algn="ctr"/>
+                <a:endParaRPr lang="ko-KR" altLang="en-US"/>
+              </a:p>
+            </p:txBody>
+          </p:sp>
+          <p:sp>
+            <p:nvSpPr>
+              <p:cNvPr id="5" name="직사각형 4"/>
+              <p:cNvSpPr/>
+              <p:nvPr/>
+            </p:nvSpPr>
+            <p:spPr>
+              <a:xfrm>
+                <a:off x="4985283" y="3416471"/>
+                <a:ext cx="2218424" cy="25200"/>
+              </a:xfrm>
+              <a:prstGeom prst="rect">
+                <a:avLst/>
+              </a:prstGeom>
+              <a:solidFill>
+                <a:srgbClr val="A6A6A6"/>
+              </a:solidFill>
+              <a:ln>
+                <a:noFill/>
+              </a:ln>
+            </p:spPr>
+            <p:style>
+              <a:lnRef idx="2">
+                <a:schemeClr val="accent1">
+                  <a:shade val="50000"/>
+                </a:schemeClr>
+              </a:lnRef>
+              <a:fillRef idx="1">
+                <a:schemeClr val="accent1"/>
+              </a:fillRef>
+              <a:effectRef idx="0">
+                <a:schemeClr val="accent1"/>
+              </a:effectRef>
+              <a:fontRef idx="minor">
+                <a:schemeClr val="lt1"/>
+              </a:fontRef>
+            </p:style>
+            <p:txBody>
+              <a:bodyPr rtlCol="0" anchor="ctr"/>
+              <a:lstStyle/>
+              <a:p>
+                <a:pPr algn="ctr"/>
+                <a:endParaRPr lang="ko-KR" altLang="en-US"/>
+              </a:p>
+            </p:txBody>
+          </p:sp>
+        </p:grpSp>
+        <p:sp>
+          <p:nvSpPr>
+            <p:cNvPr id="6" name="TextBox 5"/>
+            <p:cNvSpPr txBox="1"/>
+            <p:nvPr/>
+          </p:nvSpPr>
+          <p:spPr>
+            <a:xfrm>
+              <a:off x="19479" y="3128888"/>
+              <a:ext cx="1072180" cy="507831"/>
+            </a:xfrm>
+            <a:prstGeom prst="rect">
+              <a:avLst/>
+            </a:prstGeom>
+            <a:noFill/>
+          </p:spPr>
+          <p:txBody>
+            <a:bodyPr wrap="square" rtlCol="0" anchor="ctr">
+              <a:spAutoFit/>
+            </a:bodyPr>
+            <a:lstStyle/>
+            <a:p>
+              <a:r>
+                <a:rPr lang="ko-KR" altLang="en-US" dirty="0" smtClean="0">
+                  <a:solidFill>
+                    <a:schemeClr val="bg1">
+                      <a:lumMod val="65000"/>
+                    </a:schemeClr>
+                  </a:solidFill>
+                  <a:latin typeface="배달의민족 한나는 열한살" panose="020B0600000101010101" pitchFamily="50" charset="-127"/>
+                  <a:ea typeface="배달의민족 한나는 열한살" panose="020B0600000101010101" pitchFamily="50" charset="-127"/>
+                </a:rPr>
+                <a:t>시연 영상</a:t>
+              </a:r>
+            </a:p>
+            <a:p>
+              <a:r>
+                <a:rPr lang="en-US" altLang="ko-KR" sz="900" dirty="0" smtClean="0">
+                  <a:solidFill>
+                    <a:srgbClr val="A6A6A6"/>
+                  </a:solidFill>
+                  <a:latin typeface="배달의민족 한나는 열한살" panose="020B0600000101010101" pitchFamily="50" charset="-127"/>
+                  <a:ea typeface="배달의민족 한나는 열한살" panose="020B0600000101010101" pitchFamily="50" charset="-127"/>
+                </a:rPr>
+                <a:t>Watching</a:t>
+              </a:r>
+              <a:endParaRPr lang="ko-KR" altLang="en-US" sz="1000" dirty="0">
+                <a:solidFill>
+                  <a:srgbClr val="A6A6A6"/>
+                </a:solidFill>
+                <a:latin typeface="배달의민족 한나는 열한살" panose="020B0600000101010101" pitchFamily="50" charset="-127"/>
+                <a:ea typeface="배달의민족 한나는 열한살" panose="020B0600000101010101" pitchFamily="50" charset="-127"/>
+              </a:endParaRPr>
+            </a:p>
+          </p:txBody>
+        </p:sp>
+      </p:grpSp>
+      <p:grpSp>
+        <p:nvGrpSpPr>
+          <p:cNvPr id="7" name="그룹 6"/>
+          <p:cNvGrpSpPr/>
+          <p:nvPr/>
+        </p:nvGrpSpPr>
+        <p:grpSpPr>
+          <a:xfrm rot="6128200">
+            <a:off x="-1410343" y="2039227"/>
+            <a:ext cx="2820685" cy="2779547"/>
+            <a:chOff x="3271520" y="655320"/>
+            <a:chExt cx="5643245" cy="5547360"/>
+          </a:xfrm>
+        </p:grpSpPr>
+        <p:grpSp>
+          <p:nvGrpSpPr>
+            <p:cNvPr id="8" name="그룹 7"/>
+            <p:cNvGrpSpPr/>
+            <p:nvPr/>
+          </p:nvGrpSpPr>
+          <p:grpSpPr>
+            <a:xfrm>
+              <a:off x="3322320" y="655320"/>
+              <a:ext cx="5592445" cy="5547360"/>
+              <a:chOff x="3322320" y="655320"/>
+              <a:chExt cx="5592445" cy="5547360"/>
+            </a:xfrm>
+          </p:grpSpPr>
+          <p:sp>
+            <p:nvSpPr>
+              <p:cNvPr id="10" name="막힌 원호 9"/>
+              <p:cNvSpPr/>
+              <p:nvPr/>
+            </p:nvSpPr>
+            <p:spPr>
+              <a:xfrm>
+                <a:off x="3322320" y="655320"/>
+                <a:ext cx="5547360" cy="5547360"/>
+              </a:xfrm>
+              <a:prstGeom prst="blockArc">
+                <a:avLst>
+                  <a:gd name="adj1" fmla="val 3701085"/>
+                  <a:gd name="adj2" fmla="val 1393"/>
+                  <a:gd name="adj3" fmla="val 35"/>
+                </a:avLst>
+              </a:prstGeom>
+              <a:noFill/>
+              <a:ln w="6350" cap="rnd">
+                <a:solidFill>
+                  <a:schemeClr val="bg1"/>
+                </a:solidFill>
+              </a:ln>
+            </p:spPr>
+            <p:style>
+              <a:lnRef idx="2">
+                <a:schemeClr val="accent1">
+                  <a:shade val="50000"/>
+                </a:schemeClr>
+              </a:lnRef>
+              <a:fillRef idx="1">
+                <a:schemeClr val="accent1"/>
+              </a:fillRef>
+              <a:effectRef idx="0">
+                <a:schemeClr val="accent1"/>
+              </a:effectRef>
+              <a:fontRef idx="minor">
+                <a:schemeClr val="lt1"/>
+              </a:fontRef>
+            </p:style>
+            <p:txBody>
+              <a:bodyPr rtlCol="0" anchor="ctr"/>
+              <a:lstStyle/>
+              <a:p>
+                <a:pPr algn="ctr"/>
+                <a:endParaRPr lang="ko-KR" altLang="en-US">
+                  <a:solidFill>
+                    <a:schemeClr val="tx1"/>
+                  </a:solidFill>
+                </a:endParaRPr>
+              </a:p>
+            </p:txBody>
+          </p:sp>
+          <p:sp>
+            <p:nvSpPr>
+              <p:cNvPr id="11" name="타원 10"/>
+              <p:cNvSpPr/>
+              <p:nvPr/>
+            </p:nvSpPr>
+            <p:spPr>
+              <a:xfrm>
+                <a:off x="8820785" y="3382010"/>
+                <a:ext cx="93980" cy="93980"/>
+              </a:xfrm>
+              <a:prstGeom prst="ellipse">
+                <a:avLst/>
+              </a:prstGeom>
+              <a:solidFill>
+                <a:schemeClr val="bg1"/>
+              </a:solidFill>
+              <a:ln w="6350">
+                <a:solidFill>
+                  <a:schemeClr val="bg1"/>
+                </a:solidFill>
+              </a:ln>
+            </p:spPr>
+            <p:style>
+              <a:lnRef idx="2">
+                <a:schemeClr val="accent1">
+                  <a:shade val="50000"/>
+                </a:schemeClr>
+              </a:lnRef>
+              <a:fillRef idx="1">
+                <a:schemeClr val="accent1"/>
+              </a:fillRef>
+              <a:effectRef idx="0">
+                <a:schemeClr val="accent1"/>
+              </a:effectRef>
+              <a:fontRef idx="minor">
+                <a:schemeClr val="lt1"/>
+              </a:fontRef>
+            </p:style>
+            <p:txBody>
+              <a:bodyPr rtlCol="0" anchor="ctr"/>
+              <a:lstStyle/>
+              <a:p>
+                <a:pPr algn="ctr"/>
+                <a:endParaRPr lang="ko-KR" altLang="en-US"/>
+              </a:p>
+            </p:txBody>
+          </p:sp>
+        </p:grpSp>
+        <p:sp>
+          <p:nvSpPr>
+            <p:cNvPr id="9" name="타원 8"/>
+            <p:cNvSpPr/>
+            <p:nvPr/>
+          </p:nvSpPr>
+          <p:spPr>
+            <a:xfrm>
+              <a:off x="3271520" y="3404350"/>
+              <a:ext cx="93980" cy="93980"/>
+            </a:xfrm>
+            <a:prstGeom prst="ellipse">
+              <a:avLst/>
+            </a:prstGeom>
+            <a:noFill/>
+            <a:ln w="6350">
+              <a:noFill/>
+            </a:ln>
+          </p:spPr>
+          <p:style>
+            <a:lnRef idx="2">
+              <a:schemeClr val="accent1">
+                <a:shade val="50000"/>
+              </a:schemeClr>
+            </a:lnRef>
+            <a:fillRef idx="1">
+              <a:schemeClr val="accent1"/>
+            </a:fillRef>
+            <a:effectRef idx="0">
+              <a:schemeClr val="accent1"/>
+            </a:effectRef>
+            <a:fontRef idx="minor">
+              <a:schemeClr val="lt1"/>
+            </a:fontRef>
+          </p:style>
+          <p:txBody>
+            <a:bodyPr rtlCol="0" anchor="ctr"/>
+            <a:lstStyle/>
+            <a:p>
+              <a:pPr algn="ctr"/>
+              <a:endParaRPr lang="ko-KR" altLang="en-US"/>
+            </a:p>
+          </p:txBody>
+        </p:sp>
+      </p:grpSp>
+      <p:grpSp>
+        <p:nvGrpSpPr>
+          <p:cNvPr id="12" name="그룹 11"/>
+          <p:cNvGrpSpPr/>
+          <p:nvPr/>
+        </p:nvGrpSpPr>
+        <p:grpSpPr>
+          <a:xfrm>
+            <a:off x="-1458103" y="1949213"/>
+            <a:ext cx="2916205" cy="2959575"/>
+            <a:chOff x="3185951" y="489572"/>
+            <a:chExt cx="5820098" cy="5921117"/>
+          </a:xfrm>
+        </p:grpSpPr>
+        <p:grpSp>
+          <p:nvGrpSpPr>
+            <p:cNvPr id="13" name="그룹 12"/>
+            <p:cNvGrpSpPr/>
+            <p:nvPr/>
+          </p:nvGrpSpPr>
+          <p:grpSpPr>
+            <a:xfrm>
+              <a:off x="3185951" y="541291"/>
+              <a:ext cx="5820098" cy="5869398"/>
+              <a:chOff x="3322320" y="655320"/>
+              <a:chExt cx="5547360" cy="5594350"/>
+            </a:xfrm>
+          </p:grpSpPr>
+          <p:sp>
+            <p:nvSpPr>
+              <p:cNvPr id="15" name="막힌 원호 14"/>
+              <p:cNvSpPr/>
+              <p:nvPr/>
+            </p:nvSpPr>
+            <p:spPr>
+              <a:xfrm>
+                <a:off x="3322320" y="655320"/>
+                <a:ext cx="5547360" cy="5547360"/>
+              </a:xfrm>
+              <a:prstGeom prst="blockArc">
+                <a:avLst>
+                  <a:gd name="adj1" fmla="val 5669555"/>
+                  <a:gd name="adj2" fmla="val 3194492"/>
+                  <a:gd name="adj3" fmla="val 0"/>
+                </a:avLst>
+              </a:prstGeom>
+              <a:noFill/>
+              <a:ln w="6350" cap="rnd">
+                <a:solidFill>
+                  <a:schemeClr val="bg1"/>
+                </a:solidFill>
+              </a:ln>
+            </p:spPr>
+            <p:style>
+              <a:lnRef idx="2">
+                <a:schemeClr val="accent1">
+                  <a:shade val="50000"/>
+                </a:schemeClr>
+              </a:lnRef>
+              <a:fillRef idx="1">
+                <a:schemeClr val="accent1"/>
+              </a:fillRef>
+              <a:effectRef idx="0">
+                <a:schemeClr val="accent1"/>
+              </a:effectRef>
+              <a:fontRef idx="minor">
+                <a:schemeClr val="lt1"/>
+              </a:fontRef>
+            </p:style>
+            <p:txBody>
+              <a:bodyPr rtlCol="0" anchor="ctr"/>
+              <a:lstStyle/>
+              <a:p>
+                <a:pPr algn="ctr"/>
+                <a:endParaRPr lang="ko-KR" altLang="en-US">
+                  <a:solidFill>
+                    <a:schemeClr val="tx1"/>
+                  </a:solidFill>
+                </a:endParaRPr>
+              </a:p>
+            </p:txBody>
+          </p:sp>
+          <p:sp>
+            <p:nvSpPr>
+              <p:cNvPr id="16" name="타원 15"/>
+              <p:cNvSpPr/>
+              <p:nvPr/>
+            </p:nvSpPr>
+            <p:spPr>
+              <a:xfrm>
+                <a:off x="5866156" y="6155690"/>
+                <a:ext cx="93980" cy="93980"/>
+              </a:xfrm>
+              <a:prstGeom prst="ellipse">
+                <a:avLst/>
+              </a:prstGeom>
+              <a:solidFill>
+                <a:schemeClr val="bg1"/>
+              </a:solidFill>
+              <a:ln w="6350">
+                <a:solidFill>
+                  <a:schemeClr val="bg1"/>
+                </a:solidFill>
+              </a:ln>
+            </p:spPr>
+            <p:style>
+              <a:lnRef idx="2">
+                <a:schemeClr val="accent1">
+                  <a:shade val="50000"/>
+                </a:schemeClr>
+              </a:lnRef>
+              <a:fillRef idx="1">
+                <a:schemeClr val="accent1"/>
+              </a:fillRef>
+              <a:effectRef idx="0">
+                <a:schemeClr val="accent1"/>
+              </a:effectRef>
+              <a:fontRef idx="minor">
+                <a:schemeClr val="lt1"/>
+              </a:fontRef>
+            </p:style>
+            <p:txBody>
+              <a:bodyPr rtlCol="0" anchor="ctr"/>
+              <a:lstStyle/>
+              <a:p>
+                <a:pPr algn="ctr"/>
+                <a:endParaRPr lang="ko-KR" altLang="en-US"/>
+              </a:p>
+            </p:txBody>
+          </p:sp>
+        </p:grpSp>
+        <p:sp>
+          <p:nvSpPr>
+            <p:cNvPr id="14" name="타원 13"/>
+            <p:cNvSpPr/>
+            <p:nvPr/>
+          </p:nvSpPr>
+          <p:spPr>
+            <a:xfrm>
+              <a:off x="5854856" y="489572"/>
+              <a:ext cx="98601" cy="98601"/>
+            </a:xfrm>
+            <a:prstGeom prst="ellipse">
+              <a:avLst/>
+            </a:prstGeom>
+            <a:noFill/>
+            <a:ln w="6350">
+              <a:noFill/>
+            </a:ln>
+          </p:spPr>
+          <p:style>
+            <a:lnRef idx="2">
+              <a:schemeClr val="accent1">
+                <a:shade val="50000"/>
+              </a:schemeClr>
+            </a:lnRef>
+            <a:fillRef idx="1">
+              <a:schemeClr val="accent1"/>
+            </a:fillRef>
+            <a:effectRef idx="0">
+              <a:schemeClr val="accent1"/>
+            </a:effectRef>
+            <a:fontRef idx="minor">
+              <a:schemeClr val="lt1"/>
+            </a:fontRef>
+          </p:style>
+          <p:txBody>
+            <a:bodyPr rtlCol="0" anchor="ctr"/>
+            <a:lstStyle/>
+            <a:p>
+              <a:pPr algn="ctr"/>
+              <a:endParaRPr lang="ko-KR" altLang="en-US"/>
+            </a:p>
+          </p:txBody>
+        </p:sp>
+      </p:grpSp>
+      <p:grpSp>
+        <p:nvGrpSpPr>
+          <p:cNvPr id="18" name="그룹 17"/>
+          <p:cNvGrpSpPr/>
+          <p:nvPr/>
+        </p:nvGrpSpPr>
+        <p:grpSpPr>
+          <a:xfrm rot="18836101">
+            <a:off x="-1546555" y="1905000"/>
+            <a:ext cx="3093111" cy="3048000"/>
+            <a:chOff x="3271520" y="655320"/>
+            <a:chExt cx="5643245" cy="5547360"/>
+          </a:xfrm>
+        </p:grpSpPr>
+        <p:grpSp>
+          <p:nvGrpSpPr>
+            <p:cNvPr id="19" name="그룹 18"/>
+            <p:cNvGrpSpPr/>
+            <p:nvPr/>
+          </p:nvGrpSpPr>
+          <p:grpSpPr>
+            <a:xfrm>
+              <a:off x="3322320" y="655320"/>
+              <a:ext cx="5592445" cy="5547360"/>
+              <a:chOff x="3322320" y="655320"/>
+              <a:chExt cx="5592445" cy="5547360"/>
+            </a:xfrm>
+          </p:grpSpPr>
+          <p:sp>
+            <p:nvSpPr>
+              <p:cNvPr id="21" name="막힌 원호 20"/>
+              <p:cNvSpPr/>
+              <p:nvPr/>
+            </p:nvSpPr>
+            <p:spPr>
+              <a:xfrm>
+                <a:off x="3322320" y="655320"/>
+                <a:ext cx="5547360" cy="5547360"/>
+              </a:xfrm>
+              <a:prstGeom prst="blockArc">
+                <a:avLst>
+                  <a:gd name="adj1" fmla="val 1934179"/>
+                  <a:gd name="adj2" fmla="val 1393"/>
+                  <a:gd name="adj3" fmla="val 35"/>
+                </a:avLst>
+              </a:prstGeom>
+              <a:noFill/>
+              <a:ln w="6350" cap="rnd">
+                <a:solidFill>
+                  <a:schemeClr val="bg1"/>
+                </a:solidFill>
+              </a:ln>
+            </p:spPr>
+            <p:style>
+              <a:lnRef idx="2">
+                <a:schemeClr val="accent1">
+                  <a:shade val="50000"/>
+                </a:schemeClr>
+              </a:lnRef>
+              <a:fillRef idx="1">
+                <a:schemeClr val="accent1"/>
+              </a:fillRef>
+              <a:effectRef idx="0">
+                <a:schemeClr val="accent1"/>
+              </a:effectRef>
+              <a:fontRef idx="minor">
+                <a:schemeClr val="lt1"/>
+              </a:fontRef>
+            </p:style>
+            <p:txBody>
+              <a:bodyPr rtlCol="0" anchor="ctr"/>
+              <a:lstStyle/>
+              <a:p>
+                <a:pPr algn="ctr"/>
+                <a:endParaRPr lang="ko-KR" altLang="en-US">
+                  <a:solidFill>
+                    <a:schemeClr val="tx1"/>
+                  </a:solidFill>
+                </a:endParaRPr>
+              </a:p>
+            </p:txBody>
+          </p:sp>
+          <p:sp>
+            <p:nvSpPr>
+              <p:cNvPr id="22" name="타원 21"/>
+              <p:cNvSpPr/>
+              <p:nvPr/>
+            </p:nvSpPr>
+            <p:spPr>
+              <a:xfrm>
+                <a:off x="8820785" y="3382010"/>
+                <a:ext cx="93980" cy="93980"/>
+              </a:xfrm>
+              <a:prstGeom prst="ellipse">
+                <a:avLst/>
+              </a:prstGeom>
+              <a:solidFill>
+                <a:schemeClr val="bg1"/>
+              </a:solidFill>
+              <a:ln w="6350">
+                <a:solidFill>
+                  <a:schemeClr val="bg1"/>
+                </a:solidFill>
+              </a:ln>
+            </p:spPr>
+            <p:style>
+              <a:lnRef idx="2">
+                <a:schemeClr val="accent1">
+                  <a:shade val="50000"/>
+                </a:schemeClr>
+              </a:lnRef>
+              <a:fillRef idx="1">
+                <a:schemeClr val="accent1"/>
+              </a:fillRef>
+              <a:effectRef idx="0">
+                <a:schemeClr val="accent1"/>
+              </a:effectRef>
+              <a:fontRef idx="minor">
+                <a:schemeClr val="lt1"/>
+              </a:fontRef>
+            </p:style>
+            <p:txBody>
+              <a:bodyPr rtlCol="0" anchor="ctr"/>
+              <a:lstStyle/>
+              <a:p>
+                <a:pPr algn="ctr"/>
+                <a:endParaRPr lang="ko-KR" altLang="en-US"/>
+              </a:p>
+            </p:txBody>
+          </p:sp>
+        </p:grpSp>
+        <p:sp>
+          <p:nvSpPr>
+            <p:cNvPr id="20" name="타원 19"/>
+            <p:cNvSpPr/>
+            <p:nvPr/>
+          </p:nvSpPr>
+          <p:spPr>
+            <a:xfrm>
+              <a:off x="3271520" y="3404350"/>
+              <a:ext cx="93980" cy="93980"/>
+            </a:xfrm>
+            <a:prstGeom prst="ellipse">
+              <a:avLst/>
+            </a:prstGeom>
+            <a:noFill/>
+            <a:ln w="6350">
+              <a:noFill/>
+            </a:ln>
+          </p:spPr>
+          <p:style>
+            <a:lnRef idx="2">
+              <a:schemeClr val="accent1">
+                <a:shade val="50000"/>
+              </a:schemeClr>
+            </a:lnRef>
+            <a:fillRef idx="1">
+              <a:schemeClr val="accent1"/>
+            </a:fillRef>
+            <a:effectRef idx="0">
+              <a:schemeClr val="accent1"/>
+            </a:effectRef>
+            <a:fontRef idx="minor">
+              <a:schemeClr val="lt1"/>
+            </a:fontRef>
+          </p:style>
+          <p:txBody>
+            <a:bodyPr rtlCol="0" anchor="ctr"/>
+            <a:lstStyle/>
+            <a:p>
+              <a:pPr algn="ctr"/>
+              <a:endParaRPr lang="ko-KR" altLang="en-US"/>
+            </a:p>
+          </p:txBody>
+        </p:sp>
+      </p:grpSp>
+      <p:grpSp>
+        <p:nvGrpSpPr>
+          <p:cNvPr id="66" name="그룹 65"/>
+          <p:cNvGrpSpPr/>
+          <p:nvPr/>
+        </p:nvGrpSpPr>
+        <p:grpSpPr>
+          <a:xfrm>
+            <a:off x="-1331055" y="2068347"/>
+            <a:ext cx="2662109" cy="2655607"/>
+            <a:chOff x="-1331055" y="2077101"/>
+            <a:chExt cx="2662109" cy="2655607"/>
+          </a:xfrm>
+        </p:grpSpPr>
+        <p:grpSp>
+          <p:nvGrpSpPr>
+            <p:cNvPr id="67" name="그룹 66"/>
+            <p:cNvGrpSpPr/>
+            <p:nvPr/>
+          </p:nvGrpSpPr>
+          <p:grpSpPr>
+            <a:xfrm>
+              <a:off x="-1331055" y="2077101"/>
+              <a:ext cx="2662109" cy="2655607"/>
+              <a:chOff x="4764946" y="2077101"/>
+              <a:chExt cx="2662109" cy="2655607"/>
+            </a:xfrm>
+          </p:grpSpPr>
+          <p:sp>
+            <p:nvSpPr>
+              <p:cNvPr id="69" name="타원 68"/>
+              <p:cNvSpPr/>
+              <p:nvPr/>
+            </p:nvSpPr>
+            <p:spPr>
+              <a:xfrm>
+                <a:off x="4764946" y="2077101"/>
+                <a:ext cx="2662109" cy="2655607"/>
+              </a:xfrm>
+              <a:prstGeom prst="ellipse">
+                <a:avLst/>
+              </a:prstGeom>
+              <a:solidFill>
+                <a:schemeClr val="bg1"/>
+              </a:solidFill>
+              <a:ln>
+                <a:solidFill>
+                  <a:schemeClr val="bg1"/>
+                </a:solidFill>
+              </a:ln>
+            </p:spPr>
+            <p:style>
+              <a:lnRef idx="2">
+                <a:schemeClr val="accent1">
+                  <a:shade val="50000"/>
+                </a:schemeClr>
+              </a:lnRef>
+              <a:fillRef idx="1">
+                <a:schemeClr val="accent1"/>
+              </a:fillRef>
+              <a:effectRef idx="0">
+                <a:schemeClr val="accent1"/>
+              </a:effectRef>
+              <a:fontRef idx="minor">
+                <a:schemeClr val="lt1"/>
+              </a:fontRef>
+            </p:style>
+            <p:txBody>
+              <a:bodyPr rtlCol="0" anchor="ctr"/>
+              <a:lstStyle/>
+              <a:p>
+                <a:pPr algn="ctr"/>
+                <a:endParaRPr lang="ko-KR" altLang="en-US"/>
+              </a:p>
+            </p:txBody>
+          </p:sp>
+          <p:sp>
+            <p:nvSpPr>
+              <p:cNvPr id="70" name="타원 69"/>
+              <p:cNvSpPr/>
+              <p:nvPr/>
+            </p:nvSpPr>
+            <p:spPr>
+              <a:xfrm>
+                <a:off x="4986788" y="2298401"/>
+                <a:ext cx="2218424" cy="2213006"/>
+              </a:xfrm>
+              <a:prstGeom prst="ellipse">
+                <a:avLst/>
+              </a:prstGeom>
+              <a:gradFill>
+                <a:gsLst>
+                  <a:gs pos="70000">
+                    <a:schemeClr val="accent4">
+                      <a:lumMod val="20000"/>
+                      <a:lumOff val="80000"/>
+                    </a:schemeClr>
+                  </a:gs>
+                  <a:gs pos="41000">
+                    <a:schemeClr val="accent2">
+                      <a:lumMod val="20000"/>
+                      <a:lumOff val="80000"/>
+                    </a:schemeClr>
+                  </a:gs>
+                  <a:gs pos="0">
+                    <a:schemeClr val="accent1">
+                      <a:lumMod val="20000"/>
+                      <a:lumOff val="80000"/>
+                    </a:schemeClr>
+                  </a:gs>
+                  <a:gs pos="100000">
+                    <a:schemeClr val="accent6">
+                      <a:lumMod val="20000"/>
+                      <a:lumOff val="80000"/>
+                    </a:schemeClr>
+                  </a:gs>
+                </a:gsLst>
+                <a:lin ang="13500000" scaled="0"/>
+              </a:gradFill>
+              <a:ln>
+                <a:noFill/>
+              </a:ln>
+            </p:spPr>
+            <p:style>
+              <a:lnRef idx="2">
+                <a:schemeClr val="accent1">
+                  <a:shade val="50000"/>
+                </a:schemeClr>
+              </a:lnRef>
+              <a:fillRef idx="1">
+                <a:schemeClr val="accent1"/>
+              </a:fillRef>
+              <a:effectRef idx="0">
+                <a:schemeClr val="accent1"/>
+              </a:effectRef>
+              <a:fontRef idx="minor">
+                <a:schemeClr val="lt1"/>
+              </a:fontRef>
+            </p:style>
+            <p:txBody>
+              <a:bodyPr rtlCol="0" anchor="ctr"/>
+              <a:lstStyle/>
+              <a:p>
+                <a:pPr algn="ctr"/>
+                <a:endParaRPr lang="ko-KR" altLang="en-US"/>
+              </a:p>
+            </p:txBody>
+          </p:sp>
+          <p:sp>
+            <p:nvSpPr>
+              <p:cNvPr id="71" name="직사각형 70"/>
+              <p:cNvSpPr/>
+              <p:nvPr/>
+            </p:nvSpPr>
+            <p:spPr>
+              <a:xfrm>
+                <a:off x="4985283" y="3396151"/>
+                <a:ext cx="2218424" cy="25200"/>
+              </a:xfrm>
+              <a:prstGeom prst="rect">
+                <a:avLst/>
+              </a:prstGeom>
+              <a:solidFill>
+                <a:srgbClr val="A6A6A6"/>
+              </a:solidFill>
+              <a:ln>
+                <a:noFill/>
+              </a:ln>
+            </p:spPr>
+            <p:style>
+              <a:lnRef idx="2">
+                <a:schemeClr val="accent1">
+                  <a:shade val="50000"/>
+                </a:schemeClr>
+              </a:lnRef>
+              <a:fillRef idx="1">
+                <a:schemeClr val="accent1"/>
+              </a:fillRef>
+              <a:effectRef idx="0">
+                <a:schemeClr val="accent1"/>
+              </a:effectRef>
+              <a:fontRef idx="minor">
+                <a:schemeClr val="lt1"/>
+              </a:fontRef>
+            </p:style>
+            <p:txBody>
+              <a:bodyPr rtlCol="0" anchor="ctr"/>
+              <a:lstStyle/>
+              <a:p>
+                <a:pPr algn="ctr"/>
+                <a:endParaRPr lang="ko-KR" altLang="en-US"/>
+              </a:p>
+            </p:txBody>
+          </p:sp>
+        </p:grpSp>
+        <p:sp>
+          <p:nvSpPr>
+            <p:cNvPr id="68" name="TextBox 67"/>
+            <p:cNvSpPr txBox="1"/>
+            <p:nvPr/>
+          </p:nvSpPr>
+          <p:spPr>
+            <a:xfrm>
+              <a:off x="-651304" y="3128888"/>
+              <a:ext cx="1299596" cy="507831"/>
+            </a:xfrm>
+            <a:prstGeom prst="rect">
+              <a:avLst/>
+            </a:prstGeom>
+            <a:noFill/>
+          </p:spPr>
+          <p:txBody>
+            <a:bodyPr wrap="square" rtlCol="0" anchor="ctr">
+              <a:spAutoFit/>
+            </a:bodyPr>
+            <a:lstStyle/>
+            <a:p>
+              <a:pPr algn="ctr"/>
+              <a:r>
+                <a:rPr lang="ko-KR" altLang="en-US" dirty="0" smtClean="0">
+                  <a:solidFill>
+                    <a:schemeClr val="bg1">
+                      <a:lumMod val="65000"/>
+                    </a:schemeClr>
+                  </a:solidFill>
+                  <a:latin typeface="배달의민족 한나는 열한살" panose="020B0600000101010101" pitchFamily="50" charset="-127"/>
+                  <a:ea typeface="배달의민족 한나는 열한살" panose="020B0600000101010101" pitchFamily="50" charset="-127"/>
+                </a:rPr>
+                <a:t>보완점</a:t>
+              </a:r>
+              <a:endParaRPr lang="ko-KR" altLang="en-US" dirty="0" smtClean="0">
+                <a:solidFill>
+                  <a:schemeClr val="bg1">
+                    <a:lumMod val="65000"/>
+                  </a:schemeClr>
+                </a:solidFill>
+                <a:latin typeface="배달의민족 한나는 열한살" panose="020B0600000101010101" pitchFamily="50" charset="-127"/>
+                <a:ea typeface="배달의민족 한나는 열한살" panose="020B0600000101010101" pitchFamily="50" charset="-127"/>
+              </a:endParaRPr>
+            </a:p>
+            <a:p>
+              <a:pPr algn="ctr"/>
+              <a:r>
+                <a:rPr lang="en-US" altLang="ko-KR" sz="900" dirty="0">
+                  <a:solidFill>
+                    <a:srgbClr val="A6A6A6"/>
+                  </a:solidFill>
+                  <a:latin typeface="배달의민족 한나는 열한살" panose="020B0600000101010101" pitchFamily="50" charset="-127"/>
+                  <a:ea typeface="배달의민족 한나는 열한살" panose="020B0600000101010101" pitchFamily="50" charset="-127"/>
+                </a:rPr>
+                <a:t>complementary point</a:t>
+              </a:r>
+              <a:endParaRPr lang="ko-KR" altLang="en-US" sz="900" dirty="0">
+                <a:solidFill>
+                  <a:srgbClr val="A6A6A6"/>
+                </a:solidFill>
+                <a:latin typeface="배달의민족 한나는 열한살" panose="020B0600000101010101" pitchFamily="50" charset="-127"/>
+                <a:ea typeface="배달의민족 한나는 열한살" panose="020B0600000101010101" pitchFamily="50" charset="-127"/>
+              </a:endParaRPr>
+            </a:p>
+          </p:txBody>
+        </p:sp>
+      </p:grpSp>
+      <p:grpSp>
+        <p:nvGrpSpPr>
+          <p:cNvPr id="24" name="그룹 23"/>
+          <p:cNvGrpSpPr/>
+          <p:nvPr/>
+        </p:nvGrpSpPr>
+        <p:grpSpPr>
+          <a:xfrm>
+            <a:off x="4775106" y="2080877"/>
+            <a:ext cx="2662109" cy="2655607"/>
+            <a:chOff x="-1331055" y="2077101"/>
+            <a:chExt cx="2662109" cy="2655607"/>
+          </a:xfrm>
+        </p:grpSpPr>
+        <p:grpSp>
+          <p:nvGrpSpPr>
+            <p:cNvPr id="25" name="그룹 24"/>
+            <p:cNvGrpSpPr/>
+            <p:nvPr/>
+          </p:nvGrpSpPr>
+          <p:grpSpPr>
+            <a:xfrm>
+              <a:off x="-1331055" y="2077101"/>
+              <a:ext cx="2662109" cy="2655607"/>
+              <a:chOff x="4764946" y="2077101"/>
+              <a:chExt cx="2662109" cy="2655607"/>
+            </a:xfrm>
+          </p:grpSpPr>
+          <p:sp>
+            <p:nvSpPr>
+              <p:cNvPr id="27" name="타원 26"/>
+              <p:cNvSpPr/>
+              <p:nvPr/>
+            </p:nvSpPr>
+            <p:spPr>
+              <a:xfrm>
+                <a:off x="4764946" y="2077101"/>
+                <a:ext cx="2662109" cy="2655607"/>
+              </a:xfrm>
+              <a:prstGeom prst="ellipse">
+                <a:avLst/>
+              </a:prstGeom>
+              <a:solidFill>
+                <a:schemeClr val="bg1"/>
+              </a:solidFill>
+              <a:ln>
+                <a:noFill/>
+              </a:ln>
+            </p:spPr>
+            <p:style>
+              <a:lnRef idx="2">
+                <a:schemeClr val="accent1">
+                  <a:shade val="50000"/>
+                </a:schemeClr>
+              </a:lnRef>
+              <a:fillRef idx="1">
+                <a:schemeClr val="accent1"/>
+              </a:fillRef>
+              <a:effectRef idx="0">
+                <a:schemeClr val="accent1"/>
+              </a:effectRef>
+              <a:fontRef idx="minor">
+                <a:schemeClr val="lt1"/>
+              </a:fontRef>
+            </p:style>
+            <p:txBody>
+              <a:bodyPr rtlCol="0" anchor="ctr"/>
+              <a:lstStyle/>
+              <a:p>
+                <a:pPr algn="ctr"/>
+                <a:endParaRPr lang="ko-KR" altLang="en-US"/>
+              </a:p>
+            </p:txBody>
+          </p:sp>
+          <p:sp>
+            <p:nvSpPr>
+              <p:cNvPr id="28" name="타원 27"/>
+              <p:cNvSpPr/>
+              <p:nvPr/>
+            </p:nvSpPr>
+            <p:spPr>
+              <a:xfrm>
+                <a:off x="4986788" y="2298401"/>
+                <a:ext cx="2218424" cy="2213006"/>
+              </a:xfrm>
+              <a:prstGeom prst="ellipse">
+                <a:avLst/>
+              </a:prstGeom>
+              <a:gradFill>
+                <a:gsLst>
+                  <a:gs pos="70000">
+                    <a:schemeClr val="accent4">
+                      <a:lumMod val="20000"/>
+                      <a:lumOff val="80000"/>
+                    </a:schemeClr>
+                  </a:gs>
+                  <a:gs pos="41000">
+                    <a:schemeClr val="accent2">
+                      <a:lumMod val="20000"/>
+                      <a:lumOff val="80000"/>
+                    </a:schemeClr>
+                  </a:gs>
+                  <a:gs pos="0">
+                    <a:schemeClr val="accent1">
+                      <a:lumMod val="20000"/>
+                      <a:lumOff val="80000"/>
+                    </a:schemeClr>
+                  </a:gs>
+                  <a:gs pos="100000">
+                    <a:schemeClr val="accent6">
+                      <a:lumMod val="20000"/>
+                      <a:lumOff val="80000"/>
+                    </a:schemeClr>
+                  </a:gs>
+                </a:gsLst>
+                <a:lin ang="13500000" scaled="0"/>
+              </a:gradFill>
+              <a:ln>
+                <a:noFill/>
+              </a:ln>
+            </p:spPr>
+            <p:style>
+              <a:lnRef idx="2">
+                <a:schemeClr val="accent1">
+                  <a:shade val="50000"/>
+                </a:schemeClr>
+              </a:lnRef>
+              <a:fillRef idx="1">
+                <a:schemeClr val="accent1"/>
+              </a:fillRef>
+              <a:effectRef idx="0">
+                <a:schemeClr val="accent1"/>
+              </a:effectRef>
+              <a:fontRef idx="minor">
+                <a:schemeClr val="lt1"/>
+              </a:fontRef>
+            </p:style>
+            <p:txBody>
+              <a:bodyPr rtlCol="0" anchor="ctr"/>
+              <a:lstStyle/>
+              <a:p>
+                <a:pPr algn="ctr"/>
+                <a:endParaRPr lang="ko-KR" altLang="en-US"/>
+              </a:p>
+            </p:txBody>
+          </p:sp>
+          <p:sp>
+            <p:nvSpPr>
+              <p:cNvPr id="29" name="직사각형 28"/>
+              <p:cNvSpPr/>
+              <p:nvPr/>
+            </p:nvSpPr>
+            <p:spPr>
+              <a:xfrm>
+                <a:off x="4985283" y="3396151"/>
+                <a:ext cx="2218424" cy="25200"/>
+              </a:xfrm>
+              <a:prstGeom prst="rect">
+                <a:avLst/>
+              </a:prstGeom>
+              <a:solidFill>
+                <a:srgbClr val="A6A6A6"/>
+              </a:solidFill>
+              <a:ln>
+                <a:noFill/>
+              </a:ln>
+            </p:spPr>
+            <p:style>
+              <a:lnRef idx="2">
+                <a:schemeClr val="accent1">
+                  <a:shade val="50000"/>
+                </a:schemeClr>
+              </a:lnRef>
+              <a:fillRef idx="1">
+                <a:schemeClr val="accent1"/>
+              </a:fillRef>
+              <a:effectRef idx="0">
+                <a:schemeClr val="accent1"/>
+              </a:effectRef>
+              <a:fontRef idx="minor">
+                <a:schemeClr val="lt1"/>
+              </a:fontRef>
+            </p:style>
+            <p:txBody>
+              <a:bodyPr rtlCol="0" anchor="ctr"/>
+              <a:lstStyle/>
+              <a:p>
+                <a:pPr algn="ctr"/>
+                <a:endParaRPr lang="ko-KR" altLang="en-US"/>
+              </a:p>
+            </p:txBody>
+          </p:sp>
+        </p:grpSp>
+        <p:sp>
+          <p:nvSpPr>
+            <p:cNvPr id="26" name="TextBox 25"/>
+            <p:cNvSpPr txBox="1"/>
+            <p:nvPr/>
+          </p:nvSpPr>
+          <p:spPr>
+            <a:xfrm>
+              <a:off x="-684227" y="3128888"/>
+              <a:ext cx="1365441" cy="507831"/>
+            </a:xfrm>
+            <a:prstGeom prst="rect">
+              <a:avLst/>
+            </a:prstGeom>
+            <a:noFill/>
+            <a:ln>
+              <a:noFill/>
+            </a:ln>
+          </p:spPr>
+          <p:txBody>
+            <a:bodyPr wrap="square" rtlCol="0" anchor="ctr">
+              <a:spAutoFit/>
+            </a:bodyPr>
+            <a:lstStyle/>
+            <a:p>
+              <a:pPr algn="ctr"/>
+              <a:r>
+                <a:rPr lang="ko-KR" altLang="en-US" dirty="0">
+                  <a:solidFill>
+                    <a:schemeClr val="bg1">
+                      <a:lumMod val="65000"/>
+                    </a:schemeClr>
+                  </a:solidFill>
+                  <a:latin typeface="배달의민족 한나는 열한살" panose="020B0600000101010101" pitchFamily="50" charset="-127"/>
+                  <a:ea typeface="배달의민족 한나는 열한살" panose="020B0600000101010101" pitchFamily="50" charset="-127"/>
+                </a:rPr>
+                <a:t>보완점</a:t>
+              </a:r>
+            </a:p>
+            <a:p>
+              <a:pPr algn="ctr"/>
+              <a:r>
+                <a:rPr lang="en-US" altLang="ko-KR" sz="900" dirty="0">
+                  <a:solidFill>
+                    <a:srgbClr val="A6A6A6"/>
+                  </a:solidFill>
+                  <a:latin typeface="배달의민족 한나는 열한살" panose="020B0600000101010101" pitchFamily="50" charset="-127"/>
+                  <a:ea typeface="배달의민족 한나는 열한살" panose="020B0600000101010101" pitchFamily="50" charset="-127"/>
+                </a:rPr>
+                <a:t>complementary point</a:t>
+              </a:r>
+              <a:endParaRPr lang="ko-KR" altLang="en-US" sz="900" dirty="0">
+                <a:solidFill>
+                  <a:srgbClr val="A6A6A6"/>
+                </a:solidFill>
+                <a:latin typeface="배달의민족 한나는 열한살" panose="020B0600000101010101" pitchFamily="50" charset="-127"/>
+                <a:ea typeface="배달의민족 한나는 열한살" panose="020B0600000101010101" pitchFamily="50" charset="-127"/>
+              </a:endParaRPr>
+            </a:p>
+          </p:txBody>
+        </p:sp>
+      </p:grpSp>
+    </p:spTree>
+    <p:extLst>
+      <p:ext uri="{BB962C8B-B14F-4D97-AF65-F5344CB8AC3E}">
+        <p14:creationId xmlns:p14="http://schemas.microsoft.com/office/powerpoint/2010/main" val="1920571013"/>
+      </p:ext>
+    </p:extLst>
+  </p:cSld>
+  <p:clrMapOvr>
+    <a:masterClrMapping/>
+  </p:clrMapOvr>
+  <p:transition spd="slow">
+    <p:wipe dir="r"/>
+  </p:transition>
+  <p:timing>
+    <p:tnLst>
+      <p:par>
+        <p:cTn id="1" dur="indefinite" restart="never" nodeType="tmRoot">
+          <p:childTnLst>
+            <p:seq concurrent="1" nextAc="seek">
+              <p:cTn id="2" dur="indefinite" nodeType="mainSeq">
+                <p:childTnLst>
+                  <p:par>
+                    <p:cTn id="3" fill="hold">
+                      <p:stCondLst>
+                        <p:cond delay="indefinite"/>
+                        <p:cond evt="onBegin" delay="0">
+                          <p:tn val="2"/>
+                        </p:cond>
+                      </p:stCondLst>
+                      <p:childTnLst>
+                        <p:par>
+                          <p:cTn id="4" fill="hold">
+                            <p:stCondLst>
+                              <p:cond delay="0"/>
+                            </p:stCondLst>
+                            <p:childTnLst>
+                              <p:par>
+                                <p:cTn id="5" presetID="10" presetClass="entr" presetSubtype="0" fill="hold" nodeType="withEffect">
+                                  <p:stCondLst>
+                                    <p:cond delay="500"/>
+                                  </p:stCondLst>
+                                  <p:childTnLst>
+                                    <p:set>
+                                      <p:cBhvr>
+                                        <p:cTn id="6" dur="1" fill="hold">
+                                          <p:stCondLst>
+                                            <p:cond delay="0"/>
+                                          </p:stCondLst>
+                                        </p:cTn>
+                                        <p:tgtEl>
+                                          <p:spTgt spid="66"/>
+                                        </p:tgtEl>
+                                        <p:attrNameLst>
+                                          <p:attrName>style.visibility</p:attrName>
+                                        </p:attrNameLst>
+                                      </p:cBhvr>
+                                      <p:to>
+                                        <p:strVal val="visible"/>
+                                      </p:to>
+                                    </p:set>
+                                    <p:animEffect transition="in" filter="fade">
+                                      <p:cBhvr>
+                                        <p:cTn id="7" dur="750"/>
+                                        <p:tgtEl>
+                                          <p:spTgt spid="66"/>
+                                        </p:tgtEl>
+                                      </p:cBhvr>
+                                    </p:animEffect>
+                                  </p:childTnLst>
+                                </p:cTn>
+                              </p:par>
+                              <p:par>
+                                <p:cTn id="8" presetID="10" presetClass="exit" presetSubtype="0" fill="hold" nodeType="withEffect">
+                                  <p:stCondLst>
+                                    <p:cond delay="500"/>
+                                  </p:stCondLst>
+                                  <p:childTnLst>
+                                    <p:animEffect transition="out" filter="fade">
+                                      <p:cBhvr>
+                                        <p:cTn id="9" dur="750"/>
+                                        <p:tgtEl>
+                                          <p:spTgt spid="17"/>
+                                        </p:tgtEl>
+                                      </p:cBhvr>
+                                    </p:animEffect>
+                                    <p:set>
+                                      <p:cBhvr>
+                                        <p:cTn id="10" dur="1" fill="hold">
+                                          <p:stCondLst>
+                                            <p:cond delay="749"/>
+                                          </p:stCondLst>
+                                        </p:cTn>
+                                        <p:tgtEl>
+                                          <p:spTgt spid="17"/>
+                                        </p:tgtEl>
+                                        <p:attrNameLst>
+                                          <p:attrName>style.visibility</p:attrName>
+                                        </p:attrNameLst>
+                                      </p:cBhvr>
+                                      <p:to>
+                                        <p:strVal val="hidden"/>
+                                      </p:to>
+                                    </p:set>
+                                  </p:childTnLst>
+                                </p:cTn>
+                              </p:par>
+                              <p:par>
+                                <p:cTn id="11" presetID="8" presetClass="emph" presetSubtype="0" repeatCount="indefinite" fill="hold" nodeType="withEffect">
+                                  <p:stCondLst>
+                                    <p:cond delay="0"/>
+                                  </p:stCondLst>
+                                  <p:childTnLst>
+                                    <p:animRot by="-21600000">
+                                      <p:cBhvr>
+                                        <p:cTn id="12" dur="14000" fill="hold"/>
+                                        <p:tgtEl>
+                                          <p:spTgt spid="12"/>
+                                        </p:tgtEl>
+                                        <p:attrNameLst>
+                                          <p:attrName>r</p:attrName>
+                                        </p:attrNameLst>
+                                      </p:cBhvr>
+                                    </p:animRot>
+                                  </p:childTnLst>
+                                </p:cTn>
+                              </p:par>
+                              <p:par>
+                                <p:cTn id="13" presetID="8" presetClass="emph" presetSubtype="0" repeatCount="indefinite" fill="hold" nodeType="withEffect">
+                                  <p:stCondLst>
+                                    <p:cond delay="0"/>
+                                  </p:stCondLst>
+                                  <p:childTnLst>
+                                    <p:animRot by="21600000">
+                                      <p:cBhvr>
+                                        <p:cTn id="14" dur="10000" fill="hold"/>
+                                        <p:tgtEl>
+                                          <p:spTgt spid="7"/>
+                                        </p:tgtEl>
+                                        <p:attrNameLst>
+                                          <p:attrName>r</p:attrName>
+                                        </p:attrNameLst>
+                                      </p:cBhvr>
+                                    </p:animRot>
+                                  </p:childTnLst>
+                                </p:cTn>
+                              </p:par>
+                              <p:par>
+                                <p:cTn id="15" presetID="35" presetClass="path" presetSubtype="0" accel="50000" decel="50000" fill="hold" nodeType="withEffect">
+                                  <p:stCondLst>
+                                    <p:cond delay="0"/>
+                                  </p:stCondLst>
+                                  <p:childTnLst>
+                                    <p:animMotion origin="layout" path="M 0 0 L 0.50039 0 " pathEditMode="relative" rAng="0" ptsTypes="AA">
+                                      <p:cBhvr>
+                                        <p:cTn id="16" dur="1000" fill="hold"/>
+                                        <p:tgtEl>
+                                          <p:spTgt spid="12"/>
+                                        </p:tgtEl>
+                                        <p:attrNameLst>
+                                          <p:attrName>ppt_x</p:attrName>
+                                          <p:attrName>ppt_y</p:attrName>
+                                        </p:attrNameLst>
+                                      </p:cBhvr>
+                                      <p:rCtr x="25013" y="0"/>
+                                    </p:animMotion>
+                                  </p:childTnLst>
+                                </p:cTn>
+                              </p:par>
+                              <p:par>
+                                <p:cTn id="17" presetID="35" presetClass="path" presetSubtype="0" accel="50000" decel="50000" fill="hold" nodeType="withEffect">
+                                  <p:stCondLst>
+                                    <p:cond delay="0"/>
+                                  </p:stCondLst>
+                                  <p:childTnLst>
+                                    <p:animMotion origin="layout" path="M 0 0 L 0.50039 0 " pathEditMode="relative" rAng="0" ptsTypes="AA">
+                                      <p:cBhvr>
+                                        <p:cTn id="18" dur="1000" fill="hold"/>
+                                        <p:tgtEl>
+                                          <p:spTgt spid="7"/>
+                                        </p:tgtEl>
+                                        <p:attrNameLst>
+                                          <p:attrName>ppt_x</p:attrName>
+                                          <p:attrName>ppt_y</p:attrName>
+                                        </p:attrNameLst>
+                                      </p:cBhvr>
+                                      <p:rCtr x="25013" y="0"/>
+                                    </p:animMotion>
+                                  </p:childTnLst>
+                                </p:cTn>
+                              </p:par>
+                              <p:par>
+                                <p:cTn id="19" presetID="63" presetClass="path" presetSubtype="0" accel="50000" decel="50000" fill="hold" nodeType="withEffect">
+                                  <p:stCondLst>
+                                    <p:cond delay="0"/>
+                                  </p:stCondLst>
+                                  <p:childTnLst>
+                                    <p:animMotion origin="layout" path="M 0 3.7037E-6 L 0.50078 0.00254 " pathEditMode="relative" rAng="0" ptsTypes="AA">
+                                      <p:cBhvr>
+                                        <p:cTn id="20" dur="1000" fill="hold"/>
+                                        <p:tgtEl>
+                                          <p:spTgt spid="17"/>
+                                        </p:tgtEl>
+                                        <p:attrNameLst>
+                                          <p:attrName>ppt_x</p:attrName>
+                                          <p:attrName>ppt_y</p:attrName>
+                                        </p:attrNameLst>
+                                      </p:cBhvr>
+                                      <p:rCtr x="25039" y="116"/>
+                                    </p:animMotion>
+                                  </p:childTnLst>
+                                </p:cTn>
+                              </p:par>
+                              <p:par>
+                                <p:cTn id="21" presetID="8" presetClass="emph" presetSubtype="0" repeatCount="indefinite" fill="hold" nodeType="withEffect">
+                                  <p:stCondLst>
+                                    <p:cond delay="0"/>
+                                  </p:stCondLst>
+                                  <p:childTnLst>
+                                    <p:animRot by="21600000">
+                                      <p:cBhvr>
+                                        <p:cTn id="22" dur="7000" fill="hold"/>
+                                        <p:tgtEl>
+                                          <p:spTgt spid="18"/>
+                                        </p:tgtEl>
+                                        <p:attrNameLst>
+                                          <p:attrName>r</p:attrName>
+                                        </p:attrNameLst>
+                                      </p:cBhvr>
+                                    </p:animRot>
+                                  </p:childTnLst>
+                                </p:cTn>
+                              </p:par>
+                              <p:par>
+                                <p:cTn id="23" presetID="35" presetClass="path" presetSubtype="0" accel="50000" decel="50000" fill="hold" nodeType="withEffect">
+                                  <p:stCondLst>
+                                    <p:cond delay="0"/>
+                                  </p:stCondLst>
+                                  <p:childTnLst>
+                                    <p:animMotion origin="layout" path="M 0 0 L 0.50039 0 " pathEditMode="relative" rAng="0" ptsTypes="AA">
+                                      <p:cBhvr>
+                                        <p:cTn id="24" dur="1000" fill="hold"/>
+                                        <p:tgtEl>
+                                          <p:spTgt spid="18"/>
+                                        </p:tgtEl>
+                                        <p:attrNameLst>
+                                          <p:attrName>ppt_x</p:attrName>
+                                          <p:attrName>ppt_y</p:attrName>
+                                        </p:attrNameLst>
+                                      </p:cBhvr>
+                                      <p:rCtr x="25013" y="0"/>
+                                    </p:animMotion>
+                                  </p:childTnLst>
+                                </p:cTn>
+                              </p:par>
+                              <p:par>
+                                <p:cTn id="25" presetID="63" presetClass="path" presetSubtype="0" accel="50000" decel="50000" fill="hold" nodeType="withEffect">
+                                  <p:stCondLst>
+                                    <p:cond delay="0"/>
+                                  </p:stCondLst>
+                                  <p:childTnLst>
+                                    <p:animMotion origin="layout" path="M 0 1.11111E-6 L 0.50078 0.00255 " pathEditMode="relative" rAng="0" ptsTypes="AA">
+                                      <p:cBhvr>
+                                        <p:cTn id="26" dur="1000" fill="hold"/>
+                                        <p:tgtEl>
+                                          <p:spTgt spid="66"/>
+                                        </p:tgtEl>
+                                        <p:attrNameLst>
+                                          <p:attrName>ppt_x</p:attrName>
+                                          <p:attrName>ppt_y</p:attrName>
+                                        </p:attrNameLst>
+                                      </p:cBhvr>
+                                      <p:rCtr x="25039" y="116"/>
+                                    </p:animMotion>
+                                  </p:childTnLst>
+                                </p:cTn>
+                              </p:par>
+                              <p:par>
+                                <p:cTn id="27" presetID="1" presetClass="exit" presetSubtype="0" fill="hold" nodeType="withEffect">
+                                  <p:stCondLst>
+                                    <p:cond delay="1500"/>
+                                  </p:stCondLst>
+                                  <p:childTnLst>
+                                    <p:set>
+                                      <p:cBhvr>
+                                        <p:cTn id="28" dur="1" fill="hold">
+                                          <p:stCondLst>
+                                            <p:cond delay="0"/>
+                                          </p:stCondLst>
+                                        </p:cTn>
+                                        <p:tgtEl>
+                                          <p:spTgt spid="66"/>
+                                        </p:tgtEl>
+                                        <p:attrNameLst>
+                                          <p:attrName>style.visibility</p:attrName>
+                                        </p:attrNameLst>
+                                      </p:cBhvr>
+                                      <p:to>
+                                        <p:strVal val="hidden"/>
+                                      </p:to>
+                                    </p:set>
+                                  </p:childTnLst>
+                                </p:cTn>
+                              </p:par>
+                              <p:par>
+                                <p:cTn id="29" presetID="1" presetClass="entr" presetSubtype="0" fill="hold" nodeType="withEffect">
+                                  <p:stCondLst>
+                                    <p:cond delay="1500"/>
+                                  </p:stCondLst>
+                                  <p:childTnLst>
+                                    <p:set>
+                                      <p:cBhvr>
+                                        <p:cTn id="30" dur="1" fill="hold">
+                                          <p:stCondLst>
+                                            <p:cond delay="0"/>
+                                          </p:stCondLst>
+                                        </p:cTn>
+                                        <p:tgtEl>
+                                          <p:spTgt spid="24"/>
+                                        </p:tgtEl>
+                                        <p:attrNameLst>
+                                          <p:attrName>style.visibility</p:attrName>
+                                        </p:attrNameLst>
+                                      </p:cBhvr>
+                                      <p:to>
+                                        <p:strVal val="visible"/>
+                                      </p:to>
+                                    </p:set>
+                                  </p:childTnLst>
+                                </p:cTn>
+                              </p:par>
+                            </p:childTnLst>
+                          </p:cTn>
+                        </p:par>
+                      </p:childTnLst>
+                    </p:cTn>
+                  </p:par>
+                </p:childTnLst>
+              </p:cTn>
+              <p:prevCondLst>
+                <p:cond evt="onPrev" delay="0">
+                  <p:tgtEl>
+                    <p:sldTgt/>
+                  </p:tgtEl>
+                </p:cond>
+              </p:prevCondLst>
+              <p:nextCondLst>
+                <p:cond evt="onNext" delay="0">
+                  <p:tgtEl>
+                    <p:sldTgt/>
+                  </p:tgtEl>
+                </p:cond>
+              </p:nextCondLst>
+            </p:seq>
+          </p:childTnLst>
+        </p:cTn>
+      </p:par>
+    </p:tnLst>
   </p:timing>
 </p:sld>
 </file>
